--- a/diagram/diagram.pptx
+++ b/diagram/diagram.pptx
@@ -5,8 +5,10 @@
     <p:sldMasterId id="2147483648" r:id="rId1"/>
   </p:sldMasterIdLst>
   <p:sldIdLst>
-    <p:sldId id="256" r:id="rId2"/>
-    <p:sldId id="257" r:id="rId3"/>
+    <p:sldId id="257" r:id="rId2"/>
+    <p:sldId id="260" r:id="rId3"/>
+    <p:sldId id="258" r:id="rId4"/>
+    <p:sldId id="259" r:id="rId5"/>
   </p:sldIdLst>
   <p:sldSz cx="9144000" cy="6858000" type="screen4x3"/>
   <p:notesSz cx="6858000" cy="9144000"/>
@@ -149,7 +151,7 @@
               <a:rPr lang="en-US" smtClean="0"/>
               <a:t>Click to edit Master title style</a:t>
             </a:r>
-            <a:endParaRPr lang="en-US"/>
+            <a:endParaRPr lang="en-CA"/>
           </a:p>
         </p:txBody>
       </p:sp>
@@ -268,7 +270,7 @@
               <a:rPr lang="en-US" smtClean="0"/>
               <a:t>Click to edit Master subtitle style</a:t>
             </a:r>
-            <a:endParaRPr lang="en-US"/>
+            <a:endParaRPr lang="en-CA"/>
           </a:p>
         </p:txBody>
       </p:sp>
@@ -287,12 +289,12 @@
           <a:bodyPr/>
           <a:lstStyle/>
           <a:p>
-            <a:fld id="{1D8BD707-D9CF-40AE-B4C6-C98DA3205C09}" type="datetimeFigureOut">
-              <a:rPr lang="en-US" smtClean="0"/>
+            <a:fld id="{82CF9851-EE1D-4009-BC80-B0EAA3EB7802}" type="datetimeFigureOut">
+              <a:rPr lang="en-CA" smtClean="0"/>
               <a:pPr/>
-              <a:t>11-Jun-19</a:t>
+              <a:t>18/06/2019</a:t>
             </a:fld>
-            <a:endParaRPr lang="en-US"/>
+            <a:endParaRPr lang="en-CA"/>
           </a:p>
         </p:txBody>
       </p:sp>
@@ -311,7 +313,7 @@
           <a:bodyPr/>
           <a:lstStyle/>
           <a:p>
-            <a:endParaRPr lang="en-US"/>
+            <a:endParaRPr lang="en-CA"/>
           </a:p>
         </p:txBody>
       </p:sp>
@@ -330,16 +332,21 @@
           <a:bodyPr/>
           <a:lstStyle/>
           <a:p>
-            <a:fld id="{B6F15528-21DE-4FAA-801E-634DDDAF4B2B}" type="slidenum">
-              <a:rPr lang="en-US" smtClean="0"/>
+            <a:fld id="{567B2C55-2092-41AB-8951-01DE17B2FB20}" type="slidenum">
+              <a:rPr lang="en-CA" smtClean="0"/>
               <a:pPr/>
               <a:t>‹#›</a:t>
             </a:fld>
-            <a:endParaRPr lang="en-US"/>
+            <a:endParaRPr lang="en-CA"/>
           </a:p>
         </p:txBody>
       </p:sp>
     </p:spTree>
+    <p:extLst>
+      <p:ext uri="{BB962C8B-B14F-4D97-AF65-F5344CB8AC3E}">
+        <p14:creationId xmlns:p14="http://schemas.microsoft.com/office/powerpoint/2010/main" xmlns="" val="3850539456"/>
+      </p:ext>
+    </p:extLst>
   </p:cSld>
   <p:clrMapOvr>
     <a:masterClrMapping/>
@@ -383,7 +390,7 @@
               <a:rPr lang="en-US" smtClean="0"/>
               <a:t>Click to edit Master title style</a:t>
             </a:r>
-            <a:endParaRPr lang="en-US"/>
+            <a:endParaRPr lang="en-CA"/>
           </a:p>
         </p:txBody>
       </p:sp>
@@ -435,7 +442,7 @@
               <a:rPr lang="en-US" smtClean="0"/>
               <a:t>Fifth level</a:t>
             </a:r>
-            <a:endParaRPr lang="en-US"/>
+            <a:endParaRPr lang="en-CA"/>
           </a:p>
         </p:txBody>
       </p:sp>
@@ -454,12 +461,12 @@
           <a:bodyPr/>
           <a:lstStyle/>
           <a:p>
-            <a:fld id="{1D8BD707-D9CF-40AE-B4C6-C98DA3205C09}" type="datetimeFigureOut">
-              <a:rPr lang="en-US" smtClean="0"/>
+            <a:fld id="{82CF9851-EE1D-4009-BC80-B0EAA3EB7802}" type="datetimeFigureOut">
+              <a:rPr lang="en-CA" smtClean="0"/>
               <a:pPr/>
-              <a:t>11-Jun-19</a:t>
+              <a:t>18/06/2019</a:t>
             </a:fld>
-            <a:endParaRPr lang="en-US"/>
+            <a:endParaRPr lang="en-CA"/>
           </a:p>
         </p:txBody>
       </p:sp>
@@ -478,7 +485,7 @@
           <a:bodyPr/>
           <a:lstStyle/>
           <a:p>
-            <a:endParaRPr lang="en-US"/>
+            <a:endParaRPr lang="en-CA"/>
           </a:p>
         </p:txBody>
       </p:sp>
@@ -497,16 +504,21 @@
           <a:bodyPr/>
           <a:lstStyle/>
           <a:p>
-            <a:fld id="{B6F15528-21DE-4FAA-801E-634DDDAF4B2B}" type="slidenum">
-              <a:rPr lang="en-US" smtClean="0"/>
+            <a:fld id="{567B2C55-2092-41AB-8951-01DE17B2FB20}" type="slidenum">
+              <a:rPr lang="en-CA" smtClean="0"/>
               <a:pPr/>
               <a:t>‹#›</a:t>
             </a:fld>
-            <a:endParaRPr lang="en-US"/>
+            <a:endParaRPr lang="en-CA"/>
           </a:p>
         </p:txBody>
       </p:sp>
     </p:spTree>
+    <p:extLst>
+      <p:ext uri="{BB962C8B-B14F-4D97-AF65-F5344CB8AC3E}">
+        <p14:creationId xmlns:p14="http://schemas.microsoft.com/office/powerpoint/2010/main" xmlns="" val="2272852802"/>
+      </p:ext>
+    </p:extLst>
   </p:cSld>
   <p:clrMapOvr>
     <a:masterClrMapping/>
@@ -555,7 +567,7 @@
               <a:rPr lang="en-US" smtClean="0"/>
               <a:t>Click to edit Master title style</a:t>
             </a:r>
-            <a:endParaRPr lang="en-US"/>
+            <a:endParaRPr lang="en-CA"/>
           </a:p>
         </p:txBody>
       </p:sp>
@@ -612,7 +624,7 @@
               <a:rPr lang="en-US" smtClean="0"/>
               <a:t>Fifth level</a:t>
             </a:r>
-            <a:endParaRPr lang="en-US"/>
+            <a:endParaRPr lang="en-CA"/>
           </a:p>
         </p:txBody>
       </p:sp>
@@ -631,12 +643,12 @@
           <a:bodyPr/>
           <a:lstStyle/>
           <a:p>
-            <a:fld id="{1D8BD707-D9CF-40AE-B4C6-C98DA3205C09}" type="datetimeFigureOut">
-              <a:rPr lang="en-US" smtClean="0"/>
+            <a:fld id="{82CF9851-EE1D-4009-BC80-B0EAA3EB7802}" type="datetimeFigureOut">
+              <a:rPr lang="en-CA" smtClean="0"/>
               <a:pPr/>
-              <a:t>11-Jun-19</a:t>
+              <a:t>18/06/2019</a:t>
             </a:fld>
-            <a:endParaRPr lang="en-US"/>
+            <a:endParaRPr lang="en-CA"/>
           </a:p>
         </p:txBody>
       </p:sp>
@@ -655,7 +667,7 @@
           <a:bodyPr/>
           <a:lstStyle/>
           <a:p>
-            <a:endParaRPr lang="en-US"/>
+            <a:endParaRPr lang="en-CA"/>
           </a:p>
         </p:txBody>
       </p:sp>
@@ -674,16 +686,21 @@
           <a:bodyPr/>
           <a:lstStyle/>
           <a:p>
-            <a:fld id="{B6F15528-21DE-4FAA-801E-634DDDAF4B2B}" type="slidenum">
-              <a:rPr lang="en-US" smtClean="0"/>
+            <a:fld id="{567B2C55-2092-41AB-8951-01DE17B2FB20}" type="slidenum">
+              <a:rPr lang="en-CA" smtClean="0"/>
               <a:pPr/>
               <a:t>‹#›</a:t>
             </a:fld>
-            <a:endParaRPr lang="en-US"/>
+            <a:endParaRPr lang="en-CA"/>
           </a:p>
         </p:txBody>
       </p:sp>
     </p:spTree>
+    <p:extLst>
+      <p:ext uri="{BB962C8B-B14F-4D97-AF65-F5344CB8AC3E}">
+        <p14:creationId xmlns:p14="http://schemas.microsoft.com/office/powerpoint/2010/main" xmlns="" val="1331525885"/>
+      </p:ext>
+    </p:extLst>
   </p:cSld>
   <p:clrMapOvr>
     <a:masterClrMapping/>
@@ -727,7 +744,7 @@
               <a:rPr lang="en-US" smtClean="0"/>
               <a:t>Click to edit Master title style</a:t>
             </a:r>
-            <a:endParaRPr lang="en-US"/>
+            <a:endParaRPr lang="en-CA"/>
           </a:p>
         </p:txBody>
       </p:sp>
@@ -779,7 +796,7 @@
               <a:rPr lang="en-US" smtClean="0"/>
               <a:t>Fifth level</a:t>
             </a:r>
-            <a:endParaRPr lang="en-US"/>
+            <a:endParaRPr lang="en-CA"/>
           </a:p>
         </p:txBody>
       </p:sp>
@@ -798,12 +815,12 @@
           <a:bodyPr/>
           <a:lstStyle/>
           <a:p>
-            <a:fld id="{1D8BD707-D9CF-40AE-B4C6-C98DA3205C09}" type="datetimeFigureOut">
-              <a:rPr lang="en-US" smtClean="0"/>
+            <a:fld id="{82CF9851-EE1D-4009-BC80-B0EAA3EB7802}" type="datetimeFigureOut">
+              <a:rPr lang="en-CA" smtClean="0"/>
               <a:pPr/>
-              <a:t>11-Jun-19</a:t>
+              <a:t>18/06/2019</a:t>
             </a:fld>
-            <a:endParaRPr lang="en-US"/>
+            <a:endParaRPr lang="en-CA"/>
           </a:p>
         </p:txBody>
       </p:sp>
@@ -822,7 +839,7 @@
           <a:bodyPr/>
           <a:lstStyle/>
           <a:p>
-            <a:endParaRPr lang="en-US"/>
+            <a:endParaRPr lang="en-CA"/>
           </a:p>
         </p:txBody>
       </p:sp>
@@ -841,16 +858,21 @@
           <a:bodyPr/>
           <a:lstStyle/>
           <a:p>
-            <a:fld id="{B6F15528-21DE-4FAA-801E-634DDDAF4B2B}" type="slidenum">
-              <a:rPr lang="en-US" smtClean="0"/>
+            <a:fld id="{567B2C55-2092-41AB-8951-01DE17B2FB20}" type="slidenum">
+              <a:rPr lang="en-CA" smtClean="0"/>
               <a:pPr/>
               <a:t>‹#›</a:t>
             </a:fld>
-            <a:endParaRPr lang="en-US"/>
+            <a:endParaRPr lang="en-CA"/>
           </a:p>
         </p:txBody>
       </p:sp>
     </p:spTree>
+    <p:extLst>
+      <p:ext uri="{BB962C8B-B14F-4D97-AF65-F5344CB8AC3E}">
+        <p14:creationId xmlns:p14="http://schemas.microsoft.com/office/powerpoint/2010/main" xmlns="" val="2446181591"/>
+      </p:ext>
+    </p:extLst>
   </p:cSld>
   <p:clrMapOvr>
     <a:masterClrMapping/>
@@ -903,7 +925,7 @@
               <a:rPr lang="en-US" smtClean="0"/>
               <a:t>Click to edit Master title style</a:t>
             </a:r>
-            <a:endParaRPr lang="en-US"/>
+            <a:endParaRPr lang="en-CA"/>
           </a:p>
         </p:txBody>
       </p:sp>
@@ -1041,12 +1063,12 @@
           <a:bodyPr/>
           <a:lstStyle/>
           <a:p>
-            <a:fld id="{1D8BD707-D9CF-40AE-B4C6-C98DA3205C09}" type="datetimeFigureOut">
-              <a:rPr lang="en-US" smtClean="0"/>
+            <a:fld id="{82CF9851-EE1D-4009-BC80-B0EAA3EB7802}" type="datetimeFigureOut">
+              <a:rPr lang="en-CA" smtClean="0"/>
               <a:pPr/>
-              <a:t>11-Jun-19</a:t>
+              <a:t>18/06/2019</a:t>
             </a:fld>
-            <a:endParaRPr lang="en-US"/>
+            <a:endParaRPr lang="en-CA"/>
           </a:p>
         </p:txBody>
       </p:sp>
@@ -1065,7 +1087,7 @@
           <a:bodyPr/>
           <a:lstStyle/>
           <a:p>
-            <a:endParaRPr lang="en-US"/>
+            <a:endParaRPr lang="en-CA"/>
           </a:p>
         </p:txBody>
       </p:sp>
@@ -1084,16 +1106,21 @@
           <a:bodyPr/>
           <a:lstStyle/>
           <a:p>
-            <a:fld id="{B6F15528-21DE-4FAA-801E-634DDDAF4B2B}" type="slidenum">
-              <a:rPr lang="en-US" smtClean="0"/>
+            <a:fld id="{567B2C55-2092-41AB-8951-01DE17B2FB20}" type="slidenum">
+              <a:rPr lang="en-CA" smtClean="0"/>
               <a:pPr/>
               <a:t>‹#›</a:t>
             </a:fld>
-            <a:endParaRPr lang="en-US"/>
+            <a:endParaRPr lang="en-CA"/>
           </a:p>
         </p:txBody>
       </p:sp>
     </p:spTree>
+    <p:extLst>
+      <p:ext uri="{BB962C8B-B14F-4D97-AF65-F5344CB8AC3E}">
+        <p14:creationId xmlns:p14="http://schemas.microsoft.com/office/powerpoint/2010/main" xmlns="" val="301963230"/>
+      </p:ext>
+    </p:extLst>
   </p:cSld>
   <p:clrMapOvr>
     <a:masterClrMapping/>
@@ -1137,7 +1164,7 @@
               <a:rPr lang="en-US" smtClean="0"/>
               <a:t>Click to edit Master title style</a:t>
             </a:r>
-            <a:endParaRPr lang="en-US"/>
+            <a:endParaRPr lang="en-CA"/>
           </a:p>
         </p:txBody>
       </p:sp>
@@ -1222,7 +1249,7 @@
               <a:rPr lang="en-US" smtClean="0"/>
               <a:t>Fifth level</a:t>
             </a:r>
-            <a:endParaRPr lang="en-US"/>
+            <a:endParaRPr lang="en-CA"/>
           </a:p>
         </p:txBody>
       </p:sp>
@@ -1307,7 +1334,7 @@
               <a:rPr lang="en-US" smtClean="0"/>
               <a:t>Fifth level</a:t>
             </a:r>
-            <a:endParaRPr lang="en-US"/>
+            <a:endParaRPr lang="en-CA"/>
           </a:p>
         </p:txBody>
       </p:sp>
@@ -1326,12 +1353,12 @@
           <a:bodyPr/>
           <a:lstStyle/>
           <a:p>
-            <a:fld id="{1D8BD707-D9CF-40AE-B4C6-C98DA3205C09}" type="datetimeFigureOut">
-              <a:rPr lang="en-US" smtClean="0"/>
+            <a:fld id="{82CF9851-EE1D-4009-BC80-B0EAA3EB7802}" type="datetimeFigureOut">
+              <a:rPr lang="en-CA" smtClean="0"/>
               <a:pPr/>
-              <a:t>11-Jun-19</a:t>
+              <a:t>18/06/2019</a:t>
             </a:fld>
-            <a:endParaRPr lang="en-US"/>
+            <a:endParaRPr lang="en-CA"/>
           </a:p>
         </p:txBody>
       </p:sp>
@@ -1350,7 +1377,7 @@
           <a:bodyPr/>
           <a:lstStyle/>
           <a:p>
-            <a:endParaRPr lang="en-US"/>
+            <a:endParaRPr lang="en-CA"/>
           </a:p>
         </p:txBody>
       </p:sp>
@@ -1369,16 +1396,21 @@
           <a:bodyPr/>
           <a:lstStyle/>
           <a:p>
-            <a:fld id="{B6F15528-21DE-4FAA-801E-634DDDAF4B2B}" type="slidenum">
-              <a:rPr lang="en-US" smtClean="0"/>
+            <a:fld id="{567B2C55-2092-41AB-8951-01DE17B2FB20}" type="slidenum">
+              <a:rPr lang="en-CA" smtClean="0"/>
               <a:pPr/>
               <a:t>‹#›</a:t>
             </a:fld>
-            <a:endParaRPr lang="en-US"/>
+            <a:endParaRPr lang="en-CA"/>
           </a:p>
         </p:txBody>
       </p:sp>
     </p:spTree>
+    <p:extLst>
+      <p:ext uri="{BB962C8B-B14F-4D97-AF65-F5344CB8AC3E}">
+        <p14:creationId xmlns:p14="http://schemas.microsoft.com/office/powerpoint/2010/main" xmlns="" val="2135961205"/>
+      </p:ext>
+    </p:extLst>
   </p:cSld>
   <p:clrMapOvr>
     <a:masterClrMapping/>
@@ -1426,7 +1458,7 @@
               <a:rPr lang="en-US" smtClean="0"/>
               <a:t>Click to edit Master title style</a:t>
             </a:r>
-            <a:endParaRPr lang="en-US"/>
+            <a:endParaRPr lang="en-CA"/>
           </a:p>
         </p:txBody>
       </p:sp>
@@ -1576,7 +1608,7 @@
               <a:rPr lang="en-US" smtClean="0"/>
               <a:t>Fifth level</a:t>
             </a:r>
-            <a:endParaRPr lang="en-US"/>
+            <a:endParaRPr lang="en-CA"/>
           </a:p>
         </p:txBody>
       </p:sp>
@@ -1726,7 +1758,7 @@
               <a:rPr lang="en-US" smtClean="0"/>
               <a:t>Fifth level</a:t>
             </a:r>
-            <a:endParaRPr lang="en-US"/>
+            <a:endParaRPr lang="en-CA"/>
           </a:p>
         </p:txBody>
       </p:sp>
@@ -1745,12 +1777,12 @@
           <a:bodyPr/>
           <a:lstStyle/>
           <a:p>
-            <a:fld id="{1D8BD707-D9CF-40AE-B4C6-C98DA3205C09}" type="datetimeFigureOut">
-              <a:rPr lang="en-US" smtClean="0"/>
+            <a:fld id="{82CF9851-EE1D-4009-BC80-B0EAA3EB7802}" type="datetimeFigureOut">
+              <a:rPr lang="en-CA" smtClean="0"/>
               <a:pPr/>
-              <a:t>11-Jun-19</a:t>
+              <a:t>18/06/2019</a:t>
             </a:fld>
-            <a:endParaRPr lang="en-US"/>
+            <a:endParaRPr lang="en-CA"/>
           </a:p>
         </p:txBody>
       </p:sp>
@@ -1769,7 +1801,7 @@
           <a:bodyPr/>
           <a:lstStyle/>
           <a:p>
-            <a:endParaRPr lang="en-US"/>
+            <a:endParaRPr lang="en-CA"/>
           </a:p>
         </p:txBody>
       </p:sp>
@@ -1788,16 +1820,21 @@
           <a:bodyPr/>
           <a:lstStyle/>
           <a:p>
-            <a:fld id="{B6F15528-21DE-4FAA-801E-634DDDAF4B2B}" type="slidenum">
-              <a:rPr lang="en-US" smtClean="0"/>
+            <a:fld id="{567B2C55-2092-41AB-8951-01DE17B2FB20}" type="slidenum">
+              <a:rPr lang="en-CA" smtClean="0"/>
               <a:pPr/>
               <a:t>‹#›</a:t>
             </a:fld>
-            <a:endParaRPr lang="en-US"/>
+            <a:endParaRPr lang="en-CA"/>
           </a:p>
         </p:txBody>
       </p:sp>
     </p:spTree>
+    <p:extLst>
+      <p:ext uri="{BB962C8B-B14F-4D97-AF65-F5344CB8AC3E}">
+        <p14:creationId xmlns:p14="http://schemas.microsoft.com/office/powerpoint/2010/main" xmlns="" val="449772456"/>
+      </p:ext>
+    </p:extLst>
   </p:cSld>
   <p:clrMapOvr>
     <a:masterClrMapping/>
@@ -1841,7 +1878,7 @@
               <a:rPr lang="en-US" smtClean="0"/>
               <a:t>Click to edit Master title style</a:t>
             </a:r>
-            <a:endParaRPr lang="en-US"/>
+            <a:endParaRPr lang="en-CA"/>
           </a:p>
         </p:txBody>
       </p:sp>
@@ -1860,12 +1897,12 @@
           <a:bodyPr/>
           <a:lstStyle/>
           <a:p>
-            <a:fld id="{1D8BD707-D9CF-40AE-B4C6-C98DA3205C09}" type="datetimeFigureOut">
-              <a:rPr lang="en-US" smtClean="0"/>
+            <a:fld id="{82CF9851-EE1D-4009-BC80-B0EAA3EB7802}" type="datetimeFigureOut">
+              <a:rPr lang="en-CA" smtClean="0"/>
               <a:pPr/>
-              <a:t>11-Jun-19</a:t>
+              <a:t>18/06/2019</a:t>
             </a:fld>
-            <a:endParaRPr lang="en-US"/>
+            <a:endParaRPr lang="en-CA"/>
           </a:p>
         </p:txBody>
       </p:sp>
@@ -1884,7 +1921,7 @@
           <a:bodyPr/>
           <a:lstStyle/>
           <a:p>
-            <a:endParaRPr lang="en-US"/>
+            <a:endParaRPr lang="en-CA"/>
           </a:p>
         </p:txBody>
       </p:sp>
@@ -1903,16 +1940,21 @@
           <a:bodyPr/>
           <a:lstStyle/>
           <a:p>
-            <a:fld id="{B6F15528-21DE-4FAA-801E-634DDDAF4B2B}" type="slidenum">
-              <a:rPr lang="en-US" smtClean="0"/>
+            <a:fld id="{567B2C55-2092-41AB-8951-01DE17B2FB20}" type="slidenum">
+              <a:rPr lang="en-CA" smtClean="0"/>
               <a:pPr/>
               <a:t>‹#›</a:t>
             </a:fld>
-            <a:endParaRPr lang="en-US"/>
+            <a:endParaRPr lang="en-CA"/>
           </a:p>
         </p:txBody>
       </p:sp>
     </p:spTree>
+    <p:extLst>
+      <p:ext uri="{BB962C8B-B14F-4D97-AF65-F5344CB8AC3E}">
+        <p14:creationId xmlns:p14="http://schemas.microsoft.com/office/powerpoint/2010/main" xmlns="" val="3824554962"/>
+      </p:ext>
+    </p:extLst>
   </p:cSld>
   <p:clrMapOvr>
     <a:masterClrMapping/>
@@ -1952,12 +1994,12 @@
           <a:bodyPr/>
           <a:lstStyle/>
           <a:p>
-            <a:fld id="{1D8BD707-D9CF-40AE-B4C6-C98DA3205C09}" type="datetimeFigureOut">
-              <a:rPr lang="en-US" smtClean="0"/>
+            <a:fld id="{82CF9851-EE1D-4009-BC80-B0EAA3EB7802}" type="datetimeFigureOut">
+              <a:rPr lang="en-CA" smtClean="0"/>
               <a:pPr/>
-              <a:t>11-Jun-19</a:t>
+              <a:t>18/06/2019</a:t>
             </a:fld>
-            <a:endParaRPr lang="en-US"/>
+            <a:endParaRPr lang="en-CA"/>
           </a:p>
         </p:txBody>
       </p:sp>
@@ -1976,7 +2018,7 @@
           <a:bodyPr/>
           <a:lstStyle/>
           <a:p>
-            <a:endParaRPr lang="en-US"/>
+            <a:endParaRPr lang="en-CA"/>
           </a:p>
         </p:txBody>
       </p:sp>
@@ -1995,16 +2037,21 @@
           <a:bodyPr/>
           <a:lstStyle/>
           <a:p>
-            <a:fld id="{B6F15528-21DE-4FAA-801E-634DDDAF4B2B}" type="slidenum">
-              <a:rPr lang="en-US" smtClean="0"/>
+            <a:fld id="{567B2C55-2092-41AB-8951-01DE17B2FB20}" type="slidenum">
+              <a:rPr lang="en-CA" smtClean="0"/>
               <a:pPr/>
               <a:t>‹#›</a:t>
             </a:fld>
-            <a:endParaRPr lang="en-US"/>
+            <a:endParaRPr lang="en-CA"/>
           </a:p>
         </p:txBody>
       </p:sp>
     </p:spTree>
+    <p:extLst>
+      <p:ext uri="{BB962C8B-B14F-4D97-AF65-F5344CB8AC3E}">
+        <p14:creationId xmlns:p14="http://schemas.microsoft.com/office/powerpoint/2010/main" xmlns="" val="191087364"/>
+      </p:ext>
+    </p:extLst>
   </p:cSld>
   <p:clrMapOvr>
     <a:masterClrMapping/>
@@ -2057,7 +2104,7 @@
               <a:rPr lang="en-US" smtClean="0"/>
               <a:t>Click to edit Master title style</a:t>
             </a:r>
-            <a:endParaRPr lang="en-US"/>
+            <a:endParaRPr lang="en-CA"/>
           </a:p>
         </p:txBody>
       </p:sp>
@@ -2142,7 +2189,7 @@
               <a:rPr lang="en-US" smtClean="0"/>
               <a:t>Fifth level</a:t>
             </a:r>
-            <a:endParaRPr lang="en-US"/>
+            <a:endParaRPr lang="en-CA"/>
           </a:p>
         </p:txBody>
       </p:sp>
@@ -2226,12 +2273,12 @@
           <a:bodyPr/>
           <a:lstStyle/>
           <a:p>
-            <a:fld id="{1D8BD707-D9CF-40AE-B4C6-C98DA3205C09}" type="datetimeFigureOut">
-              <a:rPr lang="en-US" smtClean="0"/>
+            <a:fld id="{82CF9851-EE1D-4009-BC80-B0EAA3EB7802}" type="datetimeFigureOut">
+              <a:rPr lang="en-CA" smtClean="0"/>
               <a:pPr/>
-              <a:t>11-Jun-19</a:t>
+              <a:t>18/06/2019</a:t>
             </a:fld>
-            <a:endParaRPr lang="en-US"/>
+            <a:endParaRPr lang="en-CA"/>
           </a:p>
         </p:txBody>
       </p:sp>
@@ -2250,7 +2297,7 @@
           <a:bodyPr/>
           <a:lstStyle/>
           <a:p>
-            <a:endParaRPr lang="en-US"/>
+            <a:endParaRPr lang="en-CA"/>
           </a:p>
         </p:txBody>
       </p:sp>
@@ -2269,16 +2316,21 @@
           <a:bodyPr/>
           <a:lstStyle/>
           <a:p>
-            <a:fld id="{B6F15528-21DE-4FAA-801E-634DDDAF4B2B}" type="slidenum">
-              <a:rPr lang="en-US" smtClean="0"/>
+            <a:fld id="{567B2C55-2092-41AB-8951-01DE17B2FB20}" type="slidenum">
+              <a:rPr lang="en-CA" smtClean="0"/>
               <a:pPr/>
               <a:t>‹#›</a:t>
             </a:fld>
-            <a:endParaRPr lang="en-US"/>
+            <a:endParaRPr lang="en-CA"/>
           </a:p>
         </p:txBody>
       </p:sp>
     </p:spTree>
+    <p:extLst>
+      <p:ext uri="{BB962C8B-B14F-4D97-AF65-F5344CB8AC3E}">
+        <p14:creationId xmlns:p14="http://schemas.microsoft.com/office/powerpoint/2010/main" xmlns="" val="33760282"/>
+      </p:ext>
+    </p:extLst>
   </p:cSld>
   <p:clrMapOvr>
     <a:masterClrMapping/>
@@ -2331,7 +2383,7 @@
               <a:rPr lang="en-US" smtClean="0"/>
               <a:t>Click to edit Master title style</a:t>
             </a:r>
-            <a:endParaRPr lang="en-US"/>
+            <a:endParaRPr lang="en-CA"/>
           </a:p>
         </p:txBody>
       </p:sp>
@@ -2392,7 +2444,7 @@
             </a:lvl9pPr>
           </a:lstStyle>
           <a:p>
-            <a:endParaRPr lang="en-US"/>
+            <a:endParaRPr lang="en-CA"/>
           </a:p>
         </p:txBody>
       </p:sp>
@@ -2476,12 +2528,12 @@
           <a:bodyPr/>
           <a:lstStyle/>
           <a:p>
-            <a:fld id="{1D8BD707-D9CF-40AE-B4C6-C98DA3205C09}" type="datetimeFigureOut">
-              <a:rPr lang="en-US" smtClean="0"/>
+            <a:fld id="{82CF9851-EE1D-4009-BC80-B0EAA3EB7802}" type="datetimeFigureOut">
+              <a:rPr lang="en-CA" smtClean="0"/>
               <a:pPr/>
-              <a:t>11-Jun-19</a:t>
+              <a:t>18/06/2019</a:t>
             </a:fld>
-            <a:endParaRPr lang="en-US"/>
+            <a:endParaRPr lang="en-CA"/>
           </a:p>
         </p:txBody>
       </p:sp>
@@ -2500,7 +2552,7 @@
           <a:bodyPr/>
           <a:lstStyle/>
           <a:p>
-            <a:endParaRPr lang="en-US"/>
+            <a:endParaRPr lang="en-CA"/>
           </a:p>
         </p:txBody>
       </p:sp>
@@ -2519,16 +2571,21 @@
           <a:bodyPr/>
           <a:lstStyle/>
           <a:p>
-            <a:fld id="{B6F15528-21DE-4FAA-801E-634DDDAF4B2B}" type="slidenum">
-              <a:rPr lang="en-US" smtClean="0"/>
+            <a:fld id="{567B2C55-2092-41AB-8951-01DE17B2FB20}" type="slidenum">
+              <a:rPr lang="en-CA" smtClean="0"/>
               <a:pPr/>
               <a:t>‹#›</a:t>
             </a:fld>
-            <a:endParaRPr lang="en-US"/>
+            <a:endParaRPr lang="en-CA"/>
           </a:p>
         </p:txBody>
       </p:sp>
     </p:spTree>
+    <p:extLst>
+      <p:ext uri="{BB962C8B-B14F-4D97-AF65-F5344CB8AC3E}">
+        <p14:creationId xmlns:p14="http://schemas.microsoft.com/office/powerpoint/2010/main" xmlns="" val="3817925338"/>
+      </p:ext>
+    </p:extLst>
   </p:cSld>
   <p:clrMapOvr>
     <a:masterClrMapping/>
@@ -2587,7 +2644,7 @@
               <a:rPr lang="en-US" smtClean="0"/>
               <a:t>Click to edit Master title style</a:t>
             </a:r>
-            <a:endParaRPr lang="en-US"/>
+            <a:endParaRPr lang="en-CA"/>
           </a:p>
         </p:txBody>
       </p:sp>
@@ -2649,7 +2706,7 @@
               <a:rPr lang="en-US" smtClean="0"/>
               <a:t>Fifth level</a:t>
             </a:r>
-            <a:endParaRPr lang="en-US"/>
+            <a:endParaRPr lang="en-CA"/>
           </a:p>
         </p:txBody>
       </p:sp>
@@ -2686,12 +2743,12 @@
             </a:lvl1pPr>
           </a:lstStyle>
           <a:p>
-            <a:fld id="{1D8BD707-D9CF-40AE-B4C6-C98DA3205C09}" type="datetimeFigureOut">
-              <a:rPr lang="en-US" smtClean="0"/>
+            <a:fld id="{82CF9851-EE1D-4009-BC80-B0EAA3EB7802}" type="datetimeFigureOut">
+              <a:rPr lang="en-CA" smtClean="0"/>
               <a:pPr/>
-              <a:t>11-Jun-19</a:t>
+              <a:t>18/06/2019</a:t>
             </a:fld>
-            <a:endParaRPr lang="en-US"/>
+            <a:endParaRPr lang="en-CA"/>
           </a:p>
         </p:txBody>
       </p:sp>
@@ -2728,7 +2785,7 @@
             </a:lvl1pPr>
           </a:lstStyle>
           <a:p>
-            <a:endParaRPr lang="en-US"/>
+            <a:endParaRPr lang="en-CA"/>
           </a:p>
         </p:txBody>
       </p:sp>
@@ -2765,16 +2822,21 @@
             </a:lvl1pPr>
           </a:lstStyle>
           <a:p>
-            <a:fld id="{B6F15528-21DE-4FAA-801E-634DDDAF4B2B}" type="slidenum">
-              <a:rPr lang="en-US" smtClean="0"/>
+            <a:fld id="{567B2C55-2092-41AB-8951-01DE17B2FB20}" type="slidenum">
+              <a:rPr lang="en-CA" smtClean="0"/>
               <a:pPr/>
               <a:t>‹#›</a:t>
             </a:fld>
-            <a:endParaRPr lang="en-US"/>
+            <a:endParaRPr lang="en-CA"/>
           </a:p>
         </p:txBody>
       </p:sp>
     </p:spTree>
+    <p:extLst>
+      <p:ext uri="{BB962C8B-B14F-4D97-AF65-F5344CB8AC3E}">
+        <p14:creationId xmlns:p14="http://schemas.microsoft.com/office/powerpoint/2010/main" xmlns="" val="2954286667"/>
+      </p:ext>
+    </p:extLst>
   </p:cSld>
   <p:clrMap bg1="lt1" tx1="dk1" bg2="lt2" tx2="dk2" accent1="accent1" accent2="accent2" accent3="accent3" accent4="accent4" accent5="accent5" accent6="accent6" hlink="hlink" folHlink="folHlink"/>
   <p:sldLayoutIdLst>
@@ -2812,7 +2874,7 @@
         <a:spcBef>
           <a:spcPct val="20000"/>
         </a:spcBef>
-        <a:buFont typeface="Arial" pitchFamily="34" charset="0"/>
+        <a:buFont typeface="Arial" panose="020B0604020202020204" pitchFamily="34" charset="0"/>
         <a:buChar char="•"/>
         <a:defRPr sz="3200" kern="1200">
           <a:solidFill>
@@ -2827,7 +2889,7 @@
         <a:spcBef>
           <a:spcPct val="20000"/>
         </a:spcBef>
-        <a:buFont typeface="Arial" pitchFamily="34" charset="0"/>
+        <a:buFont typeface="Arial" panose="020B0604020202020204" pitchFamily="34" charset="0"/>
         <a:buChar char="–"/>
         <a:defRPr sz="2800" kern="1200">
           <a:solidFill>
@@ -2842,7 +2904,7 @@
         <a:spcBef>
           <a:spcPct val="20000"/>
         </a:spcBef>
-        <a:buFont typeface="Arial" pitchFamily="34" charset="0"/>
+        <a:buFont typeface="Arial" panose="020B0604020202020204" pitchFamily="34" charset="0"/>
         <a:buChar char="•"/>
         <a:defRPr sz="2400" kern="1200">
           <a:solidFill>
@@ -2857,7 +2919,7 @@
         <a:spcBef>
           <a:spcPct val="20000"/>
         </a:spcBef>
-        <a:buFont typeface="Arial" pitchFamily="34" charset="0"/>
+        <a:buFont typeface="Arial" panose="020B0604020202020204" pitchFamily="34" charset="0"/>
         <a:buChar char="–"/>
         <a:defRPr sz="2000" kern="1200">
           <a:solidFill>
@@ -2872,7 +2934,7 @@
         <a:spcBef>
           <a:spcPct val="20000"/>
         </a:spcBef>
-        <a:buFont typeface="Arial" pitchFamily="34" charset="0"/>
+        <a:buFont typeface="Arial" panose="020B0604020202020204" pitchFamily="34" charset="0"/>
         <a:buChar char="»"/>
         <a:defRPr sz="2000" kern="1200">
           <a:solidFill>
@@ -2887,7 +2949,7 @@
         <a:spcBef>
           <a:spcPct val="20000"/>
         </a:spcBef>
-        <a:buFont typeface="Arial" pitchFamily="34" charset="0"/>
+        <a:buFont typeface="Arial" panose="020B0604020202020204" pitchFamily="34" charset="0"/>
         <a:buChar char="•"/>
         <a:defRPr sz="2000" kern="1200">
           <a:solidFill>
@@ -2902,7 +2964,7 @@
         <a:spcBef>
           <a:spcPct val="20000"/>
         </a:spcBef>
-        <a:buFont typeface="Arial" pitchFamily="34" charset="0"/>
+        <a:buFont typeface="Arial" panose="020B0604020202020204" pitchFamily="34" charset="0"/>
         <a:buChar char="•"/>
         <a:defRPr sz="2000" kern="1200">
           <a:solidFill>
@@ -2917,7 +2979,7 @@
         <a:spcBef>
           <a:spcPct val="20000"/>
         </a:spcBef>
-        <a:buFont typeface="Arial" pitchFamily="34" charset="0"/>
+        <a:buFont typeface="Arial" panose="020B0604020202020204" pitchFamily="34" charset="0"/>
         <a:buChar char="•"/>
         <a:defRPr sz="2000" kern="1200">
           <a:solidFill>
@@ -2932,7 +2994,7 @@
         <a:spcBef>
           <a:spcPct val="20000"/>
         </a:spcBef>
-        <a:buFont typeface="Arial" pitchFamily="34" charset="0"/>
+        <a:buFont typeface="Arial" panose="020B0604020202020204" pitchFamily="34" charset="0"/>
         <a:buChar char="•"/>
         <a:defRPr sz="2000" kern="1200">
           <a:solidFill>
@@ -3062,30 +3124,189 @@
       </p:grpSpPr>
       <p:sp>
         <p:nvSpPr>
-          <p:cNvPr id="4" name="Cloud 3"/>
+          <p:cNvPr id="4" name="Rounded Rectangle 3"/>
           <p:cNvSpPr/>
           <p:nvPr/>
         </p:nvSpPr>
         <p:spPr>
           <a:xfrm>
-            <a:off x="3505200" y="152400"/>
-            <a:ext cx="2590800" cy="762000"/>
+            <a:off x="1502297" y="650494"/>
+            <a:ext cx="1692188" cy="360040"/>
+          </a:xfrm>
+          <a:prstGeom prst="roundRect">
+            <a:avLst>
+              <a:gd name="adj" fmla="val 37657"/>
+            </a:avLst>
+          </a:prstGeom>
+          <a:ln w="6350"/>
+        </p:spPr>
+        <p:style>
+          <a:lnRef idx="2">
+            <a:schemeClr val="accent6">
+              <a:shade val="50000"/>
+            </a:schemeClr>
+          </a:lnRef>
+          <a:fillRef idx="1">
+            <a:schemeClr val="accent6"/>
+          </a:fillRef>
+          <a:effectRef idx="0">
+            <a:schemeClr val="accent6"/>
+          </a:effectRef>
+          <a:fontRef idx="minor">
+            <a:schemeClr val="lt1"/>
+          </a:fontRef>
+        </p:style>
+        <p:txBody>
+          <a:bodyPr rtlCol="0" anchor="ctr"/>
+          <a:lstStyle/>
+          <a:p>
+            <a:pPr algn="ctr"/>
+            <a:r>
+              <a:rPr lang="en-CA" sz="1000" dirty="0" smtClean="0">
+                <a:solidFill>
+                  <a:schemeClr val="tx1"/>
+                </a:solidFill>
+              </a:rPr>
+              <a:t>Collections Head End</a:t>
+            </a:r>
+            <a:endParaRPr lang="en-CA" sz="1000" dirty="0">
+              <a:solidFill>
+                <a:schemeClr val="tx1"/>
+              </a:solidFill>
+            </a:endParaRPr>
+          </a:p>
+        </p:txBody>
+      </p:sp>
+      <p:sp>
+        <p:nvSpPr>
+          <p:cNvPr id="5" name="Rounded Rectangle 4"/>
+          <p:cNvSpPr/>
+          <p:nvPr/>
+        </p:nvSpPr>
+        <p:spPr>
+          <a:xfrm>
+            <a:off x="1502297" y="1225888"/>
+            <a:ext cx="1692188" cy="360040"/>
+          </a:xfrm>
+          <a:prstGeom prst="roundRect">
+            <a:avLst>
+              <a:gd name="adj" fmla="val 37657"/>
+            </a:avLst>
+          </a:prstGeom>
+          <a:ln w="6350"/>
+        </p:spPr>
+        <p:style>
+          <a:lnRef idx="2">
+            <a:schemeClr val="accent3">
+              <a:shade val="50000"/>
+            </a:schemeClr>
+          </a:lnRef>
+          <a:fillRef idx="1">
+            <a:schemeClr val="accent3"/>
+          </a:fillRef>
+          <a:effectRef idx="0">
+            <a:schemeClr val="accent3"/>
+          </a:effectRef>
+          <a:fontRef idx="minor">
+            <a:schemeClr val="lt1"/>
+          </a:fontRef>
+        </p:style>
+        <p:txBody>
+          <a:bodyPr rtlCol="0" anchor="ctr"/>
+          <a:lstStyle/>
+          <a:p>
+            <a:pPr algn="ctr"/>
+            <a:r>
+              <a:rPr lang="en-CA" sz="1000" dirty="0" smtClean="0">
+                <a:solidFill>
+                  <a:schemeClr val="tx1"/>
+                </a:solidFill>
+              </a:rPr>
+              <a:t>Contributions Services Gateway</a:t>
+            </a:r>
+            <a:endParaRPr lang="en-CA" sz="1000" dirty="0">
+              <a:solidFill>
+                <a:schemeClr val="tx1"/>
+              </a:solidFill>
+            </a:endParaRPr>
+          </a:p>
+        </p:txBody>
+      </p:sp>
+      <p:sp>
+        <p:nvSpPr>
+          <p:cNvPr id="6" name="Rounded Rectangle 5"/>
+          <p:cNvSpPr/>
+          <p:nvPr/>
+        </p:nvSpPr>
+        <p:spPr>
+          <a:xfrm>
+            <a:off x="836821" y="1823035"/>
+            <a:ext cx="3023140" cy="864096"/>
+          </a:xfrm>
+          <a:prstGeom prst="roundRect">
+            <a:avLst>
+              <a:gd name="adj" fmla="val 37657"/>
+            </a:avLst>
+          </a:prstGeom>
+          <a:ln w="6350"/>
+        </p:spPr>
+        <p:style>
+          <a:lnRef idx="2">
+            <a:schemeClr val="accent5">
+              <a:shade val="50000"/>
+            </a:schemeClr>
+          </a:lnRef>
+          <a:fillRef idx="1">
+            <a:schemeClr val="accent5"/>
+          </a:fillRef>
+          <a:effectRef idx="0">
+            <a:schemeClr val="accent5"/>
+          </a:effectRef>
+          <a:fontRef idx="minor">
+            <a:schemeClr val="lt1"/>
+          </a:fontRef>
+        </p:style>
+        <p:txBody>
+          <a:bodyPr rtlCol="0" anchor="t" anchorCtr="0"/>
+          <a:lstStyle/>
+          <a:p>
+            <a:pPr algn="ctr"/>
+            <a:r>
+              <a:rPr lang="en-CA" sz="1000" dirty="0" smtClean="0">
+                <a:solidFill>
+                  <a:schemeClr val="tx1"/>
+                </a:solidFill>
+              </a:rPr>
+              <a:t>Contributions Channel Server Cluster</a:t>
+            </a:r>
+            <a:endParaRPr lang="en-CA" sz="1000" dirty="0">
+              <a:solidFill>
+                <a:schemeClr val="tx1"/>
+              </a:solidFill>
+            </a:endParaRPr>
+          </a:p>
+        </p:txBody>
+      </p:sp>
+      <p:sp>
+        <p:nvSpPr>
+          <p:cNvPr id="7" name="Cloud 6"/>
+          <p:cNvSpPr/>
+          <p:nvPr/>
+        </p:nvSpPr>
+        <p:spPr>
+          <a:xfrm>
+            <a:off x="3354709" y="22835"/>
+            <a:ext cx="2592288" cy="792088"/>
           </a:xfrm>
           <a:prstGeom prst="cloud">
             <a:avLst/>
           </a:prstGeom>
           <a:solidFill>
-            <a:schemeClr val="bg1">
-              <a:lumMod val="65000"/>
+            <a:schemeClr val="bg2">
+              <a:lumMod val="90000"/>
             </a:schemeClr>
           </a:solidFill>
-          <a:ln w="12700">
-            <a:solidFill>
-              <a:schemeClr val="accent1">
-                <a:shade val="50000"/>
-              </a:schemeClr>
-            </a:solidFill>
-          </a:ln>
+          <a:ln w="6350"/>
         </p:spPr>
         <p:style>
           <a:lnRef idx="2">
@@ -3109,14 +3330,14 @@
           <a:p>
             <a:pPr algn="ctr"/>
             <a:r>
-              <a:rPr lang="en-US" sz="1400" dirty="0" smtClean="0">
+              <a:rPr lang="en-CA" sz="1200" dirty="0" smtClean="0">
                 <a:solidFill>
                   <a:schemeClr val="tx1"/>
                 </a:solidFill>
               </a:rPr>
               <a:t>Elektron Core</a:t>
             </a:r>
-            <a:endParaRPr lang="en-US" sz="1400" dirty="0">
+            <a:endParaRPr lang="en-CA" sz="1200" dirty="0">
               <a:solidFill>
                 <a:schemeClr val="tx1"/>
               </a:solidFill>
@@ -3126,39 +3347,32 @@
       </p:sp>
       <p:sp>
         <p:nvSpPr>
-          <p:cNvPr id="8" name="Rounded Rectangle 7"/>
+          <p:cNvPr id="8" name="Cloud 7"/>
           <p:cNvSpPr/>
           <p:nvPr/>
         </p:nvSpPr>
         <p:spPr>
           <a:xfrm>
-            <a:off x="685800" y="838200"/>
-            <a:ext cx="2286000" cy="381000"/>
-          </a:xfrm>
-          <a:prstGeom prst="roundRect">
-            <a:avLst/>
-          </a:prstGeom>
-          <a:solidFill>
-            <a:schemeClr val="accent6"/>
-          </a:solidFill>
-          <a:ln>
-            <a:noFill/>
-          </a:ln>
+            <a:off x="648162" y="2831147"/>
+            <a:ext cx="1656184" cy="720080"/>
+          </a:xfrm>
+          <a:prstGeom prst="cloud">
+            <a:avLst/>
+          </a:prstGeom>
+          <a:ln w="6350"/>
         </p:spPr>
         <p:style>
           <a:lnRef idx="2">
-            <a:schemeClr val="accent1">
-              <a:shade val="50000"/>
-            </a:schemeClr>
+            <a:schemeClr val="accent3"/>
           </a:lnRef>
           <a:fillRef idx="1">
-            <a:schemeClr val="accent1"/>
-          </a:fillRef>
-          <a:effectRef idx="0">
-            <a:schemeClr val="accent1"/>
-          </a:effectRef>
-          <a:fontRef idx="minor">
             <a:schemeClr val="lt1"/>
+          </a:fillRef>
+          <a:effectRef idx="0">
+            <a:schemeClr val="accent3"/>
+          </a:effectRef>
+          <a:fontRef idx="minor">
+            <a:schemeClr val="dk1"/>
           </a:fontRef>
         </p:style>
         <p:txBody>
@@ -3167,14 +3381,14 @@
           <a:p>
             <a:pPr algn="ctr"/>
             <a:r>
-              <a:rPr lang="en-US" sz="1200" dirty="0" smtClean="0">
+              <a:rPr lang="en-CA" sz="1200" dirty="0" smtClean="0">
                 <a:solidFill>
                   <a:schemeClr val="tx1"/>
                 </a:solidFill>
               </a:rPr>
-              <a:t>Collections Head End</a:t>
-            </a:r>
-            <a:endParaRPr lang="en-US" sz="1200" dirty="0">
+              <a:t>Delivery Direct</a:t>
+            </a:r>
+            <a:endParaRPr lang="en-CA" sz="1200" dirty="0">
               <a:solidFill>
                 <a:schemeClr val="tx1"/>
               </a:solidFill>
@@ -3184,42 +3398,32 @@
       </p:sp>
       <p:sp>
         <p:nvSpPr>
-          <p:cNvPr id="9" name="Rounded Rectangle 8"/>
+          <p:cNvPr id="9" name="Cloud 8"/>
           <p:cNvSpPr/>
           <p:nvPr/>
         </p:nvSpPr>
         <p:spPr>
           <a:xfrm>
-            <a:off x="685800" y="1447800"/>
-            <a:ext cx="2286000" cy="381000"/>
-          </a:xfrm>
-          <a:prstGeom prst="roundRect">
-            <a:avLst/>
-          </a:prstGeom>
-          <a:solidFill>
-            <a:schemeClr val="accent3">
-              <a:lumMod val="60000"/>
-              <a:lumOff val="40000"/>
-            </a:schemeClr>
-          </a:solidFill>
-          <a:ln>
-            <a:noFill/>
-          </a:ln>
+            <a:off x="2448362" y="2831147"/>
+            <a:ext cx="1656184" cy="720080"/>
+          </a:xfrm>
+          <a:prstGeom prst="cloud">
+            <a:avLst/>
+          </a:prstGeom>
+          <a:ln w="6350"/>
         </p:spPr>
         <p:style>
           <a:lnRef idx="2">
-            <a:schemeClr val="accent1">
-              <a:shade val="50000"/>
-            </a:schemeClr>
+            <a:schemeClr val="accent3"/>
           </a:lnRef>
           <a:fillRef idx="1">
-            <a:schemeClr val="accent1"/>
-          </a:fillRef>
-          <a:effectRef idx="0">
-            <a:schemeClr val="accent1"/>
-          </a:effectRef>
-          <a:fontRef idx="minor">
             <a:schemeClr val="lt1"/>
+          </a:fillRef>
+          <a:effectRef idx="0">
+            <a:schemeClr val="accent3"/>
+          </a:effectRef>
+          <a:fontRef idx="minor">
+            <a:schemeClr val="dk1"/>
           </a:fontRef>
         </p:style>
         <p:txBody>
@@ -3228,14 +3432,14 @@
           <a:p>
             <a:pPr algn="ctr"/>
             <a:r>
-              <a:rPr lang="en-US" sz="1200" dirty="0" smtClean="0">
+              <a:rPr lang="en-CA" sz="1200" dirty="0" smtClean="0">
                 <a:solidFill>
                   <a:schemeClr val="tx1"/>
                 </a:solidFill>
               </a:rPr>
-              <a:t>Contribution Services Gateway</a:t>
-            </a:r>
-            <a:endParaRPr lang="en-US" sz="1200" dirty="0">
+              <a:t>Internet</a:t>
+            </a:r>
+            <a:endParaRPr lang="en-CA" sz="1200" dirty="0">
               <a:solidFill>
                 <a:schemeClr val="tx1"/>
               </a:solidFill>
@@ -3243,295 +3447,251 @@
           </a:p>
         </p:txBody>
       </p:sp>
-      <p:sp>
-        <p:nvSpPr>
-          <p:cNvPr id="10" name="Rounded Rectangle 9"/>
+      <p:cxnSp>
+        <p:nvCxnSpPr>
+          <p:cNvPr id="11" name="Straight Connector 10"/>
+          <p:cNvCxnSpPr/>
+          <p:nvPr/>
+        </p:nvCxnSpPr>
+        <p:spPr>
+          <a:xfrm>
+            <a:off x="648162" y="3695243"/>
+            <a:ext cx="3673604" cy="0"/>
+          </a:xfrm>
+          <a:prstGeom prst="line">
+            <a:avLst/>
+          </a:prstGeom>
+          <a:ln w="6350">
+            <a:prstDash val="dash"/>
+          </a:ln>
+        </p:spPr>
+        <p:style>
+          <a:lnRef idx="1">
+            <a:schemeClr val="accent1"/>
+          </a:lnRef>
+          <a:fillRef idx="0">
+            <a:schemeClr val="accent1"/>
+          </a:fillRef>
+          <a:effectRef idx="0">
+            <a:schemeClr val="accent1"/>
+          </a:effectRef>
+          <a:fontRef idx="minor">
+            <a:schemeClr val="tx1"/>
+          </a:fontRef>
+        </p:style>
+      </p:cxnSp>
+      <p:sp>
+        <p:nvSpPr>
+          <p:cNvPr id="12" name="Rounded Rectangle 11"/>
           <p:cNvSpPr/>
           <p:nvPr/>
         </p:nvSpPr>
         <p:spPr>
           <a:xfrm>
-            <a:off x="457200" y="2133600"/>
-            <a:ext cx="2819400" cy="685800"/>
+            <a:off x="951080" y="4039768"/>
+            <a:ext cx="1152128" cy="576064"/>
           </a:xfrm>
           <a:prstGeom prst="roundRect">
             <a:avLst/>
           </a:prstGeom>
+          <a:ln w="6350"/>
         </p:spPr>
         <p:style>
           <a:lnRef idx="2">
-            <a:schemeClr val="accent1">
+            <a:schemeClr val="accent6">
               <a:shade val="50000"/>
             </a:schemeClr>
           </a:lnRef>
           <a:fillRef idx="1">
-            <a:schemeClr val="accent1"/>
-          </a:fillRef>
-          <a:effectRef idx="0">
-            <a:schemeClr val="accent1"/>
+            <a:schemeClr val="accent6"/>
+          </a:fillRef>
+          <a:effectRef idx="0">
+            <a:schemeClr val="accent6"/>
           </a:effectRef>
           <a:fontRef idx="minor">
             <a:schemeClr val="lt1"/>
           </a:fontRef>
         </p:style>
         <p:txBody>
-          <a:bodyPr rtlCol="0" anchor="ctr"/>
+          <a:bodyPr wrap="none" rtlCol="0" anchor="ctr"/>
           <a:lstStyle/>
           <a:p>
             <a:pPr algn="ctr"/>
-            <a:endParaRPr lang="en-US" dirty="0"/>
-          </a:p>
-        </p:txBody>
-      </p:sp>
-      <p:sp>
-        <p:nvSpPr>
-          <p:cNvPr id="11" name="Cloud 10"/>
-          <p:cNvSpPr/>
-          <p:nvPr/>
-        </p:nvSpPr>
-        <p:spPr>
-          <a:xfrm>
-            <a:off x="685800" y="2971800"/>
-            <a:ext cx="2209800" cy="457200"/>
-          </a:xfrm>
-          <a:prstGeom prst="cloud">
-            <a:avLst/>
-          </a:prstGeom>
-          <a:noFill/>
-          <a:ln w="12700">
-            <a:solidFill>
-              <a:schemeClr val="accent3">
-                <a:lumMod val="50000"/>
-              </a:schemeClr>
-            </a:solidFill>
-          </a:ln>
-        </p:spPr>
-        <p:style>
-          <a:lnRef idx="2">
-            <a:schemeClr val="accent1">
-              <a:shade val="50000"/>
-            </a:schemeClr>
-          </a:lnRef>
-          <a:fillRef idx="1">
-            <a:schemeClr val="accent1"/>
-          </a:fillRef>
-          <a:effectRef idx="0">
-            <a:schemeClr val="accent1"/>
-          </a:effectRef>
-          <a:fontRef idx="minor">
-            <a:schemeClr val="lt1"/>
-          </a:fontRef>
-        </p:style>
-        <p:txBody>
-          <a:bodyPr rtlCol="0" anchor="ctr"/>
-          <a:lstStyle/>
-          <a:p>
-            <a:pPr algn="ctr"/>
-            <a:r>
-              <a:rPr lang="en-US" sz="1400" dirty="0" smtClean="0">
-                <a:solidFill>
-                  <a:schemeClr val="tx1"/>
-                </a:solidFill>
-              </a:rPr>
-              <a:t>Delivery </a:t>
-            </a:r>
-            <a:br>
-              <a:rPr lang="en-US" sz="1400" dirty="0" smtClean="0">
-                <a:solidFill>
-                  <a:schemeClr val="tx1"/>
-                </a:solidFill>
-              </a:rPr>
-            </a:br>
-            <a:r>
-              <a:rPr lang="en-US" sz="1400" dirty="0" smtClean="0">
-                <a:solidFill>
-                  <a:schemeClr val="tx1"/>
-                </a:solidFill>
-              </a:rPr>
-              <a:t>Direct</a:t>
-            </a:r>
-            <a:endParaRPr lang="en-US" sz="1400" dirty="0">
+            <a:endParaRPr lang="en-CA" sz="1200" dirty="0" smtClean="0">
               <a:solidFill>
                 <a:schemeClr val="tx1"/>
               </a:solidFill>
             </a:endParaRPr>
           </a:p>
-        </p:txBody>
-      </p:sp>
-      <p:sp>
-        <p:nvSpPr>
-          <p:cNvPr id="12" name="Rounded Rectangle 11"/>
-          <p:cNvSpPr/>
-          <p:nvPr/>
-        </p:nvSpPr>
-        <p:spPr>
-          <a:xfrm>
-            <a:off x="1295400" y="3810000"/>
-            <a:ext cx="1143000" cy="609600"/>
-          </a:xfrm>
-          <a:prstGeom prst="roundRect">
-            <a:avLst/>
-          </a:prstGeom>
-          <a:solidFill>
-            <a:schemeClr val="accent6">
-              <a:lumMod val="75000"/>
-            </a:schemeClr>
-          </a:solidFill>
-          <a:ln>
-            <a:noFill/>
-          </a:ln>
-        </p:spPr>
-        <p:style>
-          <a:lnRef idx="2">
-            <a:schemeClr val="accent1">
-              <a:shade val="50000"/>
-            </a:schemeClr>
-          </a:lnRef>
-          <a:fillRef idx="1">
-            <a:schemeClr val="accent1"/>
-          </a:fillRef>
-          <a:effectRef idx="0">
-            <a:schemeClr val="accent1"/>
-          </a:effectRef>
-          <a:fontRef idx="minor">
-            <a:schemeClr val="lt1"/>
-          </a:fontRef>
-        </p:style>
-        <p:txBody>
-          <a:bodyPr rtlCol="0" anchor="ctr"/>
-          <a:lstStyle/>
           <a:p>
             <a:pPr algn="ctr"/>
             <a:r>
-              <a:rPr lang="en-US" sz="1400" dirty="0" smtClean="0">
+              <a:rPr lang="en-CA" sz="1200" dirty="0" smtClean="0">
                 <a:solidFill>
                   <a:schemeClr val="tx1"/>
                 </a:solidFill>
               </a:rPr>
               <a:t>ADH</a:t>
             </a:r>
-            <a:endParaRPr lang="en-US" sz="1400" dirty="0">
-              <a:solidFill>
-                <a:schemeClr val="tx1"/>
-              </a:solidFill>
-            </a:endParaRPr>
-          </a:p>
-        </p:txBody>
-      </p:sp>
-      <p:sp>
-        <p:nvSpPr>
-          <p:cNvPr id="14" name="Rounded Rectangle 13"/>
+          </a:p>
+        </p:txBody>
+      </p:sp>
+      <p:sp>
+        <p:nvSpPr>
+          <p:cNvPr id="13" name="Rounded Rectangle 12"/>
           <p:cNvSpPr/>
           <p:nvPr/>
         </p:nvSpPr>
         <p:spPr>
           <a:xfrm>
-            <a:off x="1295400" y="4648200"/>
-            <a:ext cx="1143000" cy="609600"/>
+            <a:off x="951080" y="4771660"/>
+            <a:ext cx="1152128" cy="576064"/>
           </a:xfrm>
           <a:prstGeom prst="roundRect">
             <a:avLst/>
           </a:prstGeom>
-          <a:solidFill>
+          <a:ln w="6350"/>
+        </p:spPr>
+        <p:style>
+          <a:lnRef idx="2">
             <a:schemeClr val="accent6">
-              <a:lumMod val="75000"/>
-            </a:schemeClr>
-          </a:solidFill>
-          <a:ln>
-            <a:noFill/>
-          </a:ln>
-        </p:spPr>
-        <p:style>
-          <a:lnRef idx="2">
-            <a:schemeClr val="accent1">
               <a:shade val="50000"/>
             </a:schemeClr>
           </a:lnRef>
           <a:fillRef idx="1">
-            <a:schemeClr val="accent1"/>
-          </a:fillRef>
-          <a:effectRef idx="0">
-            <a:schemeClr val="accent1"/>
+            <a:schemeClr val="accent6"/>
+          </a:fillRef>
+          <a:effectRef idx="0">
+            <a:schemeClr val="accent6"/>
           </a:effectRef>
           <a:fontRef idx="minor">
             <a:schemeClr val="lt1"/>
           </a:fontRef>
         </p:style>
         <p:txBody>
-          <a:bodyPr rtlCol="0" anchor="ctr"/>
+          <a:bodyPr wrap="none" rtlCol="0" anchor="ctr"/>
           <a:lstStyle/>
           <a:p>
             <a:pPr algn="ctr"/>
             <a:r>
-              <a:rPr lang="en-US" sz="1400" dirty="0" smtClean="0">
+              <a:rPr lang="en-CA" sz="1200" dirty="0" smtClean="0">
                 <a:solidFill>
                   <a:schemeClr val="tx1"/>
                 </a:solidFill>
               </a:rPr>
               <a:t>ADS</a:t>
             </a:r>
-            <a:endParaRPr lang="en-US" sz="1400" dirty="0">
+          </a:p>
+        </p:txBody>
+      </p:sp>
+      <p:sp>
+        <p:nvSpPr>
+          <p:cNvPr id="14" name="Rounded Rectangle 13"/>
+          <p:cNvSpPr/>
+          <p:nvPr/>
+        </p:nvSpPr>
+        <p:spPr>
+          <a:xfrm>
+            <a:off x="951080" y="5623944"/>
+            <a:ext cx="1152128" cy="576064"/>
+          </a:xfrm>
+          <a:prstGeom prst="roundRect">
+            <a:avLst/>
+          </a:prstGeom>
+          <a:ln w="6350"/>
+        </p:spPr>
+        <p:style>
+          <a:lnRef idx="2">
+            <a:schemeClr val="accent1">
+              <a:shade val="50000"/>
+            </a:schemeClr>
+          </a:lnRef>
+          <a:fillRef idx="1">
+            <a:schemeClr val="accent1"/>
+          </a:fillRef>
+          <a:effectRef idx="0">
+            <a:schemeClr val="accent1"/>
+          </a:effectRef>
+          <a:fontRef idx="minor">
+            <a:schemeClr val="lt1"/>
+          </a:fontRef>
+        </p:style>
+        <p:txBody>
+          <a:bodyPr wrap="none" rtlCol="0" anchor="ctr"/>
+          <a:lstStyle/>
+          <a:p>
+            <a:pPr algn="ctr"/>
+            <a:endParaRPr lang="en-CA" sz="1200" dirty="0" smtClean="0">
               <a:solidFill>
                 <a:schemeClr val="tx1"/>
               </a:solidFill>
             </a:endParaRPr>
           </a:p>
-        </p:txBody>
-      </p:sp>
-      <p:sp>
-        <p:nvSpPr>
-          <p:cNvPr id="15" name="Rounded Rectangle 14"/>
-          <p:cNvSpPr/>
-          <p:nvPr/>
-        </p:nvSpPr>
-        <p:spPr>
-          <a:xfrm>
-            <a:off x="1295400" y="5562600"/>
-            <a:ext cx="1143000" cy="609600"/>
-          </a:xfrm>
-          <a:prstGeom prst="roundRect">
-            <a:avLst/>
-          </a:prstGeom>
-          <a:solidFill>
-            <a:schemeClr val="tx2">
-              <a:lumMod val="60000"/>
-              <a:lumOff val="40000"/>
-            </a:schemeClr>
-          </a:solidFill>
-          <a:ln>
-            <a:noFill/>
-          </a:ln>
-        </p:spPr>
-        <p:style>
-          <a:lnRef idx="2">
-            <a:schemeClr val="accent1">
-              <a:shade val="50000"/>
-            </a:schemeClr>
-          </a:lnRef>
-          <a:fillRef idx="1">
-            <a:schemeClr val="accent1"/>
-          </a:fillRef>
-          <a:effectRef idx="0">
-            <a:schemeClr val="accent1"/>
-          </a:effectRef>
-          <a:fontRef idx="minor">
-            <a:schemeClr val="lt1"/>
-          </a:fontRef>
-        </p:style>
-        <p:txBody>
-          <a:bodyPr rtlCol="0" anchor="ctr"/>
-          <a:lstStyle/>
           <a:p>
             <a:pPr algn="ctr"/>
             <a:r>
-              <a:rPr lang="en-US" sz="1400" dirty="0" smtClean="0">
+              <a:rPr lang="en-CA" sz="1200" dirty="0" smtClean="0">
                 <a:solidFill>
                   <a:schemeClr val="tx1"/>
                 </a:solidFill>
               </a:rPr>
               <a:t>Application</a:t>
             </a:r>
-            <a:endParaRPr lang="en-US" sz="1400" dirty="0">
+          </a:p>
+        </p:txBody>
+      </p:sp>
+      <p:sp>
+        <p:nvSpPr>
+          <p:cNvPr id="17" name="Oval 16"/>
+          <p:cNvSpPr/>
+          <p:nvPr/>
+        </p:nvSpPr>
+        <p:spPr>
+          <a:xfrm>
+            <a:off x="1203108" y="5551936"/>
+            <a:ext cx="648072" cy="288032"/>
+          </a:xfrm>
+          <a:prstGeom prst="ellipse">
+            <a:avLst/>
+          </a:prstGeom>
+          <a:solidFill>
+            <a:schemeClr val="accent6">
+              <a:lumMod val="40000"/>
+              <a:lumOff val="60000"/>
+            </a:schemeClr>
+          </a:solidFill>
+          <a:ln w="6350"/>
+        </p:spPr>
+        <p:style>
+          <a:lnRef idx="2">
+            <a:schemeClr val="accent6">
+              <a:shade val="50000"/>
+            </a:schemeClr>
+          </a:lnRef>
+          <a:fillRef idx="1">
+            <a:schemeClr val="accent6"/>
+          </a:fillRef>
+          <a:effectRef idx="0">
+            <a:schemeClr val="accent6"/>
+          </a:effectRef>
+          <a:fontRef idx="minor">
+            <a:schemeClr val="lt1"/>
+          </a:fontRef>
+        </p:style>
+        <p:txBody>
+          <a:bodyPr wrap="none" rtlCol="0" anchor="ctr"/>
+          <a:lstStyle/>
+          <a:p>
+            <a:pPr algn="ctr"/>
+            <a:r>
+              <a:rPr lang="en-CA" sz="1200" dirty="0" smtClean="0">
+                <a:solidFill>
+                  <a:schemeClr val="tx1"/>
+                </a:solidFill>
+              </a:rPr>
+              <a:t>EMA</a:t>
+            </a:r>
+            <a:endParaRPr lang="en-CA" sz="1200" dirty="0">
               <a:solidFill>
                 <a:schemeClr val="tx1"/>
               </a:solidFill>
@@ -3539,7 +3699,1112 @@
           </a:p>
         </p:txBody>
       </p:sp>
+      <p:sp>
+        <p:nvSpPr>
+          <p:cNvPr id="18" name="Oval 17"/>
+          <p:cNvSpPr/>
+          <p:nvPr/>
+        </p:nvSpPr>
+        <p:spPr>
+          <a:xfrm>
+            <a:off x="1203108" y="3967760"/>
+            <a:ext cx="648072" cy="288032"/>
+          </a:xfrm>
+          <a:prstGeom prst="ellipse">
+            <a:avLst/>
+          </a:prstGeom>
+          <a:solidFill>
+            <a:schemeClr val="accent6">
+              <a:lumMod val="40000"/>
+              <a:lumOff val="60000"/>
+            </a:schemeClr>
+          </a:solidFill>
+          <a:ln w="6350"/>
+        </p:spPr>
+        <p:style>
+          <a:lnRef idx="2">
+            <a:schemeClr val="accent6">
+              <a:shade val="50000"/>
+            </a:schemeClr>
+          </a:lnRef>
+          <a:fillRef idx="1">
+            <a:schemeClr val="accent6"/>
+          </a:fillRef>
+          <a:effectRef idx="0">
+            <a:schemeClr val="accent6"/>
+          </a:effectRef>
+          <a:fontRef idx="minor">
+            <a:schemeClr val="lt1"/>
+          </a:fontRef>
+        </p:style>
+        <p:txBody>
+          <a:bodyPr wrap="none" rtlCol="0" anchor="ctr"/>
+          <a:lstStyle/>
+          <a:p>
+            <a:pPr algn="ctr"/>
+            <a:r>
+              <a:rPr lang="en-CA" sz="1200" dirty="0" smtClean="0">
+                <a:solidFill>
+                  <a:schemeClr val="tx1"/>
+                </a:solidFill>
+              </a:rPr>
+              <a:t>TSA</a:t>
+            </a:r>
+            <a:endParaRPr lang="en-CA" sz="1200" dirty="0">
+              <a:solidFill>
+                <a:schemeClr val="tx1"/>
+              </a:solidFill>
+            </a:endParaRPr>
+          </a:p>
+        </p:txBody>
+      </p:sp>
+      <p:sp>
+        <p:nvSpPr>
+          <p:cNvPr id="19" name="Rounded Rectangle 18"/>
+          <p:cNvSpPr/>
+          <p:nvPr/>
+        </p:nvSpPr>
+        <p:spPr>
+          <a:xfrm>
+            <a:off x="2699494" y="4384293"/>
+            <a:ext cx="1152128" cy="576064"/>
+          </a:xfrm>
+          <a:prstGeom prst="roundRect">
+            <a:avLst/>
+          </a:prstGeom>
+          <a:ln w="6350"/>
+        </p:spPr>
+        <p:style>
+          <a:lnRef idx="2">
+            <a:schemeClr val="accent1">
+              <a:shade val="50000"/>
+            </a:schemeClr>
+          </a:lnRef>
+          <a:fillRef idx="1">
+            <a:schemeClr val="accent1"/>
+          </a:fillRef>
+          <a:effectRef idx="0">
+            <a:schemeClr val="accent1"/>
+          </a:effectRef>
+          <a:fontRef idx="minor">
+            <a:schemeClr val="lt1"/>
+          </a:fontRef>
+        </p:style>
+        <p:txBody>
+          <a:bodyPr wrap="none" rtlCol="0" anchor="ctr"/>
+          <a:lstStyle/>
+          <a:p>
+            <a:pPr algn="ctr"/>
+            <a:endParaRPr lang="en-CA" sz="1200" dirty="0" smtClean="0">
+              <a:solidFill>
+                <a:schemeClr val="tx1"/>
+              </a:solidFill>
+            </a:endParaRPr>
+          </a:p>
+          <a:p>
+            <a:pPr algn="ctr"/>
+            <a:r>
+              <a:rPr lang="en-CA" sz="1200" dirty="0" smtClean="0">
+                <a:solidFill>
+                  <a:schemeClr val="tx1"/>
+                </a:solidFill>
+              </a:rPr>
+              <a:t>Application</a:t>
+            </a:r>
+          </a:p>
+        </p:txBody>
+      </p:sp>
+      <p:sp>
+        <p:nvSpPr>
+          <p:cNvPr id="20" name="Oval 19"/>
+          <p:cNvSpPr/>
+          <p:nvPr/>
+        </p:nvSpPr>
+        <p:spPr>
+          <a:xfrm>
+            <a:off x="2951522" y="4312285"/>
+            <a:ext cx="648072" cy="288032"/>
+          </a:xfrm>
+          <a:prstGeom prst="ellipse">
+            <a:avLst/>
+          </a:prstGeom>
+          <a:solidFill>
+            <a:schemeClr val="accent6">
+              <a:lumMod val="40000"/>
+              <a:lumOff val="60000"/>
+            </a:schemeClr>
+          </a:solidFill>
+          <a:ln w="6350"/>
+        </p:spPr>
+        <p:style>
+          <a:lnRef idx="2">
+            <a:schemeClr val="accent6">
+              <a:shade val="50000"/>
+            </a:schemeClr>
+          </a:lnRef>
+          <a:fillRef idx="1">
+            <a:schemeClr val="accent6"/>
+          </a:fillRef>
+          <a:effectRef idx="0">
+            <a:schemeClr val="accent6"/>
+          </a:effectRef>
+          <a:fontRef idx="minor">
+            <a:schemeClr val="lt1"/>
+          </a:fontRef>
+        </p:style>
+        <p:txBody>
+          <a:bodyPr wrap="none" rtlCol="0" anchor="ctr"/>
+          <a:lstStyle/>
+          <a:p>
+            <a:pPr algn="ctr"/>
+            <a:r>
+              <a:rPr lang="en-CA" sz="1200" dirty="0" smtClean="0">
+                <a:solidFill>
+                  <a:schemeClr val="tx1"/>
+                </a:solidFill>
+              </a:rPr>
+              <a:t>EMA</a:t>
+            </a:r>
+            <a:endParaRPr lang="en-CA" sz="1200" dirty="0">
+              <a:solidFill>
+                <a:schemeClr val="tx1"/>
+              </a:solidFill>
+            </a:endParaRPr>
+          </a:p>
+        </p:txBody>
+      </p:sp>
+      <p:sp>
+        <p:nvSpPr>
+          <p:cNvPr id="22" name="Rounded Rectangle 21"/>
+          <p:cNvSpPr/>
+          <p:nvPr/>
+        </p:nvSpPr>
+        <p:spPr>
+          <a:xfrm>
+            <a:off x="843068" y="3895752"/>
+            <a:ext cx="1368152" cy="1584176"/>
+          </a:xfrm>
+          <a:prstGeom prst="roundRect">
+            <a:avLst/>
+          </a:prstGeom>
+          <a:noFill/>
+          <a:ln w="6350">
+            <a:solidFill>
+              <a:schemeClr val="dk1"/>
+            </a:solidFill>
+            <a:prstDash val="dash"/>
+          </a:ln>
+        </p:spPr>
+        <p:style>
+          <a:lnRef idx="2">
+            <a:schemeClr val="dk1"/>
+          </a:lnRef>
+          <a:fillRef idx="1">
+            <a:schemeClr val="lt1"/>
+          </a:fillRef>
+          <a:effectRef idx="0">
+            <a:schemeClr val="dk1"/>
+          </a:effectRef>
+          <a:fontRef idx="minor">
+            <a:schemeClr val="dk1"/>
+          </a:fontRef>
+        </p:style>
+        <p:txBody>
+          <a:bodyPr rtlCol="0" anchor="ctr"/>
+          <a:lstStyle/>
+          <a:p>
+            <a:pPr algn="ctr"/>
+            <a:endParaRPr lang="en-CA"/>
+          </a:p>
+        </p:txBody>
+      </p:sp>
+      <p:cxnSp>
+        <p:nvCxnSpPr>
+          <p:cNvPr id="25" name="Straight Connector 24"/>
+          <p:cNvCxnSpPr>
+            <a:stCxn id="17" idx="0"/>
+            <a:endCxn id="13" idx="2"/>
+          </p:cNvCxnSpPr>
+          <p:nvPr/>
+        </p:nvCxnSpPr>
+        <p:spPr>
+          <a:xfrm flipV="1">
+            <a:off x="1527144" y="5347724"/>
+            <a:ext cx="0" cy="204212"/>
+          </a:xfrm>
+          <a:prstGeom prst="line">
+            <a:avLst/>
+          </a:prstGeom>
+        </p:spPr>
+        <p:style>
+          <a:lnRef idx="1">
+            <a:schemeClr val="accent1"/>
+          </a:lnRef>
+          <a:fillRef idx="0">
+            <a:schemeClr val="accent1"/>
+          </a:fillRef>
+          <a:effectRef idx="0">
+            <a:schemeClr val="accent1"/>
+          </a:effectRef>
+          <a:fontRef idx="minor">
+            <a:schemeClr val="tx1"/>
+          </a:fontRef>
+        </p:style>
+      </p:cxnSp>
+      <p:cxnSp>
+        <p:nvCxnSpPr>
+          <p:cNvPr id="32" name="Straight Connector 31"/>
+          <p:cNvCxnSpPr>
+            <a:endCxn id="12" idx="2"/>
+          </p:cNvCxnSpPr>
+          <p:nvPr/>
+        </p:nvCxnSpPr>
+        <p:spPr>
+          <a:xfrm flipV="1">
+            <a:off x="1527144" y="4615832"/>
+            <a:ext cx="0" cy="158599"/>
+          </a:xfrm>
+          <a:prstGeom prst="line">
+            <a:avLst/>
+          </a:prstGeom>
+        </p:spPr>
+        <p:style>
+          <a:lnRef idx="1">
+            <a:schemeClr val="accent1"/>
+          </a:lnRef>
+          <a:fillRef idx="0">
+            <a:schemeClr val="accent1"/>
+          </a:fillRef>
+          <a:effectRef idx="0">
+            <a:schemeClr val="accent1"/>
+          </a:effectRef>
+          <a:fontRef idx="minor">
+            <a:schemeClr val="tx1"/>
+          </a:fontRef>
+        </p:style>
+      </p:cxnSp>
+      <p:cxnSp>
+        <p:nvCxnSpPr>
+          <p:cNvPr id="34" name="Straight Connector 33"/>
+          <p:cNvCxnSpPr/>
+          <p:nvPr/>
+        </p:nvCxnSpPr>
+        <p:spPr>
+          <a:xfrm flipV="1">
+            <a:off x="1526649" y="2687131"/>
+            <a:ext cx="0" cy="1268817"/>
+          </a:xfrm>
+          <a:prstGeom prst="line">
+            <a:avLst/>
+          </a:prstGeom>
+          <a:ln>
+            <a:solidFill>
+              <a:schemeClr val="accent1">
+                <a:shade val="95000"/>
+                <a:satMod val="105000"/>
+                <a:alpha val="49000"/>
+              </a:schemeClr>
+            </a:solidFill>
+          </a:ln>
+        </p:spPr>
+        <p:style>
+          <a:lnRef idx="1">
+            <a:schemeClr val="accent1"/>
+          </a:lnRef>
+          <a:fillRef idx="0">
+            <a:schemeClr val="accent1"/>
+          </a:fillRef>
+          <a:effectRef idx="0">
+            <a:schemeClr val="accent1"/>
+          </a:effectRef>
+          <a:fontRef idx="minor">
+            <a:schemeClr val="tx1"/>
+          </a:fontRef>
+        </p:style>
+      </p:cxnSp>
+      <p:cxnSp>
+        <p:nvCxnSpPr>
+          <p:cNvPr id="36" name="Straight Connector 35"/>
+          <p:cNvCxnSpPr>
+            <a:stCxn id="20" idx="0"/>
+          </p:cNvCxnSpPr>
+          <p:nvPr/>
+        </p:nvCxnSpPr>
+        <p:spPr>
+          <a:xfrm flipH="1" flipV="1">
+            <a:off x="3240751" y="2687131"/>
+            <a:ext cx="0" cy="1625154"/>
+          </a:xfrm>
+          <a:prstGeom prst="line">
+            <a:avLst/>
+          </a:prstGeom>
+          <a:ln>
+            <a:solidFill>
+              <a:schemeClr val="accent1">
+                <a:shade val="95000"/>
+                <a:satMod val="105000"/>
+                <a:alpha val="49000"/>
+              </a:schemeClr>
+            </a:solidFill>
+          </a:ln>
+        </p:spPr>
+        <p:style>
+          <a:lnRef idx="1">
+            <a:schemeClr val="accent1"/>
+          </a:lnRef>
+          <a:fillRef idx="0">
+            <a:schemeClr val="accent1"/>
+          </a:fillRef>
+          <a:effectRef idx="0">
+            <a:schemeClr val="accent1"/>
+          </a:effectRef>
+          <a:fontRef idx="minor">
+            <a:schemeClr val="tx1"/>
+          </a:fontRef>
+        </p:style>
+      </p:cxnSp>
+      <p:cxnSp>
+        <p:nvCxnSpPr>
+          <p:cNvPr id="41" name="Straight Connector 40"/>
+          <p:cNvCxnSpPr>
+            <a:stCxn id="6" idx="0"/>
+            <a:endCxn id="5" idx="2"/>
+          </p:cNvCxnSpPr>
+          <p:nvPr/>
+        </p:nvCxnSpPr>
+        <p:spPr>
+          <a:xfrm flipV="1">
+            <a:off x="2348391" y="1585928"/>
+            <a:ext cx="0" cy="237107"/>
+          </a:xfrm>
+          <a:prstGeom prst="line">
+            <a:avLst/>
+          </a:prstGeom>
+        </p:spPr>
+        <p:style>
+          <a:lnRef idx="1">
+            <a:schemeClr val="accent1"/>
+          </a:lnRef>
+          <a:fillRef idx="0">
+            <a:schemeClr val="accent1"/>
+          </a:fillRef>
+          <a:effectRef idx="0">
+            <a:schemeClr val="accent1"/>
+          </a:effectRef>
+          <a:fontRef idx="minor">
+            <a:schemeClr val="tx1"/>
+          </a:fontRef>
+        </p:style>
+      </p:cxnSp>
+      <p:cxnSp>
+        <p:nvCxnSpPr>
+          <p:cNvPr id="43" name="Straight Connector 42"/>
+          <p:cNvCxnSpPr>
+            <a:stCxn id="5" idx="0"/>
+            <a:endCxn id="4" idx="2"/>
+          </p:cNvCxnSpPr>
+          <p:nvPr/>
+        </p:nvCxnSpPr>
+        <p:spPr>
+          <a:xfrm flipV="1">
+            <a:off x="2348391" y="1010534"/>
+            <a:ext cx="0" cy="215354"/>
+          </a:xfrm>
+          <a:prstGeom prst="line">
+            <a:avLst/>
+          </a:prstGeom>
+        </p:spPr>
+        <p:style>
+          <a:lnRef idx="1">
+            <a:schemeClr val="accent1"/>
+          </a:lnRef>
+          <a:fillRef idx="0">
+            <a:schemeClr val="accent1"/>
+          </a:fillRef>
+          <a:effectRef idx="0">
+            <a:schemeClr val="accent1"/>
+          </a:effectRef>
+          <a:fontRef idx="minor">
+            <a:schemeClr val="tx1"/>
+          </a:fontRef>
+        </p:style>
+      </p:cxnSp>
+      <p:cxnSp>
+        <p:nvCxnSpPr>
+          <p:cNvPr id="46" name="Elbow Connector 45"/>
+          <p:cNvCxnSpPr>
+            <a:stCxn id="4" idx="0"/>
+            <a:endCxn id="7" idx="2"/>
+          </p:cNvCxnSpPr>
+          <p:nvPr/>
+        </p:nvCxnSpPr>
+        <p:spPr>
+          <a:xfrm rot="5400000" flipH="1" flipV="1">
+            <a:off x="2739763" y="27508"/>
+            <a:ext cx="231615" cy="1014359"/>
+          </a:xfrm>
+          <a:prstGeom prst="bentConnector2">
+            <a:avLst/>
+          </a:prstGeom>
+          <a:ln>
+            <a:tailEnd type="arrow"/>
+          </a:ln>
+        </p:spPr>
+        <p:style>
+          <a:lnRef idx="1">
+            <a:schemeClr val="accent1"/>
+          </a:lnRef>
+          <a:fillRef idx="0">
+            <a:schemeClr val="accent1"/>
+          </a:fillRef>
+          <a:effectRef idx="0">
+            <a:schemeClr val="accent1"/>
+          </a:effectRef>
+          <a:fontRef idx="minor">
+            <a:schemeClr val="tx1"/>
+          </a:fontRef>
+        </p:style>
+      </p:cxnSp>
+      <p:sp>
+        <p:nvSpPr>
+          <p:cNvPr id="56" name="TextBox 55"/>
+          <p:cNvSpPr txBox="1"/>
+          <p:nvPr/>
+        </p:nvSpPr>
+        <p:spPr>
+          <a:xfrm>
+            <a:off x="2753181" y="5051856"/>
+            <a:ext cx="975139" cy="461665"/>
+          </a:xfrm>
+          <a:prstGeom prst="rect">
+            <a:avLst/>
+          </a:prstGeom>
+          <a:noFill/>
+        </p:spPr>
+        <p:txBody>
+          <a:bodyPr wrap="none" rtlCol="0">
+            <a:spAutoFit/>
+          </a:bodyPr>
+          <a:lstStyle/>
+          <a:p>
+            <a:pPr algn="ctr"/>
+            <a:r>
+              <a:rPr lang="en-CA" sz="1200" dirty="0" smtClean="0"/>
+              <a:t>Direct</a:t>
+            </a:r>
+          </a:p>
+          <a:p>
+            <a:pPr algn="just"/>
+            <a:r>
+              <a:rPr lang="en-CA" sz="1200" dirty="0" smtClean="0"/>
+              <a:t>Contribution</a:t>
+            </a:r>
+            <a:endParaRPr lang="en-CA" sz="1200" dirty="0"/>
+          </a:p>
+        </p:txBody>
+      </p:sp>
+      <p:sp>
+        <p:nvSpPr>
+          <p:cNvPr id="58" name="TextBox 57"/>
+          <p:cNvSpPr txBox="1"/>
+          <p:nvPr/>
+        </p:nvSpPr>
+        <p:spPr>
+          <a:xfrm>
+            <a:off x="1011572" y="6255596"/>
+            <a:ext cx="1030154" cy="461665"/>
+          </a:xfrm>
+          <a:prstGeom prst="rect">
+            <a:avLst/>
+          </a:prstGeom>
+          <a:noFill/>
+        </p:spPr>
+        <p:txBody>
+          <a:bodyPr wrap="none" rtlCol="0">
+            <a:spAutoFit/>
+          </a:bodyPr>
+          <a:lstStyle/>
+          <a:p>
+            <a:r>
+              <a:rPr lang="en-CA" sz="1200" dirty="0" smtClean="0"/>
+              <a:t>Contributing </a:t>
+            </a:r>
+          </a:p>
+          <a:p>
+            <a:r>
+              <a:rPr lang="en-CA" sz="1200" dirty="0" smtClean="0"/>
+              <a:t>through TREP</a:t>
+            </a:r>
+            <a:endParaRPr lang="en-CA" sz="1200" dirty="0"/>
+          </a:p>
+        </p:txBody>
+      </p:sp>
+      <p:sp>
+        <p:nvSpPr>
+          <p:cNvPr id="60" name="Rounded Rectangle 59"/>
+          <p:cNvSpPr/>
+          <p:nvPr/>
+        </p:nvSpPr>
+        <p:spPr>
+          <a:xfrm>
+            <a:off x="2041726" y="2190401"/>
+            <a:ext cx="631990" cy="381829"/>
+          </a:xfrm>
+          <a:prstGeom prst="roundRect">
+            <a:avLst>
+              <a:gd name="adj" fmla="val 38438"/>
+            </a:avLst>
+          </a:prstGeom>
+          <a:pattFill prst="dkDnDiag">
+            <a:fgClr>
+              <a:schemeClr val="tx2">
+                <a:lumMod val="40000"/>
+                <a:lumOff val="60000"/>
+              </a:schemeClr>
+            </a:fgClr>
+            <a:bgClr>
+              <a:schemeClr val="tx2"/>
+            </a:bgClr>
+          </a:pattFill>
+          <a:ln w="6350"/>
+        </p:spPr>
+        <p:style>
+          <a:lnRef idx="2">
+            <a:schemeClr val="accent1">
+              <a:shade val="50000"/>
+            </a:schemeClr>
+          </a:lnRef>
+          <a:fillRef idx="1">
+            <a:schemeClr val="accent1"/>
+          </a:fillRef>
+          <a:effectRef idx="0">
+            <a:schemeClr val="accent1"/>
+          </a:effectRef>
+          <a:fontRef idx="minor">
+            <a:schemeClr val="lt1"/>
+          </a:fontRef>
+        </p:style>
+        <p:txBody>
+          <a:bodyPr rtlCol="0" anchor="ctr"/>
+          <a:lstStyle/>
+          <a:p>
+            <a:pPr algn="ctr"/>
+            <a:endParaRPr lang="en-CA"/>
+          </a:p>
+        </p:txBody>
+      </p:sp>
+      <p:sp>
+        <p:nvSpPr>
+          <p:cNvPr id="61" name="Rounded Rectangle 60"/>
+          <p:cNvSpPr/>
+          <p:nvPr/>
+        </p:nvSpPr>
+        <p:spPr>
+          <a:xfrm>
+            <a:off x="2791512" y="2190400"/>
+            <a:ext cx="631990" cy="381829"/>
+          </a:xfrm>
+          <a:prstGeom prst="roundRect">
+            <a:avLst>
+              <a:gd name="adj" fmla="val 38438"/>
+            </a:avLst>
+          </a:prstGeom>
+          <a:solidFill>
+            <a:schemeClr val="tx2">
+              <a:lumMod val="40000"/>
+              <a:lumOff val="60000"/>
+            </a:schemeClr>
+          </a:solidFill>
+          <a:ln w="6350"/>
+        </p:spPr>
+        <p:style>
+          <a:lnRef idx="2">
+            <a:schemeClr val="accent1">
+              <a:shade val="50000"/>
+            </a:schemeClr>
+          </a:lnRef>
+          <a:fillRef idx="1">
+            <a:schemeClr val="accent1"/>
+          </a:fillRef>
+          <a:effectRef idx="0">
+            <a:schemeClr val="accent1"/>
+          </a:effectRef>
+          <a:fontRef idx="minor">
+            <a:schemeClr val="lt1"/>
+          </a:fontRef>
+        </p:style>
+        <p:txBody>
+          <a:bodyPr rtlCol="0" anchor="ctr"/>
+          <a:lstStyle/>
+          <a:p>
+            <a:pPr algn="ctr"/>
+            <a:endParaRPr lang="en-CA"/>
+          </a:p>
+        </p:txBody>
+      </p:sp>
+      <p:sp>
+        <p:nvSpPr>
+          <p:cNvPr id="62" name="Rounded Rectangle 61"/>
+          <p:cNvSpPr/>
+          <p:nvPr/>
+        </p:nvSpPr>
+        <p:spPr>
+          <a:xfrm>
+            <a:off x="1292487" y="2190401"/>
+            <a:ext cx="631990" cy="381829"/>
+          </a:xfrm>
+          <a:prstGeom prst="roundRect">
+            <a:avLst>
+              <a:gd name="adj" fmla="val 38438"/>
+            </a:avLst>
+          </a:prstGeom>
+          <a:solidFill>
+            <a:schemeClr val="tx2">
+              <a:lumMod val="40000"/>
+              <a:lumOff val="60000"/>
+            </a:schemeClr>
+          </a:solidFill>
+          <a:ln w="6350"/>
+        </p:spPr>
+        <p:style>
+          <a:lnRef idx="2">
+            <a:schemeClr val="accent1">
+              <a:shade val="50000"/>
+            </a:schemeClr>
+          </a:lnRef>
+          <a:fillRef idx="1">
+            <a:schemeClr val="accent1"/>
+          </a:fillRef>
+          <a:effectRef idx="0">
+            <a:schemeClr val="accent1"/>
+          </a:effectRef>
+          <a:fontRef idx="minor">
+            <a:schemeClr val="lt1"/>
+          </a:fontRef>
+        </p:style>
+        <p:txBody>
+          <a:bodyPr rtlCol="0" anchor="ctr"/>
+          <a:lstStyle/>
+          <a:p>
+            <a:pPr algn="ctr"/>
+            <a:endParaRPr lang="en-CA"/>
+          </a:p>
+        </p:txBody>
+      </p:sp>
+      <p:cxnSp>
+        <p:nvCxnSpPr>
+          <p:cNvPr id="63" name="Straight Connector 62"/>
+          <p:cNvCxnSpPr/>
+          <p:nvPr/>
+        </p:nvCxnSpPr>
+        <p:spPr>
+          <a:xfrm flipH="1" flipV="1">
+            <a:off x="3194487" y="2687133"/>
+            <a:ext cx="0" cy="1625152"/>
+          </a:xfrm>
+          <a:prstGeom prst="line">
+            <a:avLst/>
+          </a:prstGeom>
+          <a:ln w="9525">
+            <a:solidFill>
+              <a:schemeClr val="tx1">
+                <a:alpha val="49000"/>
+              </a:schemeClr>
+            </a:solidFill>
+            <a:prstDash val="dash"/>
+          </a:ln>
+        </p:spPr>
+        <p:style>
+          <a:lnRef idx="1">
+            <a:schemeClr val="accent1"/>
+          </a:lnRef>
+          <a:fillRef idx="0">
+            <a:schemeClr val="accent1"/>
+          </a:fillRef>
+          <a:effectRef idx="0">
+            <a:schemeClr val="accent1"/>
+          </a:effectRef>
+          <a:fontRef idx="minor">
+            <a:schemeClr val="tx1"/>
+          </a:fontRef>
+        </p:style>
+      </p:cxnSp>
+      <p:cxnSp>
+        <p:nvCxnSpPr>
+          <p:cNvPr id="75" name="Straight Connector 74"/>
+          <p:cNvCxnSpPr/>
+          <p:nvPr/>
+        </p:nvCxnSpPr>
+        <p:spPr>
+          <a:xfrm flipH="1" flipV="1">
+            <a:off x="3278086" y="2687131"/>
+            <a:ext cx="0" cy="1625152"/>
+          </a:xfrm>
+          <a:prstGeom prst="line">
+            <a:avLst/>
+          </a:prstGeom>
+          <a:ln w="9525">
+            <a:solidFill>
+              <a:schemeClr val="tx1">
+                <a:alpha val="49000"/>
+              </a:schemeClr>
+            </a:solidFill>
+            <a:prstDash val="dash"/>
+          </a:ln>
+        </p:spPr>
+        <p:style>
+          <a:lnRef idx="1">
+            <a:schemeClr val="accent1"/>
+          </a:lnRef>
+          <a:fillRef idx="0">
+            <a:schemeClr val="accent1"/>
+          </a:fillRef>
+          <a:effectRef idx="0">
+            <a:schemeClr val="accent1"/>
+          </a:effectRef>
+          <a:fontRef idx="minor">
+            <a:schemeClr val="tx1"/>
+          </a:fontRef>
+        </p:style>
+      </p:cxnSp>
+      <p:sp>
+        <p:nvSpPr>
+          <p:cNvPr id="77" name="TextBox 76"/>
+          <p:cNvSpPr txBox="1"/>
+          <p:nvPr/>
+        </p:nvSpPr>
+        <p:spPr>
+          <a:xfrm>
+            <a:off x="3236735" y="3736927"/>
+            <a:ext cx="814647" cy="461665"/>
+          </a:xfrm>
+          <a:prstGeom prst="rect">
+            <a:avLst/>
+          </a:prstGeom>
+          <a:noFill/>
+        </p:spPr>
+        <p:txBody>
+          <a:bodyPr wrap="none" rtlCol="0">
+            <a:spAutoFit/>
+          </a:bodyPr>
+          <a:lstStyle/>
+          <a:p>
+            <a:r>
+              <a:rPr lang="en-CA" sz="1200" dirty="0" smtClean="0"/>
+              <a:t>Encrypted</a:t>
+            </a:r>
+          </a:p>
+          <a:p>
+            <a:r>
+              <a:rPr lang="en-CA" sz="1200" dirty="0" smtClean="0"/>
+              <a:t>Tunnel</a:t>
+            </a:r>
+            <a:endParaRPr lang="en-CA" sz="1200" dirty="0"/>
+          </a:p>
+        </p:txBody>
+      </p:sp>
+      <p:cxnSp>
+        <p:nvCxnSpPr>
+          <p:cNvPr id="78" name="Straight Connector 77"/>
+          <p:cNvCxnSpPr/>
+          <p:nvPr/>
+        </p:nvCxnSpPr>
+        <p:spPr>
+          <a:xfrm flipV="1">
+            <a:off x="4650853" y="1225888"/>
+            <a:ext cx="0" cy="4121836"/>
+          </a:xfrm>
+          <a:prstGeom prst="line">
+            <a:avLst/>
+          </a:prstGeom>
+          <a:ln w="6350">
+            <a:prstDash val="dash"/>
+          </a:ln>
+        </p:spPr>
+        <p:style>
+          <a:lnRef idx="1">
+            <a:schemeClr val="accent1"/>
+          </a:lnRef>
+          <a:fillRef idx="0">
+            <a:schemeClr val="accent1"/>
+          </a:fillRef>
+          <a:effectRef idx="0">
+            <a:schemeClr val="accent1"/>
+          </a:effectRef>
+          <a:fontRef idx="minor">
+            <a:schemeClr val="tx1"/>
+          </a:fontRef>
+        </p:style>
+      </p:cxnSp>
+      <p:sp>
+        <p:nvSpPr>
+          <p:cNvPr id="80" name="Rounded Rectangle 79"/>
+          <p:cNvSpPr/>
+          <p:nvPr/>
+        </p:nvSpPr>
+        <p:spPr>
+          <a:xfrm>
+            <a:off x="5796136" y="1228600"/>
+            <a:ext cx="1692188" cy="360040"/>
+          </a:xfrm>
+          <a:prstGeom prst="roundRect">
+            <a:avLst>
+              <a:gd name="adj" fmla="val 37657"/>
+            </a:avLst>
+          </a:prstGeom>
+          <a:ln w="6350"/>
+        </p:spPr>
+        <p:style>
+          <a:lnRef idx="2">
+            <a:schemeClr val="accent3">
+              <a:shade val="50000"/>
+            </a:schemeClr>
+          </a:lnRef>
+          <a:fillRef idx="1">
+            <a:schemeClr val="accent3"/>
+          </a:fillRef>
+          <a:effectRef idx="0">
+            <a:schemeClr val="accent3"/>
+          </a:effectRef>
+          <a:fontRef idx="minor">
+            <a:schemeClr val="lt1"/>
+          </a:fontRef>
+        </p:style>
+        <p:txBody>
+          <a:bodyPr rtlCol="0" anchor="ctr"/>
+          <a:lstStyle/>
+          <a:p>
+            <a:pPr algn="ctr"/>
+            <a:r>
+              <a:rPr lang="en-CA" sz="1000" dirty="0" smtClean="0">
+                <a:solidFill>
+                  <a:schemeClr val="tx1"/>
+                </a:solidFill>
+              </a:rPr>
+              <a:t>Elektron Distribution</a:t>
+            </a:r>
+          </a:p>
+          <a:p>
+            <a:pPr algn="ctr"/>
+            <a:r>
+              <a:rPr lang="en-CA" sz="1000" dirty="0" smtClean="0">
+                <a:solidFill>
+                  <a:schemeClr val="tx1"/>
+                </a:solidFill>
+              </a:rPr>
+              <a:t>POP</a:t>
+            </a:r>
+            <a:endParaRPr lang="en-CA" sz="1000" dirty="0">
+              <a:solidFill>
+                <a:schemeClr val="tx1"/>
+              </a:solidFill>
+            </a:endParaRPr>
+          </a:p>
+        </p:txBody>
+      </p:sp>
+      <p:cxnSp>
+        <p:nvCxnSpPr>
+          <p:cNvPr id="82" name="Elbow Connector 81"/>
+          <p:cNvCxnSpPr>
+            <a:stCxn id="7" idx="0"/>
+            <a:endCxn id="80" idx="0"/>
+          </p:cNvCxnSpPr>
+          <p:nvPr/>
+        </p:nvCxnSpPr>
+        <p:spPr>
+          <a:xfrm>
+            <a:off x="5944837" y="418879"/>
+            <a:ext cx="697393" cy="809721"/>
+          </a:xfrm>
+          <a:prstGeom prst="bentConnector2">
+            <a:avLst/>
+          </a:prstGeom>
+          <a:ln>
+            <a:tailEnd type="arrow"/>
+          </a:ln>
+        </p:spPr>
+        <p:style>
+          <a:lnRef idx="1">
+            <a:schemeClr val="accent1"/>
+          </a:lnRef>
+          <a:fillRef idx="0">
+            <a:schemeClr val="accent1"/>
+          </a:fillRef>
+          <a:effectRef idx="0">
+            <a:schemeClr val="accent1"/>
+          </a:effectRef>
+          <a:fontRef idx="minor">
+            <a:schemeClr val="tx1"/>
+          </a:fontRef>
+        </p:style>
+      </p:cxnSp>
+      <p:sp>
+        <p:nvSpPr>
+          <p:cNvPr id="84" name="Cloud 83"/>
+          <p:cNvSpPr/>
+          <p:nvPr/>
+        </p:nvSpPr>
+        <p:spPr>
+          <a:xfrm>
+            <a:off x="5814138" y="2471107"/>
+            <a:ext cx="1926214" cy="720080"/>
+          </a:xfrm>
+          <a:prstGeom prst="cloud">
+            <a:avLst/>
+          </a:prstGeom>
+          <a:ln w="6350"/>
+        </p:spPr>
+        <p:style>
+          <a:lnRef idx="2">
+            <a:schemeClr val="accent3"/>
+          </a:lnRef>
+          <a:fillRef idx="1">
+            <a:schemeClr val="lt1"/>
+          </a:fillRef>
+          <a:effectRef idx="0">
+            <a:schemeClr val="accent3"/>
+          </a:effectRef>
+          <a:fontRef idx="minor">
+            <a:schemeClr val="dk1"/>
+          </a:fontRef>
+        </p:style>
+        <p:txBody>
+          <a:bodyPr rtlCol="0" anchor="ctr"/>
+          <a:lstStyle/>
+          <a:p>
+            <a:pPr algn="ctr"/>
+            <a:r>
+              <a:rPr lang="en-CA" sz="1200" dirty="0" smtClean="0">
+                <a:solidFill>
+                  <a:schemeClr val="tx1"/>
+                </a:solidFill>
+              </a:rPr>
+              <a:t>Delivery Direct / Internet</a:t>
+            </a:r>
+            <a:endParaRPr lang="en-CA" sz="1200" dirty="0">
+              <a:solidFill>
+                <a:schemeClr val="tx1"/>
+              </a:solidFill>
+            </a:endParaRPr>
+          </a:p>
+        </p:txBody>
+      </p:sp>
+      <p:cxnSp>
+        <p:nvCxnSpPr>
+          <p:cNvPr id="85" name="Straight Connector 84"/>
+          <p:cNvCxnSpPr/>
+          <p:nvPr/>
+        </p:nvCxnSpPr>
+        <p:spPr>
+          <a:xfrm>
+            <a:off x="4932040" y="3695243"/>
+            <a:ext cx="3673604" cy="0"/>
+          </a:xfrm>
+          <a:prstGeom prst="line">
+            <a:avLst/>
+          </a:prstGeom>
+          <a:ln w="6350">
+            <a:prstDash val="dash"/>
+          </a:ln>
+        </p:spPr>
+        <p:style>
+          <a:lnRef idx="1">
+            <a:schemeClr val="accent1"/>
+          </a:lnRef>
+          <a:fillRef idx="0">
+            <a:schemeClr val="accent1"/>
+          </a:fillRef>
+          <a:effectRef idx="0">
+            <a:schemeClr val="accent1"/>
+          </a:effectRef>
+          <a:fontRef idx="minor">
+            <a:schemeClr val="tx1"/>
+          </a:fontRef>
+        </p:style>
+      </p:cxnSp>
+      <p:cxnSp>
+        <p:nvCxnSpPr>
+          <p:cNvPr id="87" name="Straight Arrow Connector 86"/>
+          <p:cNvCxnSpPr/>
+          <p:nvPr/>
+        </p:nvCxnSpPr>
+        <p:spPr>
+          <a:xfrm flipH="1">
+            <a:off x="6642230" y="1581349"/>
+            <a:ext cx="0" cy="3106491"/>
+          </a:xfrm>
+          <a:prstGeom prst="straightConnector1">
+            <a:avLst/>
+          </a:prstGeom>
+          <a:ln>
+            <a:solidFill>
+              <a:schemeClr val="accent1">
+                <a:shade val="95000"/>
+                <a:satMod val="105000"/>
+                <a:alpha val="49000"/>
+              </a:schemeClr>
+            </a:solidFill>
+            <a:tailEnd type="arrow"/>
+          </a:ln>
+        </p:spPr>
+        <p:style>
+          <a:lnRef idx="1">
+            <a:schemeClr val="accent1"/>
+          </a:lnRef>
+          <a:fillRef idx="0">
+            <a:schemeClr val="accent1"/>
+          </a:fillRef>
+          <a:effectRef idx="0">
+            <a:schemeClr val="accent1"/>
+          </a:effectRef>
+          <a:fontRef idx="minor">
+            <a:schemeClr val="tx1"/>
+          </a:fontRef>
+        </p:style>
+      </p:cxnSp>
+      <p:sp>
+        <p:nvSpPr>
+          <p:cNvPr id="89" name="TextBox 88"/>
+          <p:cNvSpPr txBox="1"/>
+          <p:nvPr/>
+        </p:nvSpPr>
+        <p:spPr>
+          <a:xfrm>
+            <a:off x="5868332" y="4776300"/>
+            <a:ext cx="1547796" cy="461665"/>
+          </a:xfrm>
+          <a:prstGeom prst="rect">
+            <a:avLst/>
+          </a:prstGeom>
+          <a:noFill/>
+        </p:spPr>
+        <p:txBody>
+          <a:bodyPr wrap="none" rtlCol="0">
+            <a:spAutoFit/>
+          </a:bodyPr>
+          <a:lstStyle/>
+          <a:p>
+            <a:r>
+              <a:rPr lang="en-CA" sz="1200" dirty="0" smtClean="0"/>
+              <a:t>Data distributors and </a:t>
+            </a:r>
+          </a:p>
+          <a:p>
+            <a:pPr algn="ctr"/>
+            <a:r>
+              <a:rPr lang="en-CA" sz="1200" dirty="0" smtClean="0"/>
+              <a:t>consumers</a:t>
+            </a:r>
+            <a:endParaRPr lang="en-CA" sz="1200" dirty="0"/>
+          </a:p>
+        </p:txBody>
+      </p:sp>
     </p:spTree>
+    <p:extLst>
+      <p:ext uri="{BB962C8B-B14F-4D97-AF65-F5344CB8AC3E}">
+        <p14:creationId xmlns:p14="http://schemas.microsoft.com/office/powerpoint/2010/main" xmlns="" val="3860558974"/>
+      </p:ext>
+    </p:extLst>
   </p:cSld>
   <p:clrMapOvr>
     <a:masterClrMapping/>
@@ -3566,6 +4831,1819 @@
       </p:grpSpPr>
       <p:sp>
         <p:nvSpPr>
+          <p:cNvPr id="4" name="Rounded Rectangle 3"/>
+          <p:cNvSpPr/>
+          <p:nvPr/>
+        </p:nvSpPr>
+        <p:spPr>
+          <a:xfrm>
+            <a:off x="1502297" y="650494"/>
+            <a:ext cx="1692188" cy="360040"/>
+          </a:xfrm>
+          <a:prstGeom prst="roundRect">
+            <a:avLst>
+              <a:gd name="adj" fmla="val 37657"/>
+            </a:avLst>
+          </a:prstGeom>
+          <a:ln w="6350"/>
+        </p:spPr>
+        <p:style>
+          <a:lnRef idx="2">
+            <a:schemeClr val="accent6">
+              <a:shade val="50000"/>
+            </a:schemeClr>
+          </a:lnRef>
+          <a:fillRef idx="1">
+            <a:schemeClr val="accent6"/>
+          </a:fillRef>
+          <a:effectRef idx="0">
+            <a:schemeClr val="accent6"/>
+          </a:effectRef>
+          <a:fontRef idx="minor">
+            <a:schemeClr val="lt1"/>
+          </a:fontRef>
+        </p:style>
+        <p:txBody>
+          <a:bodyPr rtlCol="0" anchor="ctr"/>
+          <a:lstStyle/>
+          <a:p>
+            <a:pPr algn="ctr"/>
+            <a:r>
+              <a:rPr lang="en-CA" sz="1000" dirty="0" smtClean="0">
+                <a:solidFill>
+                  <a:schemeClr val="tx1"/>
+                </a:solidFill>
+              </a:rPr>
+              <a:t>Collections Head End</a:t>
+            </a:r>
+            <a:endParaRPr lang="en-CA" sz="1000" dirty="0">
+              <a:solidFill>
+                <a:schemeClr val="tx1"/>
+              </a:solidFill>
+            </a:endParaRPr>
+          </a:p>
+        </p:txBody>
+      </p:sp>
+      <p:sp>
+        <p:nvSpPr>
+          <p:cNvPr id="5" name="Rounded Rectangle 4"/>
+          <p:cNvSpPr/>
+          <p:nvPr/>
+        </p:nvSpPr>
+        <p:spPr>
+          <a:xfrm>
+            <a:off x="1502297" y="1225888"/>
+            <a:ext cx="1692188" cy="360040"/>
+          </a:xfrm>
+          <a:prstGeom prst="roundRect">
+            <a:avLst>
+              <a:gd name="adj" fmla="val 37657"/>
+            </a:avLst>
+          </a:prstGeom>
+          <a:ln w="6350"/>
+        </p:spPr>
+        <p:style>
+          <a:lnRef idx="2">
+            <a:schemeClr val="accent3">
+              <a:shade val="50000"/>
+            </a:schemeClr>
+          </a:lnRef>
+          <a:fillRef idx="1">
+            <a:schemeClr val="accent3"/>
+          </a:fillRef>
+          <a:effectRef idx="0">
+            <a:schemeClr val="accent3"/>
+          </a:effectRef>
+          <a:fontRef idx="minor">
+            <a:schemeClr val="lt1"/>
+          </a:fontRef>
+        </p:style>
+        <p:txBody>
+          <a:bodyPr rtlCol="0" anchor="ctr"/>
+          <a:lstStyle/>
+          <a:p>
+            <a:pPr algn="ctr"/>
+            <a:r>
+              <a:rPr lang="en-CA" sz="1000" dirty="0" smtClean="0">
+                <a:solidFill>
+                  <a:schemeClr val="tx1"/>
+                </a:solidFill>
+              </a:rPr>
+              <a:t>Contributions Services Gateway</a:t>
+            </a:r>
+            <a:endParaRPr lang="en-CA" sz="1000" dirty="0">
+              <a:solidFill>
+                <a:schemeClr val="tx1"/>
+              </a:solidFill>
+            </a:endParaRPr>
+          </a:p>
+        </p:txBody>
+      </p:sp>
+      <p:sp>
+        <p:nvSpPr>
+          <p:cNvPr id="6" name="Rounded Rectangle 5"/>
+          <p:cNvSpPr/>
+          <p:nvPr/>
+        </p:nvSpPr>
+        <p:spPr>
+          <a:xfrm>
+            <a:off x="836821" y="1823035"/>
+            <a:ext cx="3023140" cy="864096"/>
+          </a:xfrm>
+          <a:prstGeom prst="roundRect">
+            <a:avLst>
+              <a:gd name="adj" fmla="val 37657"/>
+            </a:avLst>
+          </a:prstGeom>
+          <a:ln w="6350"/>
+        </p:spPr>
+        <p:style>
+          <a:lnRef idx="2">
+            <a:schemeClr val="accent5">
+              <a:shade val="50000"/>
+            </a:schemeClr>
+          </a:lnRef>
+          <a:fillRef idx="1">
+            <a:schemeClr val="accent5"/>
+          </a:fillRef>
+          <a:effectRef idx="0">
+            <a:schemeClr val="accent5"/>
+          </a:effectRef>
+          <a:fontRef idx="minor">
+            <a:schemeClr val="lt1"/>
+          </a:fontRef>
+        </p:style>
+        <p:txBody>
+          <a:bodyPr rtlCol="0" anchor="t" anchorCtr="0"/>
+          <a:lstStyle/>
+          <a:p>
+            <a:pPr algn="ctr"/>
+            <a:r>
+              <a:rPr lang="en-CA" sz="1000" dirty="0" smtClean="0">
+                <a:solidFill>
+                  <a:schemeClr val="tx1"/>
+                </a:solidFill>
+              </a:rPr>
+              <a:t>Contributions Channel Server Cluster</a:t>
+            </a:r>
+            <a:endParaRPr lang="en-CA" sz="1000" dirty="0">
+              <a:solidFill>
+                <a:schemeClr val="tx1"/>
+              </a:solidFill>
+            </a:endParaRPr>
+          </a:p>
+        </p:txBody>
+      </p:sp>
+      <p:sp>
+        <p:nvSpPr>
+          <p:cNvPr id="7" name="Cloud 6"/>
+          <p:cNvSpPr/>
+          <p:nvPr/>
+        </p:nvSpPr>
+        <p:spPr>
+          <a:xfrm>
+            <a:off x="3354709" y="22835"/>
+            <a:ext cx="2592288" cy="792088"/>
+          </a:xfrm>
+          <a:prstGeom prst="cloud">
+            <a:avLst/>
+          </a:prstGeom>
+          <a:solidFill>
+            <a:schemeClr val="bg2">
+              <a:lumMod val="90000"/>
+            </a:schemeClr>
+          </a:solidFill>
+          <a:ln w="6350"/>
+        </p:spPr>
+        <p:style>
+          <a:lnRef idx="2">
+            <a:schemeClr val="accent1">
+              <a:shade val="50000"/>
+            </a:schemeClr>
+          </a:lnRef>
+          <a:fillRef idx="1">
+            <a:schemeClr val="accent1"/>
+          </a:fillRef>
+          <a:effectRef idx="0">
+            <a:schemeClr val="accent1"/>
+          </a:effectRef>
+          <a:fontRef idx="minor">
+            <a:schemeClr val="lt1"/>
+          </a:fontRef>
+        </p:style>
+        <p:txBody>
+          <a:bodyPr rtlCol="0" anchor="ctr"/>
+          <a:lstStyle/>
+          <a:p>
+            <a:pPr algn="ctr"/>
+            <a:r>
+              <a:rPr lang="en-CA" sz="1200" dirty="0" smtClean="0">
+                <a:solidFill>
+                  <a:schemeClr val="tx1"/>
+                </a:solidFill>
+              </a:rPr>
+              <a:t>Elektron Core</a:t>
+            </a:r>
+            <a:endParaRPr lang="en-CA" sz="1200" dirty="0">
+              <a:solidFill>
+                <a:schemeClr val="tx1"/>
+              </a:solidFill>
+            </a:endParaRPr>
+          </a:p>
+        </p:txBody>
+      </p:sp>
+      <p:sp>
+        <p:nvSpPr>
+          <p:cNvPr id="8" name="Cloud 7"/>
+          <p:cNvSpPr/>
+          <p:nvPr/>
+        </p:nvSpPr>
+        <p:spPr>
+          <a:xfrm>
+            <a:off x="648162" y="2831147"/>
+            <a:ext cx="1656184" cy="720080"/>
+          </a:xfrm>
+          <a:prstGeom prst="cloud">
+            <a:avLst/>
+          </a:prstGeom>
+          <a:ln w="6350"/>
+        </p:spPr>
+        <p:style>
+          <a:lnRef idx="2">
+            <a:schemeClr val="accent3"/>
+          </a:lnRef>
+          <a:fillRef idx="1">
+            <a:schemeClr val="lt1"/>
+          </a:fillRef>
+          <a:effectRef idx="0">
+            <a:schemeClr val="accent3"/>
+          </a:effectRef>
+          <a:fontRef idx="minor">
+            <a:schemeClr val="dk1"/>
+          </a:fontRef>
+        </p:style>
+        <p:txBody>
+          <a:bodyPr rtlCol="0" anchor="ctr"/>
+          <a:lstStyle/>
+          <a:p>
+            <a:pPr algn="ctr"/>
+            <a:r>
+              <a:rPr lang="en-CA" sz="1200" dirty="0" smtClean="0">
+                <a:solidFill>
+                  <a:schemeClr val="tx1"/>
+                </a:solidFill>
+              </a:rPr>
+              <a:t>Delivery Direct</a:t>
+            </a:r>
+            <a:endParaRPr lang="en-CA" sz="1200" dirty="0">
+              <a:solidFill>
+                <a:schemeClr val="tx1"/>
+              </a:solidFill>
+            </a:endParaRPr>
+          </a:p>
+        </p:txBody>
+      </p:sp>
+      <p:sp>
+        <p:nvSpPr>
+          <p:cNvPr id="9" name="Cloud 8"/>
+          <p:cNvSpPr/>
+          <p:nvPr/>
+        </p:nvSpPr>
+        <p:spPr>
+          <a:xfrm>
+            <a:off x="2448362" y="2831147"/>
+            <a:ext cx="1656184" cy="720080"/>
+          </a:xfrm>
+          <a:prstGeom prst="cloud">
+            <a:avLst/>
+          </a:prstGeom>
+          <a:ln w="6350"/>
+        </p:spPr>
+        <p:style>
+          <a:lnRef idx="2">
+            <a:schemeClr val="accent3"/>
+          </a:lnRef>
+          <a:fillRef idx="1">
+            <a:schemeClr val="lt1"/>
+          </a:fillRef>
+          <a:effectRef idx="0">
+            <a:schemeClr val="accent3"/>
+          </a:effectRef>
+          <a:fontRef idx="minor">
+            <a:schemeClr val="dk1"/>
+          </a:fontRef>
+        </p:style>
+        <p:txBody>
+          <a:bodyPr rtlCol="0" anchor="ctr"/>
+          <a:lstStyle/>
+          <a:p>
+            <a:pPr algn="ctr"/>
+            <a:r>
+              <a:rPr lang="en-CA" sz="1200" dirty="0" smtClean="0">
+                <a:solidFill>
+                  <a:schemeClr val="tx1"/>
+                </a:solidFill>
+              </a:rPr>
+              <a:t>Internet</a:t>
+            </a:r>
+            <a:endParaRPr lang="en-CA" sz="1200" dirty="0">
+              <a:solidFill>
+                <a:schemeClr val="tx1"/>
+              </a:solidFill>
+            </a:endParaRPr>
+          </a:p>
+        </p:txBody>
+      </p:sp>
+      <p:cxnSp>
+        <p:nvCxnSpPr>
+          <p:cNvPr id="11" name="Straight Connector 10"/>
+          <p:cNvCxnSpPr/>
+          <p:nvPr/>
+        </p:nvCxnSpPr>
+        <p:spPr>
+          <a:xfrm>
+            <a:off x="648162" y="3695243"/>
+            <a:ext cx="3673604" cy="0"/>
+          </a:xfrm>
+          <a:prstGeom prst="line">
+            <a:avLst/>
+          </a:prstGeom>
+          <a:ln w="6350">
+            <a:prstDash val="dash"/>
+          </a:ln>
+        </p:spPr>
+        <p:style>
+          <a:lnRef idx="1">
+            <a:schemeClr val="accent1"/>
+          </a:lnRef>
+          <a:fillRef idx="0">
+            <a:schemeClr val="accent1"/>
+          </a:fillRef>
+          <a:effectRef idx="0">
+            <a:schemeClr val="accent1"/>
+          </a:effectRef>
+          <a:fontRef idx="minor">
+            <a:schemeClr val="tx1"/>
+          </a:fontRef>
+        </p:style>
+      </p:cxnSp>
+      <p:sp>
+        <p:nvSpPr>
+          <p:cNvPr id="12" name="Rounded Rectangle 11"/>
+          <p:cNvSpPr/>
+          <p:nvPr/>
+        </p:nvSpPr>
+        <p:spPr>
+          <a:xfrm>
+            <a:off x="951080" y="4039768"/>
+            <a:ext cx="1152128" cy="576064"/>
+          </a:xfrm>
+          <a:prstGeom prst="roundRect">
+            <a:avLst/>
+          </a:prstGeom>
+          <a:ln w="6350"/>
+        </p:spPr>
+        <p:style>
+          <a:lnRef idx="2">
+            <a:schemeClr val="accent6">
+              <a:shade val="50000"/>
+            </a:schemeClr>
+          </a:lnRef>
+          <a:fillRef idx="1">
+            <a:schemeClr val="accent6"/>
+          </a:fillRef>
+          <a:effectRef idx="0">
+            <a:schemeClr val="accent6"/>
+          </a:effectRef>
+          <a:fontRef idx="minor">
+            <a:schemeClr val="lt1"/>
+          </a:fontRef>
+        </p:style>
+        <p:txBody>
+          <a:bodyPr wrap="none" rtlCol="0" anchor="ctr"/>
+          <a:lstStyle/>
+          <a:p>
+            <a:pPr algn="ctr"/>
+            <a:endParaRPr lang="en-CA" sz="1200" dirty="0" smtClean="0">
+              <a:solidFill>
+                <a:schemeClr val="tx1"/>
+              </a:solidFill>
+            </a:endParaRPr>
+          </a:p>
+          <a:p>
+            <a:pPr algn="ctr"/>
+            <a:r>
+              <a:rPr lang="en-CA" sz="1200" dirty="0" smtClean="0">
+                <a:solidFill>
+                  <a:schemeClr val="tx1"/>
+                </a:solidFill>
+              </a:rPr>
+              <a:t>ADH</a:t>
+            </a:r>
+          </a:p>
+        </p:txBody>
+      </p:sp>
+      <p:sp>
+        <p:nvSpPr>
+          <p:cNvPr id="13" name="Rounded Rectangle 12"/>
+          <p:cNvSpPr/>
+          <p:nvPr/>
+        </p:nvSpPr>
+        <p:spPr>
+          <a:xfrm>
+            <a:off x="951080" y="4771660"/>
+            <a:ext cx="1152128" cy="576064"/>
+          </a:xfrm>
+          <a:prstGeom prst="roundRect">
+            <a:avLst/>
+          </a:prstGeom>
+          <a:ln w="6350"/>
+        </p:spPr>
+        <p:style>
+          <a:lnRef idx="2">
+            <a:schemeClr val="accent6">
+              <a:shade val="50000"/>
+            </a:schemeClr>
+          </a:lnRef>
+          <a:fillRef idx="1">
+            <a:schemeClr val="accent6"/>
+          </a:fillRef>
+          <a:effectRef idx="0">
+            <a:schemeClr val="accent6"/>
+          </a:effectRef>
+          <a:fontRef idx="minor">
+            <a:schemeClr val="lt1"/>
+          </a:fontRef>
+        </p:style>
+        <p:txBody>
+          <a:bodyPr wrap="none" rtlCol="0" anchor="ctr"/>
+          <a:lstStyle/>
+          <a:p>
+            <a:pPr algn="ctr"/>
+            <a:r>
+              <a:rPr lang="en-CA" sz="1200" dirty="0" smtClean="0">
+                <a:solidFill>
+                  <a:schemeClr val="tx1"/>
+                </a:solidFill>
+              </a:rPr>
+              <a:t>ADS</a:t>
+            </a:r>
+          </a:p>
+        </p:txBody>
+      </p:sp>
+      <p:sp>
+        <p:nvSpPr>
+          <p:cNvPr id="14" name="Rounded Rectangle 13"/>
+          <p:cNvSpPr/>
+          <p:nvPr/>
+        </p:nvSpPr>
+        <p:spPr>
+          <a:xfrm>
+            <a:off x="1691680" y="5661248"/>
+            <a:ext cx="1152128" cy="432048"/>
+          </a:xfrm>
+          <a:prstGeom prst="roundRect">
+            <a:avLst/>
+          </a:prstGeom>
+          <a:ln w="6350"/>
+        </p:spPr>
+        <p:style>
+          <a:lnRef idx="2">
+            <a:schemeClr val="accent1">
+              <a:shade val="50000"/>
+            </a:schemeClr>
+          </a:lnRef>
+          <a:fillRef idx="1">
+            <a:schemeClr val="accent1"/>
+          </a:fillRef>
+          <a:effectRef idx="0">
+            <a:schemeClr val="accent1"/>
+          </a:effectRef>
+          <a:fontRef idx="minor">
+            <a:schemeClr val="lt1"/>
+          </a:fontRef>
+        </p:style>
+        <p:txBody>
+          <a:bodyPr wrap="none" rtlCol="0" anchor="ctr"/>
+          <a:lstStyle/>
+          <a:p>
+            <a:pPr algn="ctr"/>
+            <a:endParaRPr lang="en-CA" sz="1200" dirty="0" smtClean="0">
+              <a:solidFill>
+                <a:schemeClr val="tx1"/>
+              </a:solidFill>
+            </a:endParaRPr>
+          </a:p>
+          <a:p>
+            <a:pPr algn="ctr"/>
+            <a:r>
+              <a:rPr lang="en-CA" sz="1200" dirty="0" smtClean="0">
+                <a:solidFill>
+                  <a:schemeClr val="tx1"/>
+                </a:solidFill>
+              </a:rPr>
+              <a:t>Application</a:t>
+            </a:r>
+          </a:p>
+        </p:txBody>
+      </p:sp>
+      <p:sp>
+        <p:nvSpPr>
+          <p:cNvPr id="17" name="Oval 16"/>
+          <p:cNvSpPr/>
+          <p:nvPr/>
+        </p:nvSpPr>
+        <p:spPr>
+          <a:xfrm>
+            <a:off x="1907704" y="5589240"/>
+            <a:ext cx="648072" cy="288032"/>
+          </a:xfrm>
+          <a:prstGeom prst="ellipse">
+            <a:avLst/>
+          </a:prstGeom>
+          <a:solidFill>
+            <a:schemeClr val="accent6">
+              <a:lumMod val="40000"/>
+              <a:lumOff val="60000"/>
+            </a:schemeClr>
+          </a:solidFill>
+          <a:ln w="6350"/>
+        </p:spPr>
+        <p:style>
+          <a:lnRef idx="2">
+            <a:schemeClr val="accent6">
+              <a:shade val="50000"/>
+            </a:schemeClr>
+          </a:lnRef>
+          <a:fillRef idx="1">
+            <a:schemeClr val="accent6"/>
+          </a:fillRef>
+          <a:effectRef idx="0">
+            <a:schemeClr val="accent6"/>
+          </a:effectRef>
+          <a:fontRef idx="minor">
+            <a:schemeClr val="lt1"/>
+          </a:fontRef>
+        </p:style>
+        <p:txBody>
+          <a:bodyPr wrap="none" rtlCol="0" anchor="ctr"/>
+          <a:lstStyle/>
+          <a:p>
+            <a:pPr algn="ctr"/>
+            <a:r>
+              <a:rPr lang="en-CA" sz="1200" dirty="0" smtClean="0">
+                <a:solidFill>
+                  <a:schemeClr val="tx1"/>
+                </a:solidFill>
+              </a:rPr>
+              <a:t>EMA</a:t>
+            </a:r>
+            <a:endParaRPr lang="en-CA" sz="1200" dirty="0">
+              <a:solidFill>
+                <a:schemeClr val="tx1"/>
+              </a:solidFill>
+            </a:endParaRPr>
+          </a:p>
+        </p:txBody>
+      </p:sp>
+      <p:sp>
+        <p:nvSpPr>
+          <p:cNvPr id="18" name="Oval 17"/>
+          <p:cNvSpPr/>
+          <p:nvPr/>
+        </p:nvSpPr>
+        <p:spPr>
+          <a:xfrm>
+            <a:off x="1203108" y="3967760"/>
+            <a:ext cx="648072" cy="288032"/>
+          </a:xfrm>
+          <a:prstGeom prst="ellipse">
+            <a:avLst/>
+          </a:prstGeom>
+          <a:solidFill>
+            <a:schemeClr val="accent6">
+              <a:lumMod val="40000"/>
+              <a:lumOff val="60000"/>
+            </a:schemeClr>
+          </a:solidFill>
+          <a:ln w="6350"/>
+        </p:spPr>
+        <p:style>
+          <a:lnRef idx="2">
+            <a:schemeClr val="accent6">
+              <a:shade val="50000"/>
+            </a:schemeClr>
+          </a:lnRef>
+          <a:fillRef idx="1">
+            <a:schemeClr val="accent6"/>
+          </a:fillRef>
+          <a:effectRef idx="0">
+            <a:schemeClr val="accent6"/>
+          </a:effectRef>
+          <a:fontRef idx="minor">
+            <a:schemeClr val="lt1"/>
+          </a:fontRef>
+        </p:style>
+        <p:txBody>
+          <a:bodyPr wrap="none" rtlCol="0" anchor="ctr"/>
+          <a:lstStyle/>
+          <a:p>
+            <a:pPr algn="ctr"/>
+            <a:r>
+              <a:rPr lang="en-CA" sz="1200" dirty="0" smtClean="0">
+                <a:solidFill>
+                  <a:schemeClr val="tx1"/>
+                </a:solidFill>
+              </a:rPr>
+              <a:t>TSA</a:t>
+            </a:r>
+            <a:endParaRPr lang="en-CA" sz="1200" dirty="0">
+              <a:solidFill>
+                <a:schemeClr val="tx1"/>
+              </a:solidFill>
+            </a:endParaRPr>
+          </a:p>
+        </p:txBody>
+      </p:sp>
+      <p:sp>
+        <p:nvSpPr>
+          <p:cNvPr id="19" name="Rounded Rectangle 18"/>
+          <p:cNvSpPr/>
+          <p:nvPr/>
+        </p:nvSpPr>
+        <p:spPr>
+          <a:xfrm>
+            <a:off x="2699494" y="4384293"/>
+            <a:ext cx="1152128" cy="576064"/>
+          </a:xfrm>
+          <a:prstGeom prst="roundRect">
+            <a:avLst/>
+          </a:prstGeom>
+          <a:ln w="6350"/>
+        </p:spPr>
+        <p:style>
+          <a:lnRef idx="2">
+            <a:schemeClr val="accent1">
+              <a:shade val="50000"/>
+            </a:schemeClr>
+          </a:lnRef>
+          <a:fillRef idx="1">
+            <a:schemeClr val="accent1"/>
+          </a:fillRef>
+          <a:effectRef idx="0">
+            <a:schemeClr val="accent1"/>
+          </a:effectRef>
+          <a:fontRef idx="minor">
+            <a:schemeClr val="lt1"/>
+          </a:fontRef>
+        </p:style>
+        <p:txBody>
+          <a:bodyPr wrap="none" rtlCol="0" anchor="ctr"/>
+          <a:lstStyle/>
+          <a:p>
+            <a:pPr algn="ctr"/>
+            <a:endParaRPr lang="en-CA" sz="1200" dirty="0" smtClean="0">
+              <a:solidFill>
+                <a:schemeClr val="tx1"/>
+              </a:solidFill>
+            </a:endParaRPr>
+          </a:p>
+          <a:p>
+            <a:pPr algn="ctr"/>
+            <a:r>
+              <a:rPr lang="en-CA" sz="1200" dirty="0" smtClean="0">
+                <a:solidFill>
+                  <a:schemeClr val="tx1"/>
+                </a:solidFill>
+              </a:rPr>
+              <a:t>Application</a:t>
+            </a:r>
+          </a:p>
+        </p:txBody>
+      </p:sp>
+      <p:sp>
+        <p:nvSpPr>
+          <p:cNvPr id="20" name="Oval 19"/>
+          <p:cNvSpPr/>
+          <p:nvPr/>
+        </p:nvSpPr>
+        <p:spPr>
+          <a:xfrm>
+            <a:off x="2951522" y="4312285"/>
+            <a:ext cx="648072" cy="288032"/>
+          </a:xfrm>
+          <a:prstGeom prst="ellipse">
+            <a:avLst/>
+          </a:prstGeom>
+          <a:solidFill>
+            <a:schemeClr val="accent6">
+              <a:lumMod val="40000"/>
+              <a:lumOff val="60000"/>
+            </a:schemeClr>
+          </a:solidFill>
+          <a:ln w="6350"/>
+        </p:spPr>
+        <p:style>
+          <a:lnRef idx="2">
+            <a:schemeClr val="accent6">
+              <a:shade val="50000"/>
+            </a:schemeClr>
+          </a:lnRef>
+          <a:fillRef idx="1">
+            <a:schemeClr val="accent6"/>
+          </a:fillRef>
+          <a:effectRef idx="0">
+            <a:schemeClr val="accent6"/>
+          </a:effectRef>
+          <a:fontRef idx="minor">
+            <a:schemeClr val="lt1"/>
+          </a:fontRef>
+        </p:style>
+        <p:txBody>
+          <a:bodyPr wrap="none" rtlCol="0" anchor="ctr"/>
+          <a:lstStyle/>
+          <a:p>
+            <a:pPr algn="ctr"/>
+            <a:r>
+              <a:rPr lang="en-CA" sz="1200" dirty="0" smtClean="0">
+                <a:solidFill>
+                  <a:schemeClr val="tx1"/>
+                </a:solidFill>
+              </a:rPr>
+              <a:t>EMA</a:t>
+            </a:r>
+            <a:endParaRPr lang="en-CA" sz="1200" dirty="0">
+              <a:solidFill>
+                <a:schemeClr val="tx1"/>
+              </a:solidFill>
+            </a:endParaRPr>
+          </a:p>
+        </p:txBody>
+      </p:sp>
+      <p:sp>
+        <p:nvSpPr>
+          <p:cNvPr id="22" name="Rounded Rectangle 21"/>
+          <p:cNvSpPr/>
+          <p:nvPr/>
+        </p:nvSpPr>
+        <p:spPr>
+          <a:xfrm>
+            <a:off x="843068" y="3895752"/>
+            <a:ext cx="1368152" cy="1584176"/>
+          </a:xfrm>
+          <a:prstGeom prst="roundRect">
+            <a:avLst/>
+          </a:prstGeom>
+          <a:noFill/>
+          <a:ln w="6350">
+            <a:solidFill>
+              <a:schemeClr val="dk1"/>
+            </a:solidFill>
+            <a:prstDash val="dash"/>
+          </a:ln>
+        </p:spPr>
+        <p:style>
+          <a:lnRef idx="2">
+            <a:schemeClr val="dk1"/>
+          </a:lnRef>
+          <a:fillRef idx="1">
+            <a:schemeClr val="lt1"/>
+          </a:fillRef>
+          <a:effectRef idx="0">
+            <a:schemeClr val="dk1"/>
+          </a:effectRef>
+          <a:fontRef idx="minor">
+            <a:schemeClr val="dk1"/>
+          </a:fontRef>
+        </p:style>
+        <p:txBody>
+          <a:bodyPr rtlCol="0" anchor="ctr"/>
+          <a:lstStyle/>
+          <a:p>
+            <a:pPr algn="ctr"/>
+            <a:endParaRPr lang="en-CA"/>
+          </a:p>
+        </p:txBody>
+      </p:sp>
+      <p:cxnSp>
+        <p:nvCxnSpPr>
+          <p:cNvPr id="25" name="Straight Connector 24"/>
+          <p:cNvCxnSpPr>
+            <a:stCxn id="17" idx="0"/>
+            <a:endCxn id="13" idx="2"/>
+          </p:cNvCxnSpPr>
+          <p:nvPr/>
+        </p:nvCxnSpPr>
+        <p:spPr>
+          <a:xfrm flipH="1" flipV="1">
+            <a:off x="1527144" y="5347724"/>
+            <a:ext cx="704596" cy="241516"/>
+          </a:xfrm>
+          <a:prstGeom prst="line">
+            <a:avLst/>
+          </a:prstGeom>
+        </p:spPr>
+        <p:style>
+          <a:lnRef idx="1">
+            <a:schemeClr val="accent1"/>
+          </a:lnRef>
+          <a:fillRef idx="0">
+            <a:schemeClr val="accent1"/>
+          </a:fillRef>
+          <a:effectRef idx="0">
+            <a:schemeClr val="accent1"/>
+          </a:effectRef>
+          <a:fontRef idx="minor">
+            <a:schemeClr val="tx1"/>
+          </a:fontRef>
+        </p:style>
+      </p:cxnSp>
+      <p:cxnSp>
+        <p:nvCxnSpPr>
+          <p:cNvPr id="32" name="Straight Connector 31"/>
+          <p:cNvCxnSpPr>
+            <a:endCxn id="12" idx="2"/>
+          </p:cNvCxnSpPr>
+          <p:nvPr/>
+        </p:nvCxnSpPr>
+        <p:spPr>
+          <a:xfrm flipV="1">
+            <a:off x="1527144" y="4615832"/>
+            <a:ext cx="0" cy="158599"/>
+          </a:xfrm>
+          <a:prstGeom prst="line">
+            <a:avLst/>
+          </a:prstGeom>
+        </p:spPr>
+        <p:style>
+          <a:lnRef idx="1">
+            <a:schemeClr val="accent1"/>
+          </a:lnRef>
+          <a:fillRef idx="0">
+            <a:schemeClr val="accent1"/>
+          </a:fillRef>
+          <a:effectRef idx="0">
+            <a:schemeClr val="accent1"/>
+          </a:effectRef>
+          <a:fontRef idx="minor">
+            <a:schemeClr val="tx1"/>
+          </a:fontRef>
+        </p:style>
+      </p:cxnSp>
+      <p:cxnSp>
+        <p:nvCxnSpPr>
+          <p:cNvPr id="34" name="Straight Connector 33"/>
+          <p:cNvCxnSpPr/>
+          <p:nvPr/>
+        </p:nvCxnSpPr>
+        <p:spPr>
+          <a:xfrm flipV="1">
+            <a:off x="1526649" y="2687131"/>
+            <a:ext cx="0" cy="1268817"/>
+          </a:xfrm>
+          <a:prstGeom prst="line">
+            <a:avLst/>
+          </a:prstGeom>
+          <a:ln>
+            <a:solidFill>
+              <a:schemeClr val="accent1">
+                <a:shade val="95000"/>
+                <a:satMod val="105000"/>
+                <a:alpha val="49000"/>
+              </a:schemeClr>
+            </a:solidFill>
+          </a:ln>
+        </p:spPr>
+        <p:style>
+          <a:lnRef idx="1">
+            <a:schemeClr val="accent1"/>
+          </a:lnRef>
+          <a:fillRef idx="0">
+            <a:schemeClr val="accent1"/>
+          </a:fillRef>
+          <a:effectRef idx="0">
+            <a:schemeClr val="accent1"/>
+          </a:effectRef>
+          <a:fontRef idx="minor">
+            <a:schemeClr val="tx1"/>
+          </a:fontRef>
+        </p:style>
+      </p:cxnSp>
+      <p:cxnSp>
+        <p:nvCxnSpPr>
+          <p:cNvPr id="36" name="Straight Connector 35"/>
+          <p:cNvCxnSpPr>
+            <a:stCxn id="20" idx="0"/>
+          </p:cNvCxnSpPr>
+          <p:nvPr/>
+        </p:nvCxnSpPr>
+        <p:spPr>
+          <a:xfrm flipH="1" flipV="1">
+            <a:off x="3240751" y="2687131"/>
+            <a:ext cx="0" cy="1625154"/>
+          </a:xfrm>
+          <a:prstGeom prst="line">
+            <a:avLst/>
+          </a:prstGeom>
+          <a:ln>
+            <a:solidFill>
+              <a:schemeClr val="accent1">
+                <a:shade val="95000"/>
+                <a:satMod val="105000"/>
+                <a:alpha val="49000"/>
+              </a:schemeClr>
+            </a:solidFill>
+          </a:ln>
+        </p:spPr>
+        <p:style>
+          <a:lnRef idx="1">
+            <a:schemeClr val="accent1"/>
+          </a:lnRef>
+          <a:fillRef idx="0">
+            <a:schemeClr val="accent1"/>
+          </a:fillRef>
+          <a:effectRef idx="0">
+            <a:schemeClr val="accent1"/>
+          </a:effectRef>
+          <a:fontRef idx="minor">
+            <a:schemeClr val="tx1"/>
+          </a:fontRef>
+        </p:style>
+      </p:cxnSp>
+      <p:cxnSp>
+        <p:nvCxnSpPr>
+          <p:cNvPr id="41" name="Straight Connector 40"/>
+          <p:cNvCxnSpPr>
+            <a:stCxn id="6" idx="0"/>
+            <a:endCxn id="5" idx="2"/>
+          </p:cNvCxnSpPr>
+          <p:nvPr/>
+        </p:nvCxnSpPr>
+        <p:spPr>
+          <a:xfrm flipV="1">
+            <a:off x="2348391" y="1585928"/>
+            <a:ext cx="0" cy="237107"/>
+          </a:xfrm>
+          <a:prstGeom prst="line">
+            <a:avLst/>
+          </a:prstGeom>
+        </p:spPr>
+        <p:style>
+          <a:lnRef idx="1">
+            <a:schemeClr val="accent1"/>
+          </a:lnRef>
+          <a:fillRef idx="0">
+            <a:schemeClr val="accent1"/>
+          </a:fillRef>
+          <a:effectRef idx="0">
+            <a:schemeClr val="accent1"/>
+          </a:effectRef>
+          <a:fontRef idx="minor">
+            <a:schemeClr val="tx1"/>
+          </a:fontRef>
+        </p:style>
+      </p:cxnSp>
+      <p:cxnSp>
+        <p:nvCxnSpPr>
+          <p:cNvPr id="43" name="Straight Connector 42"/>
+          <p:cNvCxnSpPr>
+            <a:stCxn id="5" idx="0"/>
+            <a:endCxn id="4" idx="2"/>
+          </p:cNvCxnSpPr>
+          <p:nvPr/>
+        </p:nvCxnSpPr>
+        <p:spPr>
+          <a:xfrm flipV="1">
+            <a:off x="2348391" y="1010534"/>
+            <a:ext cx="0" cy="215354"/>
+          </a:xfrm>
+          <a:prstGeom prst="line">
+            <a:avLst/>
+          </a:prstGeom>
+        </p:spPr>
+        <p:style>
+          <a:lnRef idx="1">
+            <a:schemeClr val="accent1"/>
+          </a:lnRef>
+          <a:fillRef idx="0">
+            <a:schemeClr val="accent1"/>
+          </a:fillRef>
+          <a:effectRef idx="0">
+            <a:schemeClr val="accent1"/>
+          </a:effectRef>
+          <a:fontRef idx="minor">
+            <a:schemeClr val="tx1"/>
+          </a:fontRef>
+        </p:style>
+      </p:cxnSp>
+      <p:cxnSp>
+        <p:nvCxnSpPr>
+          <p:cNvPr id="46" name="Elbow Connector 45"/>
+          <p:cNvCxnSpPr>
+            <a:stCxn id="4" idx="0"/>
+            <a:endCxn id="7" idx="2"/>
+          </p:cNvCxnSpPr>
+          <p:nvPr/>
+        </p:nvCxnSpPr>
+        <p:spPr>
+          <a:xfrm rot="5400000" flipH="1" flipV="1">
+            <a:off x="2739763" y="27508"/>
+            <a:ext cx="231615" cy="1014359"/>
+          </a:xfrm>
+          <a:prstGeom prst="bentConnector2">
+            <a:avLst/>
+          </a:prstGeom>
+          <a:ln>
+            <a:tailEnd type="arrow"/>
+          </a:ln>
+        </p:spPr>
+        <p:style>
+          <a:lnRef idx="1">
+            <a:schemeClr val="accent1"/>
+          </a:lnRef>
+          <a:fillRef idx="0">
+            <a:schemeClr val="accent1"/>
+          </a:fillRef>
+          <a:effectRef idx="0">
+            <a:schemeClr val="accent1"/>
+          </a:effectRef>
+          <a:fontRef idx="minor">
+            <a:schemeClr val="tx1"/>
+          </a:fontRef>
+        </p:style>
+      </p:cxnSp>
+      <p:sp>
+        <p:nvSpPr>
+          <p:cNvPr id="56" name="TextBox 55"/>
+          <p:cNvSpPr txBox="1"/>
+          <p:nvPr/>
+        </p:nvSpPr>
+        <p:spPr>
+          <a:xfrm>
+            <a:off x="2753181" y="5051856"/>
+            <a:ext cx="975139" cy="461665"/>
+          </a:xfrm>
+          <a:prstGeom prst="rect">
+            <a:avLst/>
+          </a:prstGeom>
+          <a:noFill/>
+        </p:spPr>
+        <p:txBody>
+          <a:bodyPr wrap="none" rtlCol="0">
+            <a:spAutoFit/>
+          </a:bodyPr>
+          <a:lstStyle/>
+          <a:p>
+            <a:pPr algn="ctr"/>
+            <a:r>
+              <a:rPr lang="en-CA" sz="1200" dirty="0" smtClean="0"/>
+              <a:t>Direct</a:t>
+            </a:r>
+          </a:p>
+          <a:p>
+            <a:pPr algn="just"/>
+            <a:r>
+              <a:rPr lang="en-CA" sz="1200" dirty="0" smtClean="0"/>
+              <a:t>Contribution</a:t>
+            </a:r>
+            <a:endParaRPr lang="en-CA" sz="1200" dirty="0"/>
+          </a:p>
+        </p:txBody>
+      </p:sp>
+      <p:sp>
+        <p:nvSpPr>
+          <p:cNvPr id="58" name="TextBox 57"/>
+          <p:cNvSpPr txBox="1"/>
+          <p:nvPr/>
+        </p:nvSpPr>
+        <p:spPr>
+          <a:xfrm>
+            <a:off x="1043608" y="6165304"/>
+            <a:ext cx="1030154" cy="461665"/>
+          </a:xfrm>
+          <a:prstGeom prst="rect">
+            <a:avLst/>
+          </a:prstGeom>
+          <a:noFill/>
+        </p:spPr>
+        <p:txBody>
+          <a:bodyPr wrap="none" rtlCol="0">
+            <a:spAutoFit/>
+          </a:bodyPr>
+          <a:lstStyle/>
+          <a:p>
+            <a:r>
+              <a:rPr lang="en-CA" sz="1200" dirty="0" smtClean="0"/>
+              <a:t>Contributing </a:t>
+            </a:r>
+          </a:p>
+          <a:p>
+            <a:r>
+              <a:rPr lang="en-CA" sz="1200" dirty="0" smtClean="0"/>
+              <a:t>through TREP</a:t>
+            </a:r>
+            <a:endParaRPr lang="en-CA" sz="1200" dirty="0"/>
+          </a:p>
+        </p:txBody>
+      </p:sp>
+      <p:sp>
+        <p:nvSpPr>
+          <p:cNvPr id="60" name="Rounded Rectangle 59"/>
+          <p:cNvSpPr/>
+          <p:nvPr/>
+        </p:nvSpPr>
+        <p:spPr>
+          <a:xfrm>
+            <a:off x="2041726" y="2190401"/>
+            <a:ext cx="631990" cy="381829"/>
+          </a:xfrm>
+          <a:prstGeom prst="roundRect">
+            <a:avLst>
+              <a:gd name="adj" fmla="val 38438"/>
+            </a:avLst>
+          </a:prstGeom>
+          <a:pattFill prst="dkDnDiag">
+            <a:fgClr>
+              <a:schemeClr val="tx2">
+                <a:lumMod val="40000"/>
+                <a:lumOff val="60000"/>
+              </a:schemeClr>
+            </a:fgClr>
+            <a:bgClr>
+              <a:schemeClr val="tx2"/>
+            </a:bgClr>
+          </a:pattFill>
+          <a:ln w="6350"/>
+        </p:spPr>
+        <p:style>
+          <a:lnRef idx="2">
+            <a:schemeClr val="accent1">
+              <a:shade val="50000"/>
+            </a:schemeClr>
+          </a:lnRef>
+          <a:fillRef idx="1">
+            <a:schemeClr val="accent1"/>
+          </a:fillRef>
+          <a:effectRef idx="0">
+            <a:schemeClr val="accent1"/>
+          </a:effectRef>
+          <a:fontRef idx="minor">
+            <a:schemeClr val="lt1"/>
+          </a:fontRef>
+        </p:style>
+        <p:txBody>
+          <a:bodyPr rtlCol="0" anchor="ctr"/>
+          <a:lstStyle/>
+          <a:p>
+            <a:pPr algn="ctr"/>
+            <a:endParaRPr lang="en-CA"/>
+          </a:p>
+        </p:txBody>
+      </p:sp>
+      <p:sp>
+        <p:nvSpPr>
+          <p:cNvPr id="61" name="Rounded Rectangle 60"/>
+          <p:cNvSpPr/>
+          <p:nvPr/>
+        </p:nvSpPr>
+        <p:spPr>
+          <a:xfrm>
+            <a:off x="2791512" y="2190400"/>
+            <a:ext cx="631990" cy="381829"/>
+          </a:xfrm>
+          <a:prstGeom prst="roundRect">
+            <a:avLst>
+              <a:gd name="adj" fmla="val 38438"/>
+            </a:avLst>
+          </a:prstGeom>
+          <a:solidFill>
+            <a:schemeClr val="tx2">
+              <a:lumMod val="40000"/>
+              <a:lumOff val="60000"/>
+            </a:schemeClr>
+          </a:solidFill>
+          <a:ln w="6350"/>
+        </p:spPr>
+        <p:style>
+          <a:lnRef idx="2">
+            <a:schemeClr val="accent1">
+              <a:shade val="50000"/>
+            </a:schemeClr>
+          </a:lnRef>
+          <a:fillRef idx="1">
+            <a:schemeClr val="accent1"/>
+          </a:fillRef>
+          <a:effectRef idx="0">
+            <a:schemeClr val="accent1"/>
+          </a:effectRef>
+          <a:fontRef idx="minor">
+            <a:schemeClr val="lt1"/>
+          </a:fontRef>
+        </p:style>
+        <p:txBody>
+          <a:bodyPr rtlCol="0" anchor="ctr"/>
+          <a:lstStyle/>
+          <a:p>
+            <a:pPr algn="ctr"/>
+            <a:endParaRPr lang="en-CA"/>
+          </a:p>
+        </p:txBody>
+      </p:sp>
+      <p:sp>
+        <p:nvSpPr>
+          <p:cNvPr id="62" name="Rounded Rectangle 61"/>
+          <p:cNvSpPr/>
+          <p:nvPr/>
+        </p:nvSpPr>
+        <p:spPr>
+          <a:xfrm>
+            <a:off x="1292487" y="2190401"/>
+            <a:ext cx="631990" cy="381829"/>
+          </a:xfrm>
+          <a:prstGeom prst="roundRect">
+            <a:avLst>
+              <a:gd name="adj" fmla="val 38438"/>
+            </a:avLst>
+          </a:prstGeom>
+          <a:solidFill>
+            <a:schemeClr val="tx2">
+              <a:lumMod val="40000"/>
+              <a:lumOff val="60000"/>
+            </a:schemeClr>
+          </a:solidFill>
+          <a:ln w="6350"/>
+        </p:spPr>
+        <p:style>
+          <a:lnRef idx="2">
+            <a:schemeClr val="accent1">
+              <a:shade val="50000"/>
+            </a:schemeClr>
+          </a:lnRef>
+          <a:fillRef idx="1">
+            <a:schemeClr val="accent1"/>
+          </a:fillRef>
+          <a:effectRef idx="0">
+            <a:schemeClr val="accent1"/>
+          </a:effectRef>
+          <a:fontRef idx="minor">
+            <a:schemeClr val="lt1"/>
+          </a:fontRef>
+        </p:style>
+        <p:txBody>
+          <a:bodyPr rtlCol="0" anchor="ctr"/>
+          <a:lstStyle/>
+          <a:p>
+            <a:pPr algn="ctr"/>
+            <a:endParaRPr lang="en-CA"/>
+          </a:p>
+        </p:txBody>
+      </p:sp>
+      <p:cxnSp>
+        <p:nvCxnSpPr>
+          <p:cNvPr id="63" name="Straight Connector 62"/>
+          <p:cNvCxnSpPr/>
+          <p:nvPr/>
+        </p:nvCxnSpPr>
+        <p:spPr>
+          <a:xfrm flipH="1" flipV="1">
+            <a:off x="3194487" y="2687133"/>
+            <a:ext cx="0" cy="1625152"/>
+          </a:xfrm>
+          <a:prstGeom prst="line">
+            <a:avLst/>
+          </a:prstGeom>
+          <a:ln w="9525">
+            <a:solidFill>
+              <a:schemeClr val="tx1">
+                <a:alpha val="49000"/>
+              </a:schemeClr>
+            </a:solidFill>
+            <a:prstDash val="dash"/>
+          </a:ln>
+        </p:spPr>
+        <p:style>
+          <a:lnRef idx="1">
+            <a:schemeClr val="accent1"/>
+          </a:lnRef>
+          <a:fillRef idx="0">
+            <a:schemeClr val="accent1"/>
+          </a:fillRef>
+          <a:effectRef idx="0">
+            <a:schemeClr val="accent1"/>
+          </a:effectRef>
+          <a:fontRef idx="minor">
+            <a:schemeClr val="tx1"/>
+          </a:fontRef>
+        </p:style>
+      </p:cxnSp>
+      <p:cxnSp>
+        <p:nvCxnSpPr>
+          <p:cNvPr id="75" name="Straight Connector 74"/>
+          <p:cNvCxnSpPr/>
+          <p:nvPr/>
+        </p:nvCxnSpPr>
+        <p:spPr>
+          <a:xfrm flipH="1" flipV="1">
+            <a:off x="3278086" y="2687131"/>
+            <a:ext cx="0" cy="1625152"/>
+          </a:xfrm>
+          <a:prstGeom prst="line">
+            <a:avLst/>
+          </a:prstGeom>
+          <a:ln w="9525">
+            <a:solidFill>
+              <a:schemeClr val="tx1">
+                <a:alpha val="49000"/>
+              </a:schemeClr>
+            </a:solidFill>
+            <a:prstDash val="dash"/>
+          </a:ln>
+        </p:spPr>
+        <p:style>
+          <a:lnRef idx="1">
+            <a:schemeClr val="accent1"/>
+          </a:lnRef>
+          <a:fillRef idx="0">
+            <a:schemeClr val="accent1"/>
+          </a:fillRef>
+          <a:effectRef idx="0">
+            <a:schemeClr val="accent1"/>
+          </a:effectRef>
+          <a:fontRef idx="minor">
+            <a:schemeClr val="tx1"/>
+          </a:fontRef>
+        </p:style>
+      </p:cxnSp>
+      <p:sp>
+        <p:nvSpPr>
+          <p:cNvPr id="77" name="TextBox 76"/>
+          <p:cNvSpPr txBox="1"/>
+          <p:nvPr/>
+        </p:nvSpPr>
+        <p:spPr>
+          <a:xfrm>
+            <a:off x="3236735" y="3736927"/>
+            <a:ext cx="814647" cy="461665"/>
+          </a:xfrm>
+          <a:prstGeom prst="rect">
+            <a:avLst/>
+          </a:prstGeom>
+          <a:noFill/>
+        </p:spPr>
+        <p:txBody>
+          <a:bodyPr wrap="none" rtlCol="0">
+            <a:spAutoFit/>
+          </a:bodyPr>
+          <a:lstStyle/>
+          <a:p>
+            <a:r>
+              <a:rPr lang="en-CA" sz="1200" dirty="0" smtClean="0"/>
+              <a:t>Encrypted</a:t>
+            </a:r>
+          </a:p>
+          <a:p>
+            <a:r>
+              <a:rPr lang="en-CA" sz="1200" dirty="0" smtClean="0"/>
+              <a:t>Tunnel</a:t>
+            </a:r>
+            <a:endParaRPr lang="en-CA" sz="1200" dirty="0"/>
+          </a:p>
+        </p:txBody>
+      </p:sp>
+      <p:cxnSp>
+        <p:nvCxnSpPr>
+          <p:cNvPr id="78" name="Straight Connector 77"/>
+          <p:cNvCxnSpPr/>
+          <p:nvPr/>
+        </p:nvCxnSpPr>
+        <p:spPr>
+          <a:xfrm flipV="1">
+            <a:off x="4650853" y="1225888"/>
+            <a:ext cx="0" cy="4121836"/>
+          </a:xfrm>
+          <a:prstGeom prst="line">
+            <a:avLst/>
+          </a:prstGeom>
+          <a:ln w="6350">
+            <a:prstDash val="dash"/>
+          </a:ln>
+        </p:spPr>
+        <p:style>
+          <a:lnRef idx="1">
+            <a:schemeClr val="accent1"/>
+          </a:lnRef>
+          <a:fillRef idx="0">
+            <a:schemeClr val="accent1"/>
+          </a:fillRef>
+          <a:effectRef idx="0">
+            <a:schemeClr val="accent1"/>
+          </a:effectRef>
+          <a:fontRef idx="minor">
+            <a:schemeClr val="tx1"/>
+          </a:fontRef>
+        </p:style>
+      </p:cxnSp>
+      <p:sp>
+        <p:nvSpPr>
+          <p:cNvPr id="80" name="Rounded Rectangle 79"/>
+          <p:cNvSpPr/>
+          <p:nvPr/>
+        </p:nvSpPr>
+        <p:spPr>
+          <a:xfrm>
+            <a:off x="5796136" y="1228600"/>
+            <a:ext cx="1692188" cy="360040"/>
+          </a:xfrm>
+          <a:prstGeom prst="roundRect">
+            <a:avLst>
+              <a:gd name="adj" fmla="val 37657"/>
+            </a:avLst>
+          </a:prstGeom>
+          <a:ln w="6350"/>
+        </p:spPr>
+        <p:style>
+          <a:lnRef idx="2">
+            <a:schemeClr val="accent3">
+              <a:shade val="50000"/>
+            </a:schemeClr>
+          </a:lnRef>
+          <a:fillRef idx="1">
+            <a:schemeClr val="accent3"/>
+          </a:fillRef>
+          <a:effectRef idx="0">
+            <a:schemeClr val="accent3"/>
+          </a:effectRef>
+          <a:fontRef idx="minor">
+            <a:schemeClr val="lt1"/>
+          </a:fontRef>
+        </p:style>
+        <p:txBody>
+          <a:bodyPr rtlCol="0" anchor="ctr"/>
+          <a:lstStyle/>
+          <a:p>
+            <a:pPr algn="ctr"/>
+            <a:r>
+              <a:rPr lang="en-CA" sz="1000" dirty="0" smtClean="0">
+                <a:solidFill>
+                  <a:schemeClr val="tx1"/>
+                </a:solidFill>
+              </a:rPr>
+              <a:t>Elektron Distribution</a:t>
+            </a:r>
+          </a:p>
+          <a:p>
+            <a:pPr algn="ctr"/>
+            <a:r>
+              <a:rPr lang="en-CA" sz="1000" dirty="0" smtClean="0">
+                <a:solidFill>
+                  <a:schemeClr val="tx1"/>
+                </a:solidFill>
+              </a:rPr>
+              <a:t>POP</a:t>
+            </a:r>
+            <a:endParaRPr lang="en-CA" sz="1000" dirty="0">
+              <a:solidFill>
+                <a:schemeClr val="tx1"/>
+              </a:solidFill>
+            </a:endParaRPr>
+          </a:p>
+        </p:txBody>
+      </p:sp>
+      <p:cxnSp>
+        <p:nvCxnSpPr>
+          <p:cNvPr id="82" name="Elbow Connector 81"/>
+          <p:cNvCxnSpPr>
+            <a:stCxn id="7" idx="0"/>
+            <a:endCxn id="80" idx="0"/>
+          </p:cNvCxnSpPr>
+          <p:nvPr/>
+        </p:nvCxnSpPr>
+        <p:spPr>
+          <a:xfrm>
+            <a:off x="5944837" y="418879"/>
+            <a:ext cx="697393" cy="809721"/>
+          </a:xfrm>
+          <a:prstGeom prst="bentConnector2">
+            <a:avLst/>
+          </a:prstGeom>
+          <a:ln>
+            <a:tailEnd type="arrow"/>
+          </a:ln>
+        </p:spPr>
+        <p:style>
+          <a:lnRef idx="1">
+            <a:schemeClr val="accent1"/>
+          </a:lnRef>
+          <a:fillRef idx="0">
+            <a:schemeClr val="accent1"/>
+          </a:fillRef>
+          <a:effectRef idx="0">
+            <a:schemeClr val="accent1"/>
+          </a:effectRef>
+          <a:fontRef idx="minor">
+            <a:schemeClr val="tx1"/>
+          </a:fontRef>
+        </p:style>
+      </p:cxnSp>
+      <p:sp>
+        <p:nvSpPr>
+          <p:cNvPr id="84" name="Cloud 83"/>
+          <p:cNvSpPr/>
+          <p:nvPr/>
+        </p:nvSpPr>
+        <p:spPr>
+          <a:xfrm>
+            <a:off x="5814138" y="2471107"/>
+            <a:ext cx="1926214" cy="720080"/>
+          </a:xfrm>
+          <a:prstGeom prst="cloud">
+            <a:avLst/>
+          </a:prstGeom>
+          <a:ln w="6350"/>
+        </p:spPr>
+        <p:style>
+          <a:lnRef idx="2">
+            <a:schemeClr val="accent3"/>
+          </a:lnRef>
+          <a:fillRef idx="1">
+            <a:schemeClr val="lt1"/>
+          </a:fillRef>
+          <a:effectRef idx="0">
+            <a:schemeClr val="accent3"/>
+          </a:effectRef>
+          <a:fontRef idx="minor">
+            <a:schemeClr val="dk1"/>
+          </a:fontRef>
+        </p:style>
+        <p:txBody>
+          <a:bodyPr rtlCol="0" anchor="ctr"/>
+          <a:lstStyle/>
+          <a:p>
+            <a:pPr algn="ctr"/>
+            <a:r>
+              <a:rPr lang="en-CA" sz="1200" dirty="0" smtClean="0">
+                <a:solidFill>
+                  <a:schemeClr val="tx1"/>
+                </a:solidFill>
+              </a:rPr>
+              <a:t>Delivery Direct / Internet</a:t>
+            </a:r>
+            <a:endParaRPr lang="en-CA" sz="1200" dirty="0">
+              <a:solidFill>
+                <a:schemeClr val="tx1"/>
+              </a:solidFill>
+            </a:endParaRPr>
+          </a:p>
+        </p:txBody>
+      </p:sp>
+      <p:cxnSp>
+        <p:nvCxnSpPr>
+          <p:cNvPr id="85" name="Straight Connector 84"/>
+          <p:cNvCxnSpPr/>
+          <p:nvPr/>
+        </p:nvCxnSpPr>
+        <p:spPr>
+          <a:xfrm>
+            <a:off x="4932040" y="3695243"/>
+            <a:ext cx="3673604" cy="0"/>
+          </a:xfrm>
+          <a:prstGeom prst="line">
+            <a:avLst/>
+          </a:prstGeom>
+          <a:ln w="6350">
+            <a:prstDash val="dash"/>
+          </a:ln>
+        </p:spPr>
+        <p:style>
+          <a:lnRef idx="1">
+            <a:schemeClr val="accent1"/>
+          </a:lnRef>
+          <a:fillRef idx="0">
+            <a:schemeClr val="accent1"/>
+          </a:fillRef>
+          <a:effectRef idx="0">
+            <a:schemeClr val="accent1"/>
+          </a:effectRef>
+          <a:fontRef idx="minor">
+            <a:schemeClr val="tx1"/>
+          </a:fontRef>
+        </p:style>
+      </p:cxnSp>
+      <p:cxnSp>
+        <p:nvCxnSpPr>
+          <p:cNvPr id="87" name="Straight Arrow Connector 86"/>
+          <p:cNvCxnSpPr/>
+          <p:nvPr/>
+        </p:nvCxnSpPr>
+        <p:spPr>
+          <a:xfrm flipH="1">
+            <a:off x="6642230" y="1581349"/>
+            <a:ext cx="0" cy="3106491"/>
+          </a:xfrm>
+          <a:prstGeom prst="straightConnector1">
+            <a:avLst/>
+          </a:prstGeom>
+          <a:ln>
+            <a:solidFill>
+              <a:schemeClr val="accent1">
+                <a:shade val="95000"/>
+                <a:satMod val="105000"/>
+                <a:alpha val="49000"/>
+              </a:schemeClr>
+            </a:solidFill>
+            <a:tailEnd type="arrow"/>
+          </a:ln>
+        </p:spPr>
+        <p:style>
+          <a:lnRef idx="1">
+            <a:schemeClr val="accent1"/>
+          </a:lnRef>
+          <a:fillRef idx="0">
+            <a:schemeClr val="accent1"/>
+          </a:fillRef>
+          <a:effectRef idx="0">
+            <a:schemeClr val="accent1"/>
+          </a:effectRef>
+          <a:fontRef idx="minor">
+            <a:schemeClr val="tx1"/>
+          </a:fontRef>
+        </p:style>
+      </p:cxnSp>
+      <p:sp>
+        <p:nvSpPr>
+          <p:cNvPr id="89" name="TextBox 88"/>
+          <p:cNvSpPr txBox="1"/>
+          <p:nvPr/>
+        </p:nvSpPr>
+        <p:spPr>
+          <a:xfrm>
+            <a:off x="5868332" y="4776300"/>
+            <a:ext cx="1547796" cy="461665"/>
+          </a:xfrm>
+          <a:prstGeom prst="rect">
+            <a:avLst/>
+          </a:prstGeom>
+          <a:noFill/>
+        </p:spPr>
+        <p:txBody>
+          <a:bodyPr wrap="none" rtlCol="0">
+            <a:spAutoFit/>
+          </a:bodyPr>
+          <a:lstStyle/>
+          <a:p>
+            <a:r>
+              <a:rPr lang="en-CA" sz="1200" dirty="0" smtClean="0"/>
+              <a:t>Data distributors and </a:t>
+            </a:r>
+          </a:p>
+          <a:p>
+            <a:pPr algn="ctr"/>
+            <a:r>
+              <a:rPr lang="en-CA" sz="1200" dirty="0" smtClean="0"/>
+              <a:t>consumers</a:t>
+            </a:r>
+            <a:endParaRPr lang="en-CA" sz="1200" dirty="0"/>
+          </a:p>
+        </p:txBody>
+      </p:sp>
+      <p:sp>
+        <p:nvSpPr>
+          <p:cNvPr id="39" name="Rounded Rectangle 38"/>
+          <p:cNvSpPr/>
+          <p:nvPr/>
+        </p:nvSpPr>
+        <p:spPr>
+          <a:xfrm>
+            <a:off x="323528" y="5661248"/>
+            <a:ext cx="1152128" cy="432048"/>
+          </a:xfrm>
+          <a:prstGeom prst="roundRect">
+            <a:avLst/>
+          </a:prstGeom>
+          <a:solidFill>
+            <a:schemeClr val="accent1">
+              <a:lumMod val="60000"/>
+              <a:lumOff val="40000"/>
+            </a:schemeClr>
+          </a:solidFill>
+          <a:ln w="6350"/>
+        </p:spPr>
+        <p:style>
+          <a:lnRef idx="2">
+            <a:schemeClr val="accent1">
+              <a:shade val="50000"/>
+            </a:schemeClr>
+          </a:lnRef>
+          <a:fillRef idx="1">
+            <a:schemeClr val="accent1"/>
+          </a:fillRef>
+          <a:effectRef idx="0">
+            <a:schemeClr val="accent1"/>
+          </a:effectRef>
+          <a:fontRef idx="minor">
+            <a:schemeClr val="lt1"/>
+          </a:fontRef>
+        </p:style>
+        <p:txBody>
+          <a:bodyPr wrap="none" rtlCol="0" anchor="ctr"/>
+          <a:lstStyle/>
+          <a:p>
+            <a:pPr algn="ctr"/>
+            <a:r>
+              <a:rPr lang="en-CA" sz="1200" dirty="0" smtClean="0">
+                <a:solidFill>
+                  <a:schemeClr val="tx1"/>
+                </a:solidFill>
+              </a:rPr>
+              <a:t>WebSocket</a:t>
+            </a:r>
+            <a:endParaRPr lang="en-CA" sz="1200" dirty="0" smtClean="0">
+              <a:solidFill>
+                <a:schemeClr val="tx1"/>
+              </a:solidFill>
+            </a:endParaRPr>
+          </a:p>
+          <a:p>
+            <a:pPr algn="ctr"/>
+            <a:r>
+              <a:rPr lang="en-CA" sz="1200" dirty="0" smtClean="0">
+                <a:solidFill>
+                  <a:schemeClr val="tx1"/>
+                </a:solidFill>
+              </a:rPr>
+              <a:t>Application</a:t>
+            </a:r>
+          </a:p>
+        </p:txBody>
+      </p:sp>
+      <p:cxnSp>
+        <p:nvCxnSpPr>
+          <p:cNvPr id="42" name="Straight Connector 41"/>
+          <p:cNvCxnSpPr>
+            <a:stCxn id="39" idx="0"/>
+            <a:endCxn id="13" idx="2"/>
+          </p:cNvCxnSpPr>
+          <p:nvPr/>
+        </p:nvCxnSpPr>
+        <p:spPr>
+          <a:xfrm flipV="1">
+            <a:off x="899592" y="5347724"/>
+            <a:ext cx="627552" cy="313524"/>
+          </a:xfrm>
+          <a:prstGeom prst="line">
+            <a:avLst/>
+          </a:prstGeom>
+          <a:ln>
+            <a:prstDash val="solid"/>
+          </a:ln>
+        </p:spPr>
+        <p:style>
+          <a:lnRef idx="1">
+            <a:schemeClr val="accent1"/>
+          </a:lnRef>
+          <a:fillRef idx="0">
+            <a:schemeClr val="accent1"/>
+          </a:fillRef>
+          <a:effectRef idx="0">
+            <a:schemeClr val="accent1"/>
+          </a:effectRef>
+          <a:fontRef idx="minor">
+            <a:schemeClr val="tx1"/>
+          </a:fontRef>
+        </p:style>
+      </p:cxnSp>
+    </p:spTree>
+    <p:extLst>
+      <p:ext uri="{BB962C8B-B14F-4D97-AF65-F5344CB8AC3E}">
+        <p14:creationId xmlns:p14="http://schemas.microsoft.com/office/powerpoint/2010/main" xmlns="" val="3860558974"/>
+      </p:ext>
+    </p:extLst>
+  </p:cSld>
+  <p:clrMapOvr>
+    <a:masterClrMapping/>
+  </p:clrMapOvr>
+</p:sld>
+</file>
+
+<file path=ppt/slides/slide3.xml><?xml version="1.0" encoding="utf-8"?>
+<p:sld xmlns:a="http://schemas.openxmlformats.org/drawingml/2006/main" xmlns:r="http://schemas.openxmlformats.org/officeDocument/2006/relationships" xmlns:p="http://schemas.openxmlformats.org/presentationml/2006/main">
+  <p:cSld>
+    <p:spTree>
+      <p:nvGrpSpPr>
+        <p:cNvPr id="1" name=""/>
+        <p:cNvGrpSpPr/>
+        <p:nvPr/>
+      </p:nvGrpSpPr>
+      <p:grpSpPr>
+        <a:xfrm>
+          <a:off x="0" y="0"/>
+          <a:ext cx="0" cy="0"/>
+          <a:chOff x="0" y="0"/>
+          <a:chExt cx="0" cy="0"/>
+        </a:xfrm>
+      </p:grpSpPr>
+      <p:sp>
+        <p:nvSpPr>
           <p:cNvPr id="4" name="Cloud 3"/>
           <p:cNvSpPr/>
           <p:nvPr/>
@@ -4640,6 +7718,510 @@
           </a:fontRef>
         </p:style>
       </p:cxnSp>
+    </p:spTree>
+  </p:cSld>
+  <p:clrMapOvr>
+    <a:masterClrMapping/>
+  </p:clrMapOvr>
+</p:sld>
+</file>
+
+<file path=ppt/slides/slide4.xml><?xml version="1.0" encoding="utf-8"?>
+<p:sld xmlns:a="http://schemas.openxmlformats.org/drawingml/2006/main" xmlns:r="http://schemas.openxmlformats.org/officeDocument/2006/relationships" xmlns:p="http://schemas.openxmlformats.org/presentationml/2006/main">
+  <p:cSld>
+    <p:spTree>
+      <p:nvGrpSpPr>
+        <p:cNvPr id="1" name=""/>
+        <p:cNvGrpSpPr/>
+        <p:nvPr/>
+      </p:nvGrpSpPr>
+      <p:grpSpPr>
+        <a:xfrm>
+          <a:off x="0" y="0"/>
+          <a:ext cx="0" cy="0"/>
+          <a:chOff x="0" y="0"/>
+          <a:chExt cx="0" cy="0"/>
+        </a:xfrm>
+      </p:grpSpPr>
+      <p:sp>
+        <p:nvSpPr>
+          <p:cNvPr id="4" name="Cloud 3"/>
+          <p:cNvSpPr/>
+          <p:nvPr/>
+        </p:nvSpPr>
+        <p:spPr>
+          <a:xfrm>
+            <a:off x="3505200" y="152400"/>
+            <a:ext cx="2590800" cy="762000"/>
+          </a:xfrm>
+          <a:prstGeom prst="cloud">
+            <a:avLst/>
+          </a:prstGeom>
+          <a:solidFill>
+            <a:schemeClr val="bg1">
+              <a:lumMod val="65000"/>
+            </a:schemeClr>
+          </a:solidFill>
+          <a:ln w="12700">
+            <a:solidFill>
+              <a:schemeClr val="accent1">
+                <a:shade val="50000"/>
+              </a:schemeClr>
+            </a:solidFill>
+          </a:ln>
+        </p:spPr>
+        <p:style>
+          <a:lnRef idx="2">
+            <a:schemeClr val="accent1">
+              <a:shade val="50000"/>
+            </a:schemeClr>
+          </a:lnRef>
+          <a:fillRef idx="1">
+            <a:schemeClr val="accent1"/>
+          </a:fillRef>
+          <a:effectRef idx="0">
+            <a:schemeClr val="accent1"/>
+          </a:effectRef>
+          <a:fontRef idx="minor">
+            <a:schemeClr val="lt1"/>
+          </a:fontRef>
+        </p:style>
+        <p:txBody>
+          <a:bodyPr rtlCol="0" anchor="ctr"/>
+          <a:lstStyle/>
+          <a:p>
+            <a:pPr algn="ctr"/>
+            <a:r>
+              <a:rPr lang="en-US" sz="1400" dirty="0" smtClean="0">
+                <a:solidFill>
+                  <a:schemeClr val="tx1"/>
+                </a:solidFill>
+              </a:rPr>
+              <a:t>Elektron Core</a:t>
+            </a:r>
+            <a:endParaRPr lang="en-US" sz="1400" dirty="0">
+              <a:solidFill>
+                <a:schemeClr val="tx1"/>
+              </a:solidFill>
+            </a:endParaRPr>
+          </a:p>
+        </p:txBody>
+      </p:sp>
+      <p:sp>
+        <p:nvSpPr>
+          <p:cNvPr id="8" name="Rounded Rectangle 7"/>
+          <p:cNvSpPr/>
+          <p:nvPr/>
+        </p:nvSpPr>
+        <p:spPr>
+          <a:xfrm>
+            <a:off x="685800" y="838200"/>
+            <a:ext cx="2286000" cy="381000"/>
+          </a:xfrm>
+          <a:prstGeom prst="roundRect">
+            <a:avLst/>
+          </a:prstGeom>
+          <a:solidFill>
+            <a:schemeClr val="accent6"/>
+          </a:solidFill>
+          <a:ln>
+            <a:noFill/>
+          </a:ln>
+        </p:spPr>
+        <p:style>
+          <a:lnRef idx="2">
+            <a:schemeClr val="accent1">
+              <a:shade val="50000"/>
+            </a:schemeClr>
+          </a:lnRef>
+          <a:fillRef idx="1">
+            <a:schemeClr val="accent1"/>
+          </a:fillRef>
+          <a:effectRef idx="0">
+            <a:schemeClr val="accent1"/>
+          </a:effectRef>
+          <a:fontRef idx="minor">
+            <a:schemeClr val="lt1"/>
+          </a:fontRef>
+        </p:style>
+        <p:txBody>
+          <a:bodyPr rtlCol="0" anchor="ctr"/>
+          <a:lstStyle/>
+          <a:p>
+            <a:pPr algn="ctr"/>
+            <a:r>
+              <a:rPr lang="en-US" sz="1200" dirty="0" smtClean="0">
+                <a:solidFill>
+                  <a:schemeClr val="tx1"/>
+                </a:solidFill>
+              </a:rPr>
+              <a:t>Collections Head End</a:t>
+            </a:r>
+            <a:endParaRPr lang="en-US" sz="1200" dirty="0">
+              <a:solidFill>
+                <a:schemeClr val="tx1"/>
+              </a:solidFill>
+            </a:endParaRPr>
+          </a:p>
+        </p:txBody>
+      </p:sp>
+      <p:sp>
+        <p:nvSpPr>
+          <p:cNvPr id="9" name="Rounded Rectangle 8"/>
+          <p:cNvSpPr/>
+          <p:nvPr/>
+        </p:nvSpPr>
+        <p:spPr>
+          <a:xfrm>
+            <a:off x="685800" y="1447800"/>
+            <a:ext cx="2286000" cy="381000"/>
+          </a:xfrm>
+          <a:prstGeom prst="roundRect">
+            <a:avLst/>
+          </a:prstGeom>
+          <a:solidFill>
+            <a:schemeClr val="accent3">
+              <a:lumMod val="60000"/>
+              <a:lumOff val="40000"/>
+            </a:schemeClr>
+          </a:solidFill>
+          <a:ln>
+            <a:noFill/>
+          </a:ln>
+        </p:spPr>
+        <p:style>
+          <a:lnRef idx="2">
+            <a:schemeClr val="accent1">
+              <a:shade val="50000"/>
+            </a:schemeClr>
+          </a:lnRef>
+          <a:fillRef idx="1">
+            <a:schemeClr val="accent1"/>
+          </a:fillRef>
+          <a:effectRef idx="0">
+            <a:schemeClr val="accent1"/>
+          </a:effectRef>
+          <a:fontRef idx="minor">
+            <a:schemeClr val="lt1"/>
+          </a:fontRef>
+        </p:style>
+        <p:txBody>
+          <a:bodyPr rtlCol="0" anchor="ctr"/>
+          <a:lstStyle/>
+          <a:p>
+            <a:pPr algn="ctr"/>
+            <a:r>
+              <a:rPr lang="en-US" sz="1200" dirty="0" smtClean="0">
+                <a:solidFill>
+                  <a:schemeClr val="tx1"/>
+                </a:solidFill>
+              </a:rPr>
+              <a:t>Contribution Services Gateway</a:t>
+            </a:r>
+            <a:endParaRPr lang="en-US" sz="1200" dirty="0">
+              <a:solidFill>
+                <a:schemeClr val="tx1"/>
+              </a:solidFill>
+            </a:endParaRPr>
+          </a:p>
+        </p:txBody>
+      </p:sp>
+      <p:sp>
+        <p:nvSpPr>
+          <p:cNvPr id="10" name="Rounded Rectangle 9"/>
+          <p:cNvSpPr/>
+          <p:nvPr/>
+        </p:nvSpPr>
+        <p:spPr>
+          <a:xfrm>
+            <a:off x="457200" y="2133600"/>
+            <a:ext cx="2819400" cy="685800"/>
+          </a:xfrm>
+          <a:prstGeom prst="roundRect">
+            <a:avLst/>
+          </a:prstGeom>
+        </p:spPr>
+        <p:style>
+          <a:lnRef idx="2">
+            <a:schemeClr val="accent1">
+              <a:shade val="50000"/>
+            </a:schemeClr>
+          </a:lnRef>
+          <a:fillRef idx="1">
+            <a:schemeClr val="accent1"/>
+          </a:fillRef>
+          <a:effectRef idx="0">
+            <a:schemeClr val="accent1"/>
+          </a:effectRef>
+          <a:fontRef idx="minor">
+            <a:schemeClr val="lt1"/>
+          </a:fontRef>
+        </p:style>
+        <p:txBody>
+          <a:bodyPr rtlCol="0" anchor="ctr"/>
+          <a:lstStyle/>
+          <a:p>
+            <a:pPr algn="ctr"/>
+            <a:endParaRPr lang="en-US" dirty="0"/>
+          </a:p>
+        </p:txBody>
+      </p:sp>
+      <p:sp>
+        <p:nvSpPr>
+          <p:cNvPr id="11" name="Cloud 10"/>
+          <p:cNvSpPr/>
+          <p:nvPr/>
+        </p:nvSpPr>
+        <p:spPr>
+          <a:xfrm>
+            <a:off x="685800" y="2971800"/>
+            <a:ext cx="2209800" cy="457200"/>
+          </a:xfrm>
+          <a:prstGeom prst="cloud">
+            <a:avLst/>
+          </a:prstGeom>
+          <a:noFill/>
+          <a:ln w="12700">
+            <a:solidFill>
+              <a:schemeClr val="accent3">
+                <a:lumMod val="50000"/>
+              </a:schemeClr>
+            </a:solidFill>
+          </a:ln>
+        </p:spPr>
+        <p:style>
+          <a:lnRef idx="2">
+            <a:schemeClr val="accent1">
+              <a:shade val="50000"/>
+            </a:schemeClr>
+          </a:lnRef>
+          <a:fillRef idx="1">
+            <a:schemeClr val="accent1"/>
+          </a:fillRef>
+          <a:effectRef idx="0">
+            <a:schemeClr val="accent1"/>
+          </a:effectRef>
+          <a:fontRef idx="minor">
+            <a:schemeClr val="lt1"/>
+          </a:fontRef>
+        </p:style>
+        <p:txBody>
+          <a:bodyPr rtlCol="0" anchor="ctr"/>
+          <a:lstStyle/>
+          <a:p>
+            <a:pPr algn="ctr"/>
+            <a:r>
+              <a:rPr lang="en-US" sz="1400" dirty="0" smtClean="0">
+                <a:solidFill>
+                  <a:schemeClr val="tx1"/>
+                </a:solidFill>
+              </a:rPr>
+              <a:t>Delivery </a:t>
+            </a:r>
+            <a:br>
+              <a:rPr lang="en-US" sz="1400" dirty="0" smtClean="0">
+                <a:solidFill>
+                  <a:schemeClr val="tx1"/>
+                </a:solidFill>
+              </a:rPr>
+            </a:br>
+            <a:r>
+              <a:rPr lang="en-US" sz="1400" dirty="0" smtClean="0">
+                <a:solidFill>
+                  <a:schemeClr val="tx1"/>
+                </a:solidFill>
+              </a:rPr>
+              <a:t>Direct</a:t>
+            </a:r>
+            <a:endParaRPr lang="en-US" sz="1400" dirty="0">
+              <a:solidFill>
+                <a:schemeClr val="tx1"/>
+              </a:solidFill>
+            </a:endParaRPr>
+          </a:p>
+        </p:txBody>
+      </p:sp>
+      <p:sp>
+        <p:nvSpPr>
+          <p:cNvPr id="12" name="Rounded Rectangle 11"/>
+          <p:cNvSpPr/>
+          <p:nvPr/>
+        </p:nvSpPr>
+        <p:spPr>
+          <a:xfrm>
+            <a:off x="1295400" y="3810000"/>
+            <a:ext cx="1143000" cy="609600"/>
+          </a:xfrm>
+          <a:prstGeom prst="roundRect">
+            <a:avLst/>
+          </a:prstGeom>
+          <a:solidFill>
+            <a:schemeClr val="accent6">
+              <a:lumMod val="75000"/>
+            </a:schemeClr>
+          </a:solidFill>
+          <a:ln>
+            <a:noFill/>
+          </a:ln>
+        </p:spPr>
+        <p:style>
+          <a:lnRef idx="2">
+            <a:schemeClr val="accent1">
+              <a:shade val="50000"/>
+            </a:schemeClr>
+          </a:lnRef>
+          <a:fillRef idx="1">
+            <a:schemeClr val="accent1"/>
+          </a:fillRef>
+          <a:effectRef idx="0">
+            <a:schemeClr val="accent1"/>
+          </a:effectRef>
+          <a:fontRef idx="minor">
+            <a:schemeClr val="lt1"/>
+          </a:fontRef>
+        </p:style>
+        <p:txBody>
+          <a:bodyPr rtlCol="0" anchor="ctr"/>
+          <a:lstStyle/>
+          <a:p>
+            <a:pPr algn="ctr"/>
+            <a:r>
+              <a:rPr lang="en-US" sz="1400" dirty="0" smtClean="0">
+                <a:solidFill>
+                  <a:schemeClr val="tx1"/>
+                </a:solidFill>
+              </a:rPr>
+              <a:t>ADH</a:t>
+            </a:r>
+            <a:endParaRPr lang="en-US" sz="1400" dirty="0">
+              <a:solidFill>
+                <a:schemeClr val="tx1"/>
+              </a:solidFill>
+            </a:endParaRPr>
+          </a:p>
+        </p:txBody>
+      </p:sp>
+      <p:sp>
+        <p:nvSpPr>
+          <p:cNvPr id="14" name="Rounded Rectangle 13"/>
+          <p:cNvSpPr/>
+          <p:nvPr/>
+        </p:nvSpPr>
+        <p:spPr>
+          <a:xfrm>
+            <a:off x="1295400" y="4648200"/>
+            <a:ext cx="1143000" cy="609600"/>
+          </a:xfrm>
+          <a:prstGeom prst="roundRect">
+            <a:avLst/>
+          </a:prstGeom>
+          <a:solidFill>
+            <a:schemeClr val="accent6">
+              <a:lumMod val="75000"/>
+            </a:schemeClr>
+          </a:solidFill>
+          <a:ln>
+            <a:noFill/>
+          </a:ln>
+        </p:spPr>
+        <p:style>
+          <a:lnRef idx="2">
+            <a:schemeClr val="accent1">
+              <a:shade val="50000"/>
+            </a:schemeClr>
+          </a:lnRef>
+          <a:fillRef idx="1">
+            <a:schemeClr val="accent1"/>
+          </a:fillRef>
+          <a:effectRef idx="0">
+            <a:schemeClr val="accent1"/>
+          </a:effectRef>
+          <a:fontRef idx="minor">
+            <a:schemeClr val="lt1"/>
+          </a:fontRef>
+        </p:style>
+        <p:txBody>
+          <a:bodyPr rtlCol="0" anchor="ctr"/>
+          <a:lstStyle/>
+          <a:p>
+            <a:pPr algn="ctr"/>
+            <a:r>
+              <a:rPr lang="en-US" sz="1400" dirty="0" smtClean="0">
+                <a:solidFill>
+                  <a:schemeClr val="tx1"/>
+                </a:solidFill>
+              </a:rPr>
+              <a:t>ADS</a:t>
+            </a:r>
+            <a:endParaRPr lang="en-US" sz="1400" dirty="0">
+              <a:solidFill>
+                <a:schemeClr val="tx1"/>
+              </a:solidFill>
+            </a:endParaRPr>
+          </a:p>
+        </p:txBody>
+      </p:sp>
+      <p:sp>
+        <p:nvSpPr>
+          <p:cNvPr id="15" name="Rounded Rectangle 14"/>
+          <p:cNvSpPr/>
+          <p:nvPr/>
+        </p:nvSpPr>
+        <p:spPr>
+          <a:xfrm>
+            <a:off x="1295400" y="5562600"/>
+            <a:ext cx="1143000" cy="609600"/>
+          </a:xfrm>
+          <a:prstGeom prst="roundRect">
+            <a:avLst/>
+          </a:prstGeom>
+          <a:solidFill>
+            <a:schemeClr val="tx2">
+              <a:lumMod val="60000"/>
+              <a:lumOff val="40000"/>
+            </a:schemeClr>
+          </a:solidFill>
+          <a:ln>
+            <a:noFill/>
+          </a:ln>
+        </p:spPr>
+        <p:style>
+          <a:lnRef idx="2">
+            <a:schemeClr val="accent1">
+              <a:shade val="50000"/>
+            </a:schemeClr>
+          </a:lnRef>
+          <a:fillRef idx="1">
+            <a:schemeClr val="accent1"/>
+          </a:fillRef>
+          <a:effectRef idx="0">
+            <a:schemeClr val="accent1"/>
+          </a:effectRef>
+          <a:fontRef idx="minor">
+            <a:schemeClr val="lt1"/>
+          </a:fontRef>
+        </p:style>
+        <p:txBody>
+          <a:bodyPr rtlCol="0" anchor="ctr"/>
+          <a:lstStyle/>
+          <a:p>
+            <a:pPr algn="ctr"/>
+            <a:r>
+              <a:rPr lang="en-US" sz="1400" dirty="0" smtClean="0">
+                <a:solidFill>
+                  <a:schemeClr val="tx1"/>
+                </a:solidFill>
+              </a:rPr>
+              <a:t>Application</a:t>
+            </a:r>
+            <a:endParaRPr lang="en-US" sz="1400" dirty="0">
+              <a:solidFill>
+                <a:schemeClr val="tx1"/>
+              </a:solidFill>
+            </a:endParaRPr>
+          </a:p>
+        </p:txBody>
+      </p:sp>
     </p:spTree>
   </p:cSld>
   <p:clrMapOvr>
@@ -4723,6 +8305,7 @@
         <a:font script="Mong" typeface="Mongolian Baiti"/>
         <a:font script="Viet" typeface="Times New Roman"/>
         <a:font script="Uigh" typeface="Microsoft Uighur"/>
+        <a:font script="Geor" typeface="Sylfaen"/>
       </a:majorFont>
       <a:minorFont>
         <a:latin typeface="Calibri"/>
@@ -4757,6 +8340,7 @@
         <a:font script="Mong" typeface="Mongolian Baiti"/>
         <a:font script="Viet" typeface="Arial"/>
         <a:font script="Uigh" typeface="Microsoft Uighur"/>
+        <a:font script="Geor" typeface="Sylfaen"/>
       </a:minorFont>
     </a:fontScheme>
     <a:fmtScheme name="Office">

--- a/diagram/diagram.pptx
+++ b/diagram/diagram.pptx
@@ -7,8 +7,6 @@
   <p:sldIdLst>
     <p:sldId id="257" r:id="rId2"/>
     <p:sldId id="260" r:id="rId3"/>
-    <p:sldId id="258" r:id="rId4"/>
-    <p:sldId id="259" r:id="rId5"/>
   </p:sldIdLst>
   <p:sldSz cx="9144000" cy="6858000" type="screen4x3"/>
   <p:notesSz cx="6858000" cy="9144000"/>
@@ -107,6 +105,22 @@
       </a:defRPr>
     </a:lvl9pPr>
   </p:defaultTextStyle>
+  <p:extLst>
+    <p:ext uri="{EFAFB233-063F-42B5-8137-9DF3F51BA10A}">
+      <p15:sldGuideLst xmlns:p15="http://schemas.microsoft.com/office/powerpoint/2012/main">
+        <p15:guide id="1" orient="horz" pos="2160">
+          <p15:clr>
+            <a:srgbClr val="A4A3A4"/>
+          </p15:clr>
+        </p15:guide>
+        <p15:guide id="2" pos="2880">
+          <p15:clr>
+            <a:srgbClr val="A4A3A4"/>
+          </p15:clr>
+        </p15:guide>
+      </p15:sldGuideLst>
+    </p:ext>
+  </p:extLst>
 </p:presentation>
 </file>
 
@@ -148,7 +162,7 @@
           <a:lstStyle/>
           <a:p>
             <a:r>
-              <a:rPr lang="en-US" smtClean="0"/>
+              <a:rPr lang="en-US"/>
               <a:t>Click to edit Master title style</a:t>
             </a:r>
             <a:endParaRPr lang="en-CA"/>
@@ -267,7 +281,7 @@
           </a:lstStyle>
           <a:p>
             <a:r>
-              <a:rPr lang="en-US" smtClean="0"/>
+              <a:rPr lang="en-US"/>
               <a:t>Click to edit Master subtitle style</a:t>
             </a:r>
             <a:endParaRPr lang="en-CA"/>
@@ -292,7 +306,7 @@
             <a:fld id="{82CF9851-EE1D-4009-BC80-B0EAA3EB7802}" type="datetimeFigureOut">
               <a:rPr lang="en-CA" smtClean="0"/>
               <a:pPr/>
-              <a:t>18/06/2019</a:t>
+              <a:t>2020-12-14</a:t>
             </a:fld>
             <a:endParaRPr lang="en-CA"/>
           </a:p>
@@ -344,7 +358,7 @@
     </p:spTree>
     <p:extLst>
       <p:ext uri="{BB962C8B-B14F-4D97-AF65-F5344CB8AC3E}">
-        <p14:creationId xmlns:p14="http://schemas.microsoft.com/office/powerpoint/2010/main" xmlns="" val="3850539456"/>
+        <p14:creationId xmlns:p14="http://schemas.microsoft.com/office/powerpoint/2010/main" val="3850539456"/>
       </p:ext>
     </p:extLst>
   </p:cSld>
@@ -387,7 +401,7 @@
           <a:lstStyle/>
           <a:p>
             <a:r>
-              <a:rPr lang="en-US" smtClean="0"/>
+              <a:rPr lang="en-US"/>
               <a:t>Click to edit Master title style</a:t>
             </a:r>
             <a:endParaRPr lang="en-CA"/>
@@ -411,35 +425,35 @@
           <a:p>
             <a:pPr lvl="0"/>
             <a:r>
-              <a:rPr lang="en-US" smtClean="0"/>
+              <a:rPr lang="en-US"/>
               <a:t>Click to edit Master text styles</a:t>
             </a:r>
           </a:p>
           <a:p>
             <a:pPr lvl="1"/>
             <a:r>
-              <a:rPr lang="en-US" smtClean="0"/>
+              <a:rPr lang="en-US"/>
               <a:t>Second level</a:t>
             </a:r>
           </a:p>
           <a:p>
             <a:pPr lvl="2"/>
             <a:r>
-              <a:rPr lang="en-US" smtClean="0"/>
+              <a:rPr lang="en-US"/>
               <a:t>Third level</a:t>
             </a:r>
           </a:p>
           <a:p>
             <a:pPr lvl="3"/>
             <a:r>
-              <a:rPr lang="en-US" smtClean="0"/>
+              <a:rPr lang="en-US"/>
               <a:t>Fourth level</a:t>
             </a:r>
           </a:p>
           <a:p>
             <a:pPr lvl="4"/>
             <a:r>
-              <a:rPr lang="en-US" smtClean="0"/>
+              <a:rPr lang="en-US"/>
               <a:t>Fifth level</a:t>
             </a:r>
             <a:endParaRPr lang="en-CA"/>
@@ -464,7 +478,7 @@
             <a:fld id="{82CF9851-EE1D-4009-BC80-B0EAA3EB7802}" type="datetimeFigureOut">
               <a:rPr lang="en-CA" smtClean="0"/>
               <a:pPr/>
-              <a:t>18/06/2019</a:t>
+              <a:t>2020-12-14</a:t>
             </a:fld>
             <a:endParaRPr lang="en-CA"/>
           </a:p>
@@ -516,7 +530,7 @@
     </p:spTree>
     <p:extLst>
       <p:ext uri="{BB962C8B-B14F-4D97-AF65-F5344CB8AC3E}">
-        <p14:creationId xmlns:p14="http://schemas.microsoft.com/office/powerpoint/2010/main" xmlns="" val="2272852802"/>
+        <p14:creationId xmlns:p14="http://schemas.microsoft.com/office/powerpoint/2010/main" val="2272852802"/>
       </p:ext>
     </p:extLst>
   </p:cSld>
@@ -564,7 +578,7 @@
           <a:lstStyle/>
           <a:p>
             <a:r>
-              <a:rPr lang="en-US" smtClean="0"/>
+              <a:rPr lang="en-US"/>
               <a:t>Click to edit Master title style</a:t>
             </a:r>
             <a:endParaRPr lang="en-CA"/>
@@ -593,35 +607,35 @@
           <a:p>
             <a:pPr lvl="0"/>
             <a:r>
-              <a:rPr lang="en-US" smtClean="0"/>
+              <a:rPr lang="en-US"/>
               <a:t>Click to edit Master text styles</a:t>
             </a:r>
           </a:p>
           <a:p>
             <a:pPr lvl="1"/>
             <a:r>
-              <a:rPr lang="en-US" smtClean="0"/>
+              <a:rPr lang="en-US"/>
               <a:t>Second level</a:t>
             </a:r>
           </a:p>
           <a:p>
             <a:pPr lvl="2"/>
             <a:r>
-              <a:rPr lang="en-US" smtClean="0"/>
+              <a:rPr lang="en-US"/>
               <a:t>Third level</a:t>
             </a:r>
           </a:p>
           <a:p>
             <a:pPr lvl="3"/>
             <a:r>
-              <a:rPr lang="en-US" smtClean="0"/>
+              <a:rPr lang="en-US"/>
               <a:t>Fourth level</a:t>
             </a:r>
           </a:p>
           <a:p>
             <a:pPr lvl="4"/>
             <a:r>
-              <a:rPr lang="en-US" smtClean="0"/>
+              <a:rPr lang="en-US"/>
               <a:t>Fifth level</a:t>
             </a:r>
             <a:endParaRPr lang="en-CA"/>
@@ -646,7 +660,7 @@
             <a:fld id="{82CF9851-EE1D-4009-BC80-B0EAA3EB7802}" type="datetimeFigureOut">
               <a:rPr lang="en-CA" smtClean="0"/>
               <a:pPr/>
-              <a:t>18/06/2019</a:t>
+              <a:t>2020-12-14</a:t>
             </a:fld>
             <a:endParaRPr lang="en-CA"/>
           </a:p>
@@ -698,7 +712,7 @@
     </p:spTree>
     <p:extLst>
       <p:ext uri="{BB962C8B-B14F-4D97-AF65-F5344CB8AC3E}">
-        <p14:creationId xmlns:p14="http://schemas.microsoft.com/office/powerpoint/2010/main" xmlns="" val="1331525885"/>
+        <p14:creationId xmlns:p14="http://schemas.microsoft.com/office/powerpoint/2010/main" val="1331525885"/>
       </p:ext>
     </p:extLst>
   </p:cSld>
@@ -741,7 +755,7 @@
           <a:lstStyle/>
           <a:p>
             <a:r>
-              <a:rPr lang="en-US" smtClean="0"/>
+              <a:rPr lang="en-US"/>
               <a:t>Click to edit Master title style</a:t>
             </a:r>
             <a:endParaRPr lang="en-CA"/>
@@ -765,35 +779,35 @@
           <a:p>
             <a:pPr lvl="0"/>
             <a:r>
-              <a:rPr lang="en-US" smtClean="0"/>
+              <a:rPr lang="en-US"/>
               <a:t>Click to edit Master text styles</a:t>
             </a:r>
           </a:p>
           <a:p>
             <a:pPr lvl="1"/>
             <a:r>
-              <a:rPr lang="en-US" smtClean="0"/>
+              <a:rPr lang="en-US"/>
               <a:t>Second level</a:t>
             </a:r>
           </a:p>
           <a:p>
             <a:pPr lvl="2"/>
             <a:r>
-              <a:rPr lang="en-US" smtClean="0"/>
+              <a:rPr lang="en-US"/>
               <a:t>Third level</a:t>
             </a:r>
           </a:p>
           <a:p>
             <a:pPr lvl="3"/>
             <a:r>
-              <a:rPr lang="en-US" smtClean="0"/>
+              <a:rPr lang="en-US"/>
               <a:t>Fourth level</a:t>
             </a:r>
           </a:p>
           <a:p>
             <a:pPr lvl="4"/>
             <a:r>
-              <a:rPr lang="en-US" smtClean="0"/>
+              <a:rPr lang="en-US"/>
               <a:t>Fifth level</a:t>
             </a:r>
             <a:endParaRPr lang="en-CA"/>
@@ -818,7 +832,7 @@
             <a:fld id="{82CF9851-EE1D-4009-BC80-B0EAA3EB7802}" type="datetimeFigureOut">
               <a:rPr lang="en-CA" smtClean="0"/>
               <a:pPr/>
-              <a:t>18/06/2019</a:t>
+              <a:t>2020-12-14</a:t>
             </a:fld>
             <a:endParaRPr lang="en-CA"/>
           </a:p>
@@ -870,7 +884,7 @@
     </p:spTree>
     <p:extLst>
       <p:ext uri="{BB962C8B-B14F-4D97-AF65-F5344CB8AC3E}">
-        <p14:creationId xmlns:p14="http://schemas.microsoft.com/office/powerpoint/2010/main" xmlns="" val="2446181591"/>
+        <p14:creationId xmlns:p14="http://schemas.microsoft.com/office/powerpoint/2010/main" val="2446181591"/>
       </p:ext>
     </p:extLst>
   </p:cSld>
@@ -922,7 +936,7 @@
           </a:lstStyle>
           <a:p>
             <a:r>
-              <a:rPr lang="en-US" smtClean="0"/>
+              <a:rPr lang="en-US"/>
               <a:t>Click to edit Master title style</a:t>
             </a:r>
             <a:endParaRPr lang="en-CA"/>
@@ -1042,7 +1056,7 @@
           <a:p>
             <a:pPr lvl="0"/>
             <a:r>
-              <a:rPr lang="en-US" smtClean="0"/>
+              <a:rPr lang="en-US"/>
               <a:t>Click to edit Master text styles</a:t>
             </a:r>
           </a:p>
@@ -1066,7 +1080,7 @@
             <a:fld id="{82CF9851-EE1D-4009-BC80-B0EAA3EB7802}" type="datetimeFigureOut">
               <a:rPr lang="en-CA" smtClean="0"/>
               <a:pPr/>
-              <a:t>18/06/2019</a:t>
+              <a:t>2020-12-14</a:t>
             </a:fld>
             <a:endParaRPr lang="en-CA"/>
           </a:p>
@@ -1118,7 +1132,7 @@
     </p:spTree>
     <p:extLst>
       <p:ext uri="{BB962C8B-B14F-4D97-AF65-F5344CB8AC3E}">
-        <p14:creationId xmlns:p14="http://schemas.microsoft.com/office/powerpoint/2010/main" xmlns="" val="301963230"/>
+        <p14:creationId xmlns:p14="http://schemas.microsoft.com/office/powerpoint/2010/main" val="301963230"/>
       </p:ext>
     </p:extLst>
   </p:cSld>
@@ -1161,7 +1175,7 @@
           <a:lstStyle/>
           <a:p>
             <a:r>
-              <a:rPr lang="en-US" smtClean="0"/>
+              <a:rPr lang="en-US"/>
               <a:t>Click to edit Master title style</a:t>
             </a:r>
             <a:endParaRPr lang="en-CA"/>
@@ -1218,35 +1232,35 @@
           <a:p>
             <a:pPr lvl="0"/>
             <a:r>
-              <a:rPr lang="en-US" smtClean="0"/>
+              <a:rPr lang="en-US"/>
               <a:t>Click to edit Master text styles</a:t>
             </a:r>
           </a:p>
           <a:p>
             <a:pPr lvl="1"/>
             <a:r>
-              <a:rPr lang="en-US" smtClean="0"/>
+              <a:rPr lang="en-US"/>
               <a:t>Second level</a:t>
             </a:r>
           </a:p>
           <a:p>
             <a:pPr lvl="2"/>
             <a:r>
-              <a:rPr lang="en-US" smtClean="0"/>
+              <a:rPr lang="en-US"/>
               <a:t>Third level</a:t>
             </a:r>
           </a:p>
           <a:p>
             <a:pPr lvl="3"/>
             <a:r>
-              <a:rPr lang="en-US" smtClean="0"/>
+              <a:rPr lang="en-US"/>
               <a:t>Fourth level</a:t>
             </a:r>
           </a:p>
           <a:p>
             <a:pPr lvl="4"/>
             <a:r>
-              <a:rPr lang="en-US" smtClean="0"/>
+              <a:rPr lang="en-US"/>
               <a:t>Fifth level</a:t>
             </a:r>
             <a:endParaRPr lang="en-CA"/>
@@ -1303,35 +1317,35 @@
           <a:p>
             <a:pPr lvl="0"/>
             <a:r>
-              <a:rPr lang="en-US" smtClean="0"/>
+              <a:rPr lang="en-US"/>
               <a:t>Click to edit Master text styles</a:t>
             </a:r>
           </a:p>
           <a:p>
             <a:pPr lvl="1"/>
             <a:r>
-              <a:rPr lang="en-US" smtClean="0"/>
+              <a:rPr lang="en-US"/>
               <a:t>Second level</a:t>
             </a:r>
           </a:p>
           <a:p>
             <a:pPr lvl="2"/>
             <a:r>
-              <a:rPr lang="en-US" smtClean="0"/>
+              <a:rPr lang="en-US"/>
               <a:t>Third level</a:t>
             </a:r>
           </a:p>
           <a:p>
             <a:pPr lvl="3"/>
             <a:r>
-              <a:rPr lang="en-US" smtClean="0"/>
+              <a:rPr lang="en-US"/>
               <a:t>Fourth level</a:t>
             </a:r>
           </a:p>
           <a:p>
             <a:pPr lvl="4"/>
             <a:r>
-              <a:rPr lang="en-US" smtClean="0"/>
+              <a:rPr lang="en-US"/>
               <a:t>Fifth level</a:t>
             </a:r>
             <a:endParaRPr lang="en-CA"/>
@@ -1356,7 +1370,7 @@
             <a:fld id="{82CF9851-EE1D-4009-BC80-B0EAA3EB7802}" type="datetimeFigureOut">
               <a:rPr lang="en-CA" smtClean="0"/>
               <a:pPr/>
-              <a:t>18/06/2019</a:t>
+              <a:t>2020-12-14</a:t>
             </a:fld>
             <a:endParaRPr lang="en-CA"/>
           </a:p>
@@ -1408,7 +1422,7 @@
     </p:spTree>
     <p:extLst>
       <p:ext uri="{BB962C8B-B14F-4D97-AF65-F5344CB8AC3E}">
-        <p14:creationId xmlns:p14="http://schemas.microsoft.com/office/powerpoint/2010/main" xmlns="" val="2135961205"/>
+        <p14:creationId xmlns:p14="http://schemas.microsoft.com/office/powerpoint/2010/main" val="2135961205"/>
       </p:ext>
     </p:extLst>
   </p:cSld>
@@ -1455,7 +1469,7 @@
           </a:lstStyle>
           <a:p>
             <a:r>
-              <a:rPr lang="en-US" smtClean="0"/>
+              <a:rPr lang="en-US"/>
               <a:t>Click to edit Master title style</a:t>
             </a:r>
             <a:endParaRPr lang="en-CA"/>
@@ -1521,7 +1535,7 @@
           <a:p>
             <a:pPr lvl="0"/>
             <a:r>
-              <a:rPr lang="en-US" smtClean="0"/>
+              <a:rPr lang="en-US"/>
               <a:t>Click to edit Master text styles</a:t>
             </a:r>
           </a:p>
@@ -1577,35 +1591,35 @@
           <a:p>
             <a:pPr lvl="0"/>
             <a:r>
-              <a:rPr lang="en-US" smtClean="0"/>
+              <a:rPr lang="en-US"/>
               <a:t>Click to edit Master text styles</a:t>
             </a:r>
           </a:p>
           <a:p>
             <a:pPr lvl="1"/>
             <a:r>
-              <a:rPr lang="en-US" smtClean="0"/>
+              <a:rPr lang="en-US"/>
               <a:t>Second level</a:t>
             </a:r>
           </a:p>
           <a:p>
             <a:pPr lvl="2"/>
             <a:r>
-              <a:rPr lang="en-US" smtClean="0"/>
+              <a:rPr lang="en-US"/>
               <a:t>Third level</a:t>
             </a:r>
           </a:p>
           <a:p>
             <a:pPr lvl="3"/>
             <a:r>
-              <a:rPr lang="en-US" smtClean="0"/>
+              <a:rPr lang="en-US"/>
               <a:t>Fourth level</a:t>
             </a:r>
           </a:p>
           <a:p>
             <a:pPr lvl="4"/>
             <a:r>
-              <a:rPr lang="en-US" smtClean="0"/>
+              <a:rPr lang="en-US"/>
               <a:t>Fifth level</a:t>
             </a:r>
             <a:endParaRPr lang="en-CA"/>
@@ -1671,7 +1685,7 @@
           <a:p>
             <a:pPr lvl="0"/>
             <a:r>
-              <a:rPr lang="en-US" smtClean="0"/>
+              <a:rPr lang="en-US"/>
               <a:t>Click to edit Master text styles</a:t>
             </a:r>
           </a:p>
@@ -1727,35 +1741,35 @@
           <a:p>
             <a:pPr lvl="0"/>
             <a:r>
-              <a:rPr lang="en-US" smtClean="0"/>
+              <a:rPr lang="en-US"/>
               <a:t>Click to edit Master text styles</a:t>
             </a:r>
           </a:p>
           <a:p>
             <a:pPr lvl="1"/>
             <a:r>
-              <a:rPr lang="en-US" smtClean="0"/>
+              <a:rPr lang="en-US"/>
               <a:t>Second level</a:t>
             </a:r>
           </a:p>
           <a:p>
             <a:pPr lvl="2"/>
             <a:r>
-              <a:rPr lang="en-US" smtClean="0"/>
+              <a:rPr lang="en-US"/>
               <a:t>Third level</a:t>
             </a:r>
           </a:p>
           <a:p>
             <a:pPr lvl="3"/>
             <a:r>
-              <a:rPr lang="en-US" smtClean="0"/>
+              <a:rPr lang="en-US"/>
               <a:t>Fourth level</a:t>
             </a:r>
           </a:p>
           <a:p>
             <a:pPr lvl="4"/>
             <a:r>
-              <a:rPr lang="en-US" smtClean="0"/>
+              <a:rPr lang="en-US"/>
               <a:t>Fifth level</a:t>
             </a:r>
             <a:endParaRPr lang="en-CA"/>
@@ -1780,7 +1794,7 @@
             <a:fld id="{82CF9851-EE1D-4009-BC80-B0EAA3EB7802}" type="datetimeFigureOut">
               <a:rPr lang="en-CA" smtClean="0"/>
               <a:pPr/>
-              <a:t>18/06/2019</a:t>
+              <a:t>2020-12-14</a:t>
             </a:fld>
             <a:endParaRPr lang="en-CA"/>
           </a:p>
@@ -1832,7 +1846,7 @@
     </p:spTree>
     <p:extLst>
       <p:ext uri="{BB962C8B-B14F-4D97-AF65-F5344CB8AC3E}">
-        <p14:creationId xmlns:p14="http://schemas.microsoft.com/office/powerpoint/2010/main" xmlns="" val="449772456"/>
+        <p14:creationId xmlns:p14="http://schemas.microsoft.com/office/powerpoint/2010/main" val="449772456"/>
       </p:ext>
     </p:extLst>
   </p:cSld>
@@ -1875,7 +1889,7 @@
           <a:lstStyle/>
           <a:p>
             <a:r>
-              <a:rPr lang="en-US" smtClean="0"/>
+              <a:rPr lang="en-US"/>
               <a:t>Click to edit Master title style</a:t>
             </a:r>
             <a:endParaRPr lang="en-CA"/>
@@ -1900,7 +1914,7 @@
             <a:fld id="{82CF9851-EE1D-4009-BC80-B0EAA3EB7802}" type="datetimeFigureOut">
               <a:rPr lang="en-CA" smtClean="0"/>
               <a:pPr/>
-              <a:t>18/06/2019</a:t>
+              <a:t>2020-12-14</a:t>
             </a:fld>
             <a:endParaRPr lang="en-CA"/>
           </a:p>
@@ -1952,7 +1966,7 @@
     </p:spTree>
     <p:extLst>
       <p:ext uri="{BB962C8B-B14F-4D97-AF65-F5344CB8AC3E}">
-        <p14:creationId xmlns:p14="http://schemas.microsoft.com/office/powerpoint/2010/main" xmlns="" val="3824554962"/>
+        <p14:creationId xmlns:p14="http://schemas.microsoft.com/office/powerpoint/2010/main" val="3824554962"/>
       </p:ext>
     </p:extLst>
   </p:cSld>
@@ -1997,7 +2011,7 @@
             <a:fld id="{82CF9851-EE1D-4009-BC80-B0EAA3EB7802}" type="datetimeFigureOut">
               <a:rPr lang="en-CA" smtClean="0"/>
               <a:pPr/>
-              <a:t>18/06/2019</a:t>
+              <a:t>2020-12-14</a:t>
             </a:fld>
             <a:endParaRPr lang="en-CA"/>
           </a:p>
@@ -2049,7 +2063,7 @@
     </p:spTree>
     <p:extLst>
       <p:ext uri="{BB962C8B-B14F-4D97-AF65-F5344CB8AC3E}">
-        <p14:creationId xmlns:p14="http://schemas.microsoft.com/office/powerpoint/2010/main" xmlns="" val="191087364"/>
+        <p14:creationId xmlns:p14="http://schemas.microsoft.com/office/powerpoint/2010/main" val="191087364"/>
       </p:ext>
     </p:extLst>
   </p:cSld>
@@ -2101,7 +2115,7 @@
           </a:lstStyle>
           <a:p>
             <a:r>
-              <a:rPr lang="en-US" smtClean="0"/>
+              <a:rPr lang="en-US"/>
               <a:t>Click to edit Master title style</a:t>
             </a:r>
             <a:endParaRPr lang="en-CA"/>
@@ -2158,35 +2172,35 @@
           <a:p>
             <a:pPr lvl="0"/>
             <a:r>
-              <a:rPr lang="en-US" smtClean="0"/>
+              <a:rPr lang="en-US"/>
               <a:t>Click to edit Master text styles</a:t>
             </a:r>
           </a:p>
           <a:p>
             <a:pPr lvl="1"/>
             <a:r>
-              <a:rPr lang="en-US" smtClean="0"/>
+              <a:rPr lang="en-US"/>
               <a:t>Second level</a:t>
             </a:r>
           </a:p>
           <a:p>
             <a:pPr lvl="2"/>
             <a:r>
-              <a:rPr lang="en-US" smtClean="0"/>
+              <a:rPr lang="en-US"/>
               <a:t>Third level</a:t>
             </a:r>
           </a:p>
           <a:p>
             <a:pPr lvl="3"/>
             <a:r>
-              <a:rPr lang="en-US" smtClean="0"/>
+              <a:rPr lang="en-US"/>
               <a:t>Fourth level</a:t>
             </a:r>
           </a:p>
           <a:p>
             <a:pPr lvl="4"/>
             <a:r>
-              <a:rPr lang="en-US" smtClean="0"/>
+              <a:rPr lang="en-US"/>
               <a:t>Fifth level</a:t>
             </a:r>
             <a:endParaRPr lang="en-CA"/>
@@ -2252,7 +2266,7 @@
           <a:p>
             <a:pPr lvl="0"/>
             <a:r>
-              <a:rPr lang="en-US" smtClean="0"/>
+              <a:rPr lang="en-US"/>
               <a:t>Click to edit Master text styles</a:t>
             </a:r>
           </a:p>
@@ -2276,7 +2290,7 @@
             <a:fld id="{82CF9851-EE1D-4009-BC80-B0EAA3EB7802}" type="datetimeFigureOut">
               <a:rPr lang="en-CA" smtClean="0"/>
               <a:pPr/>
-              <a:t>18/06/2019</a:t>
+              <a:t>2020-12-14</a:t>
             </a:fld>
             <a:endParaRPr lang="en-CA"/>
           </a:p>
@@ -2328,7 +2342,7 @@
     </p:spTree>
     <p:extLst>
       <p:ext uri="{BB962C8B-B14F-4D97-AF65-F5344CB8AC3E}">
-        <p14:creationId xmlns:p14="http://schemas.microsoft.com/office/powerpoint/2010/main" xmlns="" val="33760282"/>
+        <p14:creationId xmlns:p14="http://schemas.microsoft.com/office/powerpoint/2010/main" val="33760282"/>
       </p:ext>
     </p:extLst>
   </p:cSld>
@@ -2380,7 +2394,7 @@
           </a:lstStyle>
           <a:p>
             <a:r>
-              <a:rPr lang="en-US" smtClean="0"/>
+              <a:rPr lang="en-US"/>
               <a:t>Click to edit Master title style</a:t>
             </a:r>
             <a:endParaRPr lang="en-CA"/>
@@ -2507,7 +2521,7 @@
           <a:p>
             <a:pPr lvl="0"/>
             <a:r>
-              <a:rPr lang="en-US" smtClean="0"/>
+              <a:rPr lang="en-US"/>
               <a:t>Click to edit Master text styles</a:t>
             </a:r>
           </a:p>
@@ -2531,7 +2545,7 @@
             <a:fld id="{82CF9851-EE1D-4009-BC80-B0EAA3EB7802}" type="datetimeFigureOut">
               <a:rPr lang="en-CA" smtClean="0"/>
               <a:pPr/>
-              <a:t>18/06/2019</a:t>
+              <a:t>2020-12-14</a:t>
             </a:fld>
             <a:endParaRPr lang="en-CA"/>
           </a:p>
@@ -2583,7 +2597,7 @@
     </p:spTree>
     <p:extLst>
       <p:ext uri="{BB962C8B-B14F-4D97-AF65-F5344CB8AC3E}">
-        <p14:creationId xmlns:p14="http://schemas.microsoft.com/office/powerpoint/2010/main" xmlns="" val="3817925338"/>
+        <p14:creationId xmlns:p14="http://schemas.microsoft.com/office/powerpoint/2010/main" val="3817925338"/>
       </p:ext>
     </p:extLst>
   </p:cSld>
@@ -2641,7 +2655,7 @@
           <a:lstStyle/>
           <a:p>
             <a:r>
-              <a:rPr lang="en-US" smtClean="0"/>
+              <a:rPr lang="en-US"/>
               <a:t>Click to edit Master title style</a:t>
             </a:r>
             <a:endParaRPr lang="en-CA"/>
@@ -2675,35 +2689,35 @@
           <a:p>
             <a:pPr lvl="0"/>
             <a:r>
-              <a:rPr lang="en-US" smtClean="0"/>
+              <a:rPr lang="en-US"/>
               <a:t>Click to edit Master text styles</a:t>
             </a:r>
           </a:p>
           <a:p>
             <a:pPr lvl="1"/>
             <a:r>
-              <a:rPr lang="en-US" smtClean="0"/>
+              <a:rPr lang="en-US"/>
               <a:t>Second level</a:t>
             </a:r>
           </a:p>
           <a:p>
             <a:pPr lvl="2"/>
             <a:r>
-              <a:rPr lang="en-US" smtClean="0"/>
+              <a:rPr lang="en-US"/>
               <a:t>Third level</a:t>
             </a:r>
           </a:p>
           <a:p>
             <a:pPr lvl="3"/>
             <a:r>
-              <a:rPr lang="en-US" smtClean="0"/>
+              <a:rPr lang="en-US"/>
               <a:t>Fourth level</a:t>
             </a:r>
           </a:p>
           <a:p>
             <a:pPr lvl="4"/>
             <a:r>
-              <a:rPr lang="en-US" smtClean="0"/>
+              <a:rPr lang="en-US"/>
               <a:t>Fifth level</a:t>
             </a:r>
             <a:endParaRPr lang="en-CA"/>
@@ -2746,7 +2760,7 @@
             <a:fld id="{82CF9851-EE1D-4009-BC80-B0EAA3EB7802}" type="datetimeFigureOut">
               <a:rPr lang="en-CA" smtClean="0"/>
               <a:pPr/>
-              <a:t>18/06/2019</a:t>
+              <a:t>2020-12-14</a:t>
             </a:fld>
             <a:endParaRPr lang="en-CA"/>
           </a:p>
@@ -2834,7 +2848,7 @@
     </p:spTree>
     <p:extLst>
       <p:ext uri="{BB962C8B-B14F-4D97-AF65-F5344CB8AC3E}">
-        <p14:creationId xmlns:p14="http://schemas.microsoft.com/office/powerpoint/2010/main" xmlns="" val="2954286667"/>
+        <p14:creationId xmlns:p14="http://schemas.microsoft.com/office/powerpoint/2010/main" val="2954286667"/>
       </p:ext>
     </p:extLst>
   </p:cSld>
@@ -3162,18 +3176,13 @@
           <a:p>
             <a:pPr algn="ctr"/>
             <a:r>
-              <a:rPr lang="en-CA" sz="1000" dirty="0" smtClean="0">
+              <a:rPr lang="en-CA" sz="1000" dirty="0">
                 <a:solidFill>
                   <a:schemeClr val="tx1"/>
                 </a:solidFill>
               </a:rPr>
               <a:t>Collections Head End</a:t>
             </a:r>
-            <a:endParaRPr lang="en-CA" sz="1000" dirty="0">
-              <a:solidFill>
-                <a:schemeClr val="tx1"/>
-              </a:solidFill>
-            </a:endParaRPr>
           </a:p>
         </p:txBody>
       </p:sp>
@@ -3217,18 +3226,13 @@
           <a:p>
             <a:pPr algn="ctr"/>
             <a:r>
-              <a:rPr lang="en-CA" sz="1000" dirty="0" smtClean="0">
+              <a:rPr lang="en-CA" sz="1000" dirty="0">
                 <a:solidFill>
                   <a:schemeClr val="tx1"/>
                 </a:solidFill>
               </a:rPr>
               <a:t>Contributions Services Gateway</a:t>
             </a:r>
-            <a:endParaRPr lang="en-CA" sz="1000" dirty="0">
-              <a:solidFill>
-                <a:schemeClr val="tx1"/>
-              </a:solidFill>
-            </a:endParaRPr>
           </a:p>
         </p:txBody>
       </p:sp>
@@ -3272,18 +3276,13 @@
           <a:p>
             <a:pPr algn="ctr"/>
             <a:r>
-              <a:rPr lang="en-CA" sz="1000" dirty="0" smtClean="0">
+              <a:rPr lang="en-CA" sz="1000" dirty="0">
                 <a:solidFill>
                   <a:schemeClr val="tx1"/>
                 </a:solidFill>
               </a:rPr>
               <a:t>Contributions Channel Server Cluster</a:t>
             </a:r>
-            <a:endParaRPr lang="en-CA" sz="1000" dirty="0">
-              <a:solidFill>
-                <a:schemeClr val="tx1"/>
-              </a:solidFill>
-            </a:endParaRPr>
           </a:p>
         </p:txBody>
       </p:sp>
@@ -3330,18 +3329,13 @@
           <a:p>
             <a:pPr algn="ctr"/>
             <a:r>
-              <a:rPr lang="en-CA" sz="1200" dirty="0" smtClean="0">
+              <a:rPr lang="en-CA" sz="1200" dirty="0">
                 <a:solidFill>
                   <a:schemeClr val="tx1"/>
                 </a:solidFill>
               </a:rPr>
-              <a:t>Elektron Core</a:t>
-            </a:r>
-            <a:endParaRPr lang="en-CA" sz="1200" dirty="0">
-              <a:solidFill>
-                <a:schemeClr val="tx1"/>
-              </a:solidFill>
-            </a:endParaRPr>
+              <a:t>Refinitiv Real-Time</a:t>
+            </a:r>
           </a:p>
         </p:txBody>
       </p:sp>
@@ -3381,18 +3375,13 @@
           <a:p>
             <a:pPr algn="ctr"/>
             <a:r>
-              <a:rPr lang="en-CA" sz="1200" dirty="0" smtClean="0">
+              <a:rPr lang="en-CA" sz="1200" dirty="0">
                 <a:solidFill>
                   <a:schemeClr val="tx1"/>
                 </a:solidFill>
               </a:rPr>
               <a:t>Delivery Direct</a:t>
             </a:r>
-            <a:endParaRPr lang="en-CA" sz="1200" dirty="0">
-              <a:solidFill>
-                <a:schemeClr val="tx1"/>
-              </a:solidFill>
-            </a:endParaRPr>
           </a:p>
         </p:txBody>
       </p:sp>
@@ -3432,18 +3421,13 @@
           <a:p>
             <a:pPr algn="ctr"/>
             <a:r>
-              <a:rPr lang="en-CA" sz="1200" dirty="0" smtClean="0">
+              <a:rPr lang="en-CA" sz="1200" dirty="0">
                 <a:solidFill>
                   <a:schemeClr val="tx1"/>
                 </a:solidFill>
               </a:rPr>
               <a:t>Internet</a:t>
             </a:r>
-            <a:endParaRPr lang="en-CA" sz="1200" dirty="0">
-              <a:solidFill>
-                <a:schemeClr val="tx1"/>
-              </a:solidFill>
-            </a:endParaRPr>
           </a:p>
         </p:txBody>
       </p:sp>
@@ -3488,8 +3472,8 @@
         </p:nvSpPr>
         <p:spPr>
           <a:xfrm>
-            <a:off x="951080" y="4039768"/>
-            <a:ext cx="1152128" cy="576064"/>
+            <a:off x="736081" y="4039768"/>
+            <a:ext cx="1586495" cy="576064"/>
           </a:xfrm>
           <a:prstGeom prst="roundRect">
             <a:avLst/>
@@ -3517,7 +3501,7 @@
           <a:lstStyle/>
           <a:p>
             <a:pPr algn="ctr"/>
-            <a:endParaRPr lang="en-CA" sz="1200" dirty="0" smtClean="0">
+            <a:endParaRPr lang="en-CA" sz="1200" dirty="0">
               <a:solidFill>
                 <a:schemeClr val="tx1"/>
               </a:solidFill>
@@ -3526,13 +3510,29 @@
           <a:p>
             <a:pPr algn="ctr"/>
             <a:r>
-              <a:rPr lang="en-CA" sz="1200" dirty="0" smtClean="0">
+              <a:rPr lang="en-US" sz="1000" dirty="0">
                 <a:solidFill>
                   <a:schemeClr val="tx1"/>
                 </a:solidFill>
               </a:rPr>
-              <a:t>ADH</a:t>
-            </a:r>
+              <a:t>Refinitiv </a:t>
+            </a:r>
+          </a:p>
+          <a:p>
+            <a:pPr algn="ctr"/>
+            <a:r>
+              <a:rPr lang="en-US" sz="1000" dirty="0">
+                <a:solidFill>
+                  <a:schemeClr val="tx1"/>
+                </a:solidFill>
+              </a:rPr>
+              <a:t>Real-Time Advanced Data Hub</a:t>
+            </a:r>
+            <a:endParaRPr lang="en-CA" sz="1000" dirty="0">
+              <a:solidFill>
+                <a:schemeClr val="tx1"/>
+              </a:solidFill>
+            </a:endParaRPr>
           </a:p>
         </p:txBody>
       </p:sp>
@@ -3544,8 +3544,8 @@
         </p:nvSpPr>
         <p:spPr>
           <a:xfrm>
-            <a:off x="951080" y="4771660"/>
-            <a:ext cx="1152128" cy="576064"/>
+            <a:off x="736081" y="4771660"/>
+            <a:ext cx="1603573" cy="571750"/>
           </a:xfrm>
           <a:prstGeom prst="roundRect">
             <a:avLst/>
@@ -3574,13 +3574,40 @@
           <a:p>
             <a:pPr algn="ctr"/>
             <a:r>
-              <a:rPr lang="en-CA" sz="1200" dirty="0" smtClean="0">
+              <a:rPr lang="en-US" sz="1000" dirty="0">
                 <a:solidFill>
                   <a:schemeClr val="tx1"/>
                 </a:solidFill>
               </a:rPr>
-              <a:t>ADS</a:t>
-            </a:r>
+              <a:t>Refinitiv </a:t>
+            </a:r>
+          </a:p>
+          <a:p>
+            <a:pPr algn="ctr"/>
+            <a:r>
+              <a:rPr lang="en-US" sz="1000" dirty="0">
+                <a:solidFill>
+                  <a:schemeClr val="tx1"/>
+                </a:solidFill>
+              </a:rPr>
+              <a:t>Real-Time </a:t>
+            </a:r>
+          </a:p>
+          <a:p>
+            <a:pPr algn="ctr"/>
+            <a:r>
+              <a:rPr lang="en-US" sz="1000" dirty="0">
+                <a:solidFill>
+                  <a:schemeClr val="tx1"/>
+                </a:solidFill>
+              </a:rPr>
+              <a:t>Advanced Distribution Server</a:t>
+            </a:r>
+            <a:endParaRPr lang="en-CA" sz="1000" dirty="0">
+              <a:solidFill>
+                <a:schemeClr val="tx1"/>
+              </a:solidFill>
+            </a:endParaRPr>
           </a:p>
         </p:txBody>
       </p:sp>
@@ -3621,7 +3648,7 @@
           <a:lstStyle/>
           <a:p>
             <a:pPr algn="ctr"/>
-            <a:endParaRPr lang="en-CA" sz="1200" dirty="0" smtClean="0">
+            <a:endParaRPr lang="en-CA" sz="1200" dirty="0">
               <a:solidFill>
                 <a:schemeClr val="tx1"/>
               </a:solidFill>
@@ -3630,7 +3657,7 @@
           <a:p>
             <a:pPr algn="ctr"/>
             <a:r>
-              <a:rPr lang="en-CA" sz="1200" dirty="0" smtClean="0">
+              <a:rPr lang="en-CA" sz="1200" dirty="0">
                 <a:solidFill>
                   <a:schemeClr val="tx1"/>
                 </a:solidFill>
@@ -3684,18 +3711,13 @@
           <a:p>
             <a:pPr algn="ctr"/>
             <a:r>
-              <a:rPr lang="en-CA" sz="1200" dirty="0" smtClean="0">
+              <a:rPr lang="en-CA" sz="1200" dirty="0">
                 <a:solidFill>
                   <a:schemeClr val="tx1"/>
                 </a:solidFill>
               </a:rPr>
               <a:t>EMA</a:t>
             </a:r>
-            <a:endParaRPr lang="en-CA" sz="1200" dirty="0">
-              <a:solidFill>
-                <a:schemeClr val="tx1"/>
-              </a:solidFill>
-            </a:endParaRPr>
           </a:p>
         </p:txBody>
       </p:sp>
@@ -3743,18 +3765,13 @@
           <a:p>
             <a:pPr algn="ctr"/>
             <a:r>
-              <a:rPr lang="en-CA" sz="1200" dirty="0" smtClean="0">
+              <a:rPr lang="en-CA" sz="1200" dirty="0">
                 <a:solidFill>
                   <a:schemeClr val="tx1"/>
                 </a:solidFill>
               </a:rPr>
               <a:t>TSA</a:t>
             </a:r>
-            <a:endParaRPr lang="en-CA" sz="1200" dirty="0">
-              <a:solidFill>
-                <a:schemeClr val="tx1"/>
-              </a:solidFill>
-            </a:endParaRPr>
           </a:p>
         </p:txBody>
       </p:sp>
@@ -3795,7 +3812,7 @@
           <a:lstStyle/>
           <a:p>
             <a:pPr algn="ctr"/>
-            <a:endParaRPr lang="en-CA" sz="1200" dirty="0" smtClean="0">
+            <a:endParaRPr lang="en-CA" sz="1200" dirty="0">
               <a:solidFill>
                 <a:schemeClr val="tx1"/>
               </a:solidFill>
@@ -3804,7 +3821,7 @@
           <a:p>
             <a:pPr algn="ctr"/>
             <a:r>
-              <a:rPr lang="en-CA" sz="1200" dirty="0" smtClean="0">
+              <a:rPr lang="en-CA" sz="1200" dirty="0">
                 <a:solidFill>
                   <a:schemeClr val="tx1"/>
                 </a:solidFill>
@@ -3858,18 +3875,13 @@
           <a:p>
             <a:pPr algn="ctr"/>
             <a:r>
-              <a:rPr lang="en-CA" sz="1200" dirty="0" smtClean="0">
+              <a:rPr lang="en-CA" sz="1200" dirty="0">
                 <a:solidFill>
                   <a:schemeClr val="tx1"/>
                 </a:solidFill>
               </a:rPr>
               <a:t>EMA</a:t>
             </a:r>
-            <a:endParaRPr lang="en-CA" sz="1200" dirty="0">
-              <a:solidFill>
-                <a:schemeClr val="tx1"/>
-              </a:solidFill>
-            </a:endParaRPr>
           </a:p>
         </p:txBody>
       </p:sp>
@@ -3881,8 +3893,8 @@
         </p:nvSpPr>
         <p:spPr>
           <a:xfrm>
-            <a:off x="843068" y="3895752"/>
-            <a:ext cx="1368152" cy="1584176"/>
+            <a:off x="467548" y="3895752"/>
+            <a:ext cx="2194612" cy="1584176"/>
           </a:xfrm>
           <a:prstGeom prst="roundRect">
             <a:avLst/>
@@ -3922,6 +3934,7 @@
         <p:nvCxnSpPr>
           <p:cNvPr id="25" name="Straight Connector 24"/>
           <p:cNvCxnSpPr>
+            <a:cxnSpLocks/>
             <a:stCxn id="17" idx="0"/>
             <a:endCxn id="13" idx="2"/>
           </p:cNvCxnSpPr>
@@ -3929,8 +3942,8 @@
         </p:nvCxnSpPr>
         <p:spPr>
           <a:xfrm flipV="1">
-            <a:off x="1527144" y="5347724"/>
-            <a:ext cx="0" cy="204212"/>
+            <a:off x="1527144" y="5343410"/>
+            <a:ext cx="10724" cy="208526"/>
           </a:xfrm>
           <a:prstGeom prst="line">
             <a:avLst/>
@@ -3955,14 +3968,15 @@
         <p:nvCxnSpPr>
           <p:cNvPr id="32" name="Straight Connector 31"/>
           <p:cNvCxnSpPr>
+            <a:cxnSpLocks/>
             <a:endCxn id="12" idx="2"/>
           </p:cNvCxnSpPr>
           <p:nvPr/>
         </p:nvCxnSpPr>
         <p:spPr>
           <a:xfrm flipV="1">
-            <a:off x="1527144" y="4615832"/>
-            <a:ext cx="0" cy="158599"/>
+            <a:off x="1527146" y="4615832"/>
+            <a:ext cx="2183" cy="158600"/>
           </a:xfrm>
           <a:prstGeom prst="line">
             <a:avLst/>
@@ -4189,53 +4203,16 @@
           <a:p>
             <a:pPr algn="ctr"/>
             <a:r>
-              <a:rPr lang="en-CA" sz="1200" dirty="0" smtClean="0"/>
+              <a:rPr lang="en-CA" sz="1200" dirty="0"/>
               <a:t>Direct</a:t>
             </a:r>
           </a:p>
           <a:p>
             <a:pPr algn="just"/>
             <a:r>
-              <a:rPr lang="en-CA" sz="1200" dirty="0" smtClean="0"/>
+              <a:rPr lang="en-CA" sz="1200" dirty="0"/>
               <a:t>Contribution</a:t>
             </a:r>
-            <a:endParaRPr lang="en-CA" sz="1200" dirty="0"/>
-          </a:p>
-        </p:txBody>
-      </p:sp>
-      <p:sp>
-        <p:nvSpPr>
-          <p:cNvPr id="58" name="TextBox 57"/>
-          <p:cNvSpPr txBox="1"/>
-          <p:nvPr/>
-        </p:nvSpPr>
-        <p:spPr>
-          <a:xfrm>
-            <a:off x="1011572" y="6255596"/>
-            <a:ext cx="1030154" cy="461665"/>
-          </a:xfrm>
-          <a:prstGeom prst="rect">
-            <a:avLst/>
-          </a:prstGeom>
-          <a:noFill/>
-        </p:spPr>
-        <p:txBody>
-          <a:bodyPr wrap="none" rtlCol="0">
-            <a:spAutoFit/>
-          </a:bodyPr>
-          <a:lstStyle/>
-          <a:p>
-            <a:r>
-              <a:rPr lang="en-CA" sz="1200" dirty="0" smtClean="0"/>
-              <a:t>Contributing </a:t>
-            </a:r>
-          </a:p>
-          <a:p>
-            <a:r>
-              <a:rPr lang="en-CA" sz="1200" dirty="0" smtClean="0"/>
-              <a:t>through TREP</a:t>
-            </a:r>
-            <a:endParaRPr lang="en-CA" sz="1200" dirty="0"/>
           </a:p>
         </p:txBody>
       </p:sp>
@@ -4490,16 +4467,15 @@
           <a:lstStyle/>
           <a:p>
             <a:r>
-              <a:rPr lang="en-CA" sz="1200" dirty="0" smtClean="0"/>
+              <a:rPr lang="en-CA" sz="1200" dirty="0"/>
               <a:t>Encrypted</a:t>
             </a:r>
           </a:p>
           <a:p>
             <a:r>
-              <a:rPr lang="en-CA" sz="1200" dirty="0" smtClean="0"/>
+              <a:rPr lang="en-CA" sz="1200" dirty="0"/>
               <a:t>Tunnel</a:t>
             </a:r>
-            <a:endParaRPr lang="en-CA" sz="1200" dirty="0"/>
           </a:p>
         </p:txBody>
       </p:sp>
@@ -4544,8 +4520,8 @@
         </p:nvSpPr>
         <p:spPr>
           <a:xfrm>
-            <a:off x="5796136" y="1228600"/>
-            <a:ext cx="1692188" cy="360040"/>
+            <a:off x="5796136" y="1010534"/>
+            <a:ext cx="1692188" cy="578106"/>
           </a:xfrm>
           <a:prstGeom prst="roundRect">
             <a:avLst>
@@ -4576,29 +4552,24 @@
           <a:p>
             <a:pPr algn="ctr"/>
             <a:r>
-              <a:rPr lang="en-CA" sz="1000" dirty="0" smtClean="0">
+              <a:rPr lang="en-US" sz="1000" dirty="0">
                 <a:solidFill>
                   <a:schemeClr val="tx1"/>
                 </a:solidFill>
               </a:rPr>
-              <a:t>Elektron Distribution</a:t>
+              <a:t>Refinitiv Real-Time Advanced Distribution</a:t>
             </a:r>
           </a:p>
           <a:p>
             <a:pPr algn="ctr"/>
             <a:r>
-              <a:rPr lang="en-CA" sz="1000" dirty="0" smtClean="0">
+              <a:rPr lang="en-US" sz="1000" dirty="0">
                 <a:solidFill>
                   <a:schemeClr val="tx1"/>
                 </a:solidFill>
               </a:rPr>
-              <a:t>POP</a:t>
-            </a:r>
-            <a:endParaRPr lang="en-CA" sz="1000" dirty="0">
-              <a:solidFill>
-                <a:schemeClr val="tx1"/>
-              </a:solidFill>
-            </a:endParaRPr>
+              <a:t>Broker</a:t>
+            </a:r>
           </a:p>
         </p:txBody>
       </p:sp>
@@ -4606,6 +4577,7 @@
         <p:nvCxnSpPr>
           <p:cNvPr id="82" name="Elbow Connector 81"/>
           <p:cNvCxnSpPr>
+            <a:cxnSpLocks/>
             <a:stCxn id="7" idx="0"/>
             <a:endCxn id="80" idx="0"/>
           </p:cNvCxnSpPr>
@@ -4614,7 +4586,7 @@
         <p:spPr>
           <a:xfrm>
             <a:off x="5944837" y="418879"/>
-            <a:ext cx="697393" cy="809721"/>
+            <a:ext cx="697393" cy="591655"/>
           </a:xfrm>
           <a:prstGeom prst="bentConnector2">
             <a:avLst/>
@@ -4674,18 +4646,13 @@
           <a:p>
             <a:pPr algn="ctr"/>
             <a:r>
-              <a:rPr lang="en-CA" sz="1200" dirty="0" smtClean="0">
+              <a:rPr lang="en-CA" sz="1200" dirty="0">
                 <a:solidFill>
                   <a:schemeClr val="tx1"/>
                 </a:solidFill>
               </a:rPr>
               <a:t>Delivery Direct / Internet</a:t>
             </a:r>
-            <a:endParaRPr lang="en-CA" sz="1200" dirty="0">
-              <a:solidFill>
-                <a:schemeClr val="tx1"/>
-              </a:solidFill>
-            </a:endParaRPr>
           </a:p>
         </p:txBody>
       </p:sp>
@@ -4785,15 +4752,62 @@
           <a:lstStyle/>
           <a:p>
             <a:r>
-              <a:rPr lang="en-CA" sz="1200" dirty="0" smtClean="0"/>
+              <a:rPr lang="en-CA" sz="1200" dirty="0"/>
               <a:t>Data distributors and </a:t>
             </a:r>
           </a:p>
           <a:p>
             <a:pPr algn="ctr"/>
             <a:r>
-              <a:rPr lang="en-CA" sz="1200" dirty="0" smtClean="0"/>
+              <a:rPr lang="en-CA" sz="1200" dirty="0"/>
               <a:t>consumers</a:t>
+            </a:r>
+          </a:p>
+        </p:txBody>
+      </p:sp>
+      <p:sp>
+        <p:nvSpPr>
+          <p:cNvPr id="39" name="TextBox 38">
+            <a:extLst>
+              <a:ext uri="{FF2B5EF4-FFF2-40B4-BE49-F238E27FC236}">
+                <a16:creationId xmlns:a16="http://schemas.microsoft.com/office/drawing/2014/main" id="{B132E1C2-6C57-4632-A233-0DFE4C3164CB}"/>
+              </a:ext>
+            </a:extLst>
+          </p:cNvPr>
+          <p:cNvSpPr txBox="1"/>
+          <p:nvPr/>
+        </p:nvSpPr>
+        <p:spPr>
+          <a:xfrm>
+            <a:off x="648162" y="6207506"/>
+            <a:ext cx="1907914" cy="646331"/>
+          </a:xfrm>
+          <a:prstGeom prst="rect">
+            <a:avLst/>
+          </a:prstGeom>
+          <a:noFill/>
+        </p:spPr>
+        <p:txBody>
+          <a:bodyPr wrap="square" rtlCol="0">
+            <a:spAutoFit/>
+          </a:bodyPr>
+          <a:lstStyle/>
+          <a:p>
+            <a:pPr algn="ctr"/>
+            <a:r>
+              <a:rPr lang="en-CA" sz="1200" dirty="0"/>
+              <a:t>Contributing </a:t>
+            </a:r>
+          </a:p>
+          <a:p>
+            <a:pPr algn="ctr"/>
+            <a:r>
+              <a:rPr lang="en-CA" sz="1200" dirty="0"/>
+              <a:t>through </a:t>
+            </a:r>
+            <a:r>
+              <a:rPr lang="en-US" sz="1200" dirty="0"/>
+              <a:t>Refinitiv Real-Time Distribution System</a:t>
             </a:r>
             <a:endParaRPr lang="en-CA" sz="1200" dirty="0"/>
           </a:p>
@@ -4802,7 +4816,7 @@
     </p:spTree>
     <p:extLst>
       <p:ext uri="{BB962C8B-B14F-4D97-AF65-F5344CB8AC3E}">
-        <p14:creationId xmlns:p14="http://schemas.microsoft.com/office/powerpoint/2010/main" xmlns="" val="3860558974"/>
+        <p14:creationId xmlns:p14="http://schemas.microsoft.com/office/powerpoint/2010/main" val="3860558974"/>
       </p:ext>
     </p:extLst>
   </p:cSld>
@@ -4869,18 +4883,13 @@
           <a:p>
             <a:pPr algn="ctr"/>
             <a:r>
-              <a:rPr lang="en-CA" sz="1000" dirty="0" smtClean="0">
+              <a:rPr lang="en-CA" sz="1000" dirty="0">
                 <a:solidFill>
                   <a:schemeClr val="tx1"/>
                 </a:solidFill>
               </a:rPr>
               <a:t>Collections Head End</a:t>
             </a:r>
-            <a:endParaRPr lang="en-CA" sz="1000" dirty="0">
-              <a:solidFill>
-                <a:schemeClr val="tx1"/>
-              </a:solidFill>
-            </a:endParaRPr>
           </a:p>
         </p:txBody>
       </p:sp>
@@ -4924,18 +4933,13 @@
           <a:p>
             <a:pPr algn="ctr"/>
             <a:r>
-              <a:rPr lang="en-CA" sz="1000" dirty="0" smtClean="0">
+              <a:rPr lang="en-CA" sz="1000" dirty="0">
                 <a:solidFill>
                   <a:schemeClr val="tx1"/>
                 </a:solidFill>
               </a:rPr>
               <a:t>Contributions Services Gateway</a:t>
             </a:r>
-            <a:endParaRPr lang="en-CA" sz="1000" dirty="0">
-              <a:solidFill>
-                <a:schemeClr val="tx1"/>
-              </a:solidFill>
-            </a:endParaRPr>
           </a:p>
         </p:txBody>
       </p:sp>
@@ -4979,18 +4983,13 @@
           <a:p>
             <a:pPr algn="ctr"/>
             <a:r>
-              <a:rPr lang="en-CA" sz="1000" dirty="0" smtClean="0">
+              <a:rPr lang="en-CA" sz="1000" dirty="0">
                 <a:solidFill>
                   <a:schemeClr val="tx1"/>
                 </a:solidFill>
               </a:rPr>
               <a:t>Contributions Channel Server Cluster</a:t>
             </a:r>
-            <a:endParaRPr lang="en-CA" sz="1000" dirty="0">
-              <a:solidFill>
-                <a:schemeClr val="tx1"/>
-              </a:solidFill>
-            </a:endParaRPr>
           </a:p>
         </p:txBody>
       </p:sp>
@@ -5037,18 +5036,13 @@
           <a:p>
             <a:pPr algn="ctr"/>
             <a:r>
-              <a:rPr lang="en-CA" sz="1200" dirty="0" smtClean="0">
+              <a:rPr lang="en-CA" sz="1200" dirty="0">
                 <a:solidFill>
                   <a:schemeClr val="tx1"/>
                 </a:solidFill>
               </a:rPr>
-              <a:t>Elektron Core</a:t>
-            </a:r>
-            <a:endParaRPr lang="en-CA" sz="1200" dirty="0">
-              <a:solidFill>
-                <a:schemeClr val="tx1"/>
-              </a:solidFill>
-            </a:endParaRPr>
+              <a:t>Refinitiv Real-Time</a:t>
+            </a:r>
           </a:p>
         </p:txBody>
       </p:sp>
@@ -5088,18 +5082,13 @@
           <a:p>
             <a:pPr algn="ctr"/>
             <a:r>
-              <a:rPr lang="en-CA" sz="1200" dirty="0" smtClean="0">
+              <a:rPr lang="en-CA" sz="1200" dirty="0">
                 <a:solidFill>
                   <a:schemeClr val="tx1"/>
                 </a:solidFill>
               </a:rPr>
               <a:t>Delivery Direct</a:t>
             </a:r>
-            <a:endParaRPr lang="en-CA" sz="1200" dirty="0">
-              <a:solidFill>
-                <a:schemeClr val="tx1"/>
-              </a:solidFill>
-            </a:endParaRPr>
           </a:p>
         </p:txBody>
       </p:sp>
@@ -5139,18 +5128,13 @@
           <a:p>
             <a:pPr algn="ctr"/>
             <a:r>
-              <a:rPr lang="en-CA" sz="1200" dirty="0" smtClean="0">
+              <a:rPr lang="en-CA" sz="1200" dirty="0">
                 <a:solidFill>
                   <a:schemeClr val="tx1"/>
                 </a:solidFill>
               </a:rPr>
               <a:t>Internet</a:t>
             </a:r>
-            <a:endParaRPr lang="en-CA" sz="1200" dirty="0">
-              <a:solidFill>
-                <a:schemeClr val="tx1"/>
-              </a:solidFill>
-            </a:endParaRPr>
           </a:p>
         </p:txBody>
       </p:sp>
@@ -5189,18 +5173,80 @@
       </p:cxnSp>
       <p:sp>
         <p:nvSpPr>
-          <p:cNvPr id="12" name="Rounded Rectangle 11"/>
+          <p:cNvPr id="14" name="Rounded Rectangle 13"/>
           <p:cNvSpPr/>
           <p:nvPr/>
         </p:nvSpPr>
         <p:spPr>
           <a:xfrm>
-            <a:off x="951080" y="4039768"/>
-            <a:ext cx="1152128" cy="576064"/>
+            <a:off x="1691680" y="5661248"/>
+            <a:ext cx="1152128" cy="432048"/>
           </a:xfrm>
           <a:prstGeom prst="roundRect">
             <a:avLst/>
           </a:prstGeom>
+          <a:ln w="6350"/>
+        </p:spPr>
+        <p:style>
+          <a:lnRef idx="2">
+            <a:schemeClr val="accent1">
+              <a:shade val="50000"/>
+            </a:schemeClr>
+          </a:lnRef>
+          <a:fillRef idx="1">
+            <a:schemeClr val="accent1"/>
+          </a:fillRef>
+          <a:effectRef idx="0">
+            <a:schemeClr val="accent1"/>
+          </a:effectRef>
+          <a:fontRef idx="minor">
+            <a:schemeClr val="lt1"/>
+          </a:fontRef>
+        </p:style>
+        <p:txBody>
+          <a:bodyPr wrap="none" rtlCol="0" anchor="ctr"/>
+          <a:lstStyle/>
+          <a:p>
+            <a:pPr algn="ctr"/>
+            <a:endParaRPr lang="en-CA" sz="1200" dirty="0">
+              <a:solidFill>
+                <a:schemeClr val="tx1"/>
+              </a:solidFill>
+            </a:endParaRPr>
+          </a:p>
+          <a:p>
+            <a:pPr algn="ctr"/>
+            <a:r>
+              <a:rPr lang="en-CA" sz="1200" dirty="0">
+                <a:solidFill>
+                  <a:schemeClr val="tx1"/>
+                </a:solidFill>
+              </a:rPr>
+              <a:t>Application</a:t>
+            </a:r>
+          </a:p>
+        </p:txBody>
+      </p:sp>
+      <p:sp>
+        <p:nvSpPr>
+          <p:cNvPr id="17" name="Oval 16"/>
+          <p:cNvSpPr/>
+          <p:nvPr/>
+        </p:nvSpPr>
+        <p:spPr>
+          <a:xfrm>
+            <a:off x="1907704" y="5589240"/>
+            <a:ext cx="648072" cy="288032"/>
+          </a:xfrm>
+          <a:prstGeom prst="ellipse">
+            <a:avLst/>
+          </a:prstGeom>
+          <a:solidFill>
+            <a:schemeClr val="accent6">
+              <a:lumMod val="40000"/>
+              <a:lumOff val="60000"/>
+            </a:schemeClr>
+          </a:solidFill>
           <a:ln w="6350"/>
         </p:spPr>
         <p:style>
@@ -5224,7 +5270,55 @@
           <a:lstStyle/>
           <a:p>
             <a:pPr algn="ctr"/>
-            <a:endParaRPr lang="en-CA" sz="1200" dirty="0" smtClean="0">
+            <a:r>
+              <a:rPr lang="en-CA" sz="1200" dirty="0">
+                <a:solidFill>
+                  <a:schemeClr val="tx1"/>
+                </a:solidFill>
+              </a:rPr>
+              <a:t>EMA</a:t>
+            </a:r>
+          </a:p>
+        </p:txBody>
+      </p:sp>
+      <p:sp>
+        <p:nvSpPr>
+          <p:cNvPr id="19" name="Rounded Rectangle 18"/>
+          <p:cNvSpPr/>
+          <p:nvPr/>
+        </p:nvSpPr>
+        <p:spPr>
+          <a:xfrm>
+            <a:off x="2699494" y="4384293"/>
+            <a:ext cx="1152128" cy="576064"/>
+          </a:xfrm>
+          <a:prstGeom prst="roundRect">
+            <a:avLst/>
+          </a:prstGeom>
+          <a:ln w="6350"/>
+        </p:spPr>
+        <p:style>
+          <a:lnRef idx="2">
+            <a:schemeClr val="accent1">
+              <a:shade val="50000"/>
+            </a:schemeClr>
+          </a:lnRef>
+          <a:fillRef idx="1">
+            <a:schemeClr val="accent1"/>
+          </a:fillRef>
+          <a:effectRef idx="0">
+            <a:schemeClr val="accent1"/>
+          </a:effectRef>
+          <a:fontRef idx="minor">
+            <a:schemeClr val="lt1"/>
+          </a:fontRef>
+        </p:style>
+        <p:txBody>
+          <a:bodyPr wrap="none" rtlCol="0" anchor="ctr"/>
+          <a:lstStyle/>
+          <a:p>
+            <a:pPr algn="ctr"/>
+            <a:endParaRPr lang="en-CA" sz="1200" dirty="0">
               <a:solidFill>
                 <a:schemeClr val="tx1"/>
               </a:solidFill>
@@ -5233,30 +5327,36 @@
           <a:p>
             <a:pPr algn="ctr"/>
             <a:r>
-              <a:rPr lang="en-CA" sz="1200" dirty="0" smtClean="0">
+              <a:rPr lang="en-CA" sz="1200" dirty="0">
                 <a:solidFill>
                   <a:schemeClr val="tx1"/>
                 </a:solidFill>
               </a:rPr>
-              <a:t>ADH</a:t>
-            </a:r>
-          </a:p>
-        </p:txBody>
-      </p:sp>
-      <p:sp>
-        <p:nvSpPr>
-          <p:cNvPr id="13" name="Rounded Rectangle 12"/>
+              <a:t>Application</a:t>
+            </a:r>
+          </a:p>
+        </p:txBody>
+      </p:sp>
+      <p:sp>
+        <p:nvSpPr>
+          <p:cNvPr id="20" name="Oval 19"/>
           <p:cNvSpPr/>
           <p:nvPr/>
         </p:nvSpPr>
         <p:spPr>
           <a:xfrm>
-            <a:off x="951080" y="4771660"/>
-            <a:ext cx="1152128" cy="576064"/>
-          </a:xfrm>
-          <a:prstGeom prst="roundRect">
+            <a:off x="2951522" y="4312285"/>
+            <a:ext cx="648072" cy="288032"/>
+          </a:xfrm>
+          <a:prstGeom prst="ellipse">
             <a:avLst/>
           </a:prstGeom>
+          <a:solidFill>
+            <a:schemeClr val="accent6">
+              <a:lumMod val="40000"/>
+              <a:lumOff val="60000"/>
+            </a:schemeClr>
+          </a:solidFill>
           <a:ln w="6350"/>
         </p:spPr>
         <p:style>
@@ -5281,30 +5381,369 @@
           <a:p>
             <a:pPr algn="ctr"/>
             <a:r>
-              <a:rPr lang="en-CA" sz="1200" dirty="0" smtClean="0">
+              <a:rPr lang="en-CA" sz="1200" dirty="0">
                 <a:solidFill>
                   <a:schemeClr val="tx1"/>
                 </a:solidFill>
               </a:rPr>
-              <a:t>ADS</a:t>
-            </a:r>
-          </a:p>
-        </p:txBody>
-      </p:sp>
-      <p:sp>
-        <p:nvSpPr>
-          <p:cNvPr id="14" name="Rounded Rectangle 13"/>
+              <a:t>EMA</a:t>
+            </a:r>
+          </a:p>
+        </p:txBody>
+      </p:sp>
+      <p:cxnSp>
+        <p:nvCxnSpPr>
+          <p:cNvPr id="25" name="Straight Connector 24"/>
+          <p:cNvCxnSpPr>
+            <a:cxnSpLocks/>
+            <a:stCxn id="17" idx="0"/>
+          </p:cNvCxnSpPr>
+          <p:nvPr/>
+        </p:nvCxnSpPr>
+        <p:spPr>
+          <a:xfrm flipH="1" flipV="1">
+            <a:off x="1527144" y="5347724"/>
+            <a:ext cx="704596" cy="241516"/>
+          </a:xfrm>
+          <a:prstGeom prst="line">
+            <a:avLst/>
+          </a:prstGeom>
+        </p:spPr>
+        <p:style>
+          <a:lnRef idx="1">
+            <a:schemeClr val="accent1"/>
+          </a:lnRef>
+          <a:fillRef idx="0">
+            <a:schemeClr val="accent1"/>
+          </a:fillRef>
+          <a:effectRef idx="0">
+            <a:schemeClr val="accent1"/>
+          </a:effectRef>
+          <a:fontRef idx="minor">
+            <a:schemeClr val="tx1"/>
+          </a:fontRef>
+        </p:style>
+      </p:cxnSp>
+      <p:cxnSp>
+        <p:nvCxnSpPr>
+          <p:cNvPr id="32" name="Straight Connector 31"/>
+          <p:cNvCxnSpPr>
+            <a:cxnSpLocks/>
+          </p:cNvCxnSpPr>
+          <p:nvPr/>
+        </p:nvCxnSpPr>
+        <p:spPr>
+          <a:xfrm flipV="1">
+            <a:off x="1527144" y="4615832"/>
+            <a:ext cx="0" cy="158599"/>
+          </a:xfrm>
+          <a:prstGeom prst="line">
+            <a:avLst/>
+          </a:prstGeom>
+        </p:spPr>
+        <p:style>
+          <a:lnRef idx="1">
+            <a:schemeClr val="accent1"/>
+          </a:lnRef>
+          <a:fillRef idx="0">
+            <a:schemeClr val="accent1"/>
+          </a:fillRef>
+          <a:effectRef idx="0">
+            <a:schemeClr val="accent1"/>
+          </a:effectRef>
+          <a:fontRef idx="minor">
+            <a:schemeClr val="tx1"/>
+          </a:fontRef>
+        </p:style>
+      </p:cxnSp>
+      <p:cxnSp>
+        <p:nvCxnSpPr>
+          <p:cNvPr id="34" name="Straight Connector 33"/>
+          <p:cNvCxnSpPr/>
+          <p:nvPr/>
+        </p:nvCxnSpPr>
+        <p:spPr>
+          <a:xfrm flipV="1">
+            <a:off x="1526649" y="2687131"/>
+            <a:ext cx="0" cy="1268817"/>
+          </a:xfrm>
+          <a:prstGeom prst="line">
+            <a:avLst/>
+          </a:prstGeom>
+          <a:ln>
+            <a:solidFill>
+              <a:schemeClr val="accent1">
+                <a:shade val="95000"/>
+                <a:satMod val="105000"/>
+                <a:alpha val="49000"/>
+              </a:schemeClr>
+            </a:solidFill>
+          </a:ln>
+        </p:spPr>
+        <p:style>
+          <a:lnRef idx="1">
+            <a:schemeClr val="accent1"/>
+          </a:lnRef>
+          <a:fillRef idx="0">
+            <a:schemeClr val="accent1"/>
+          </a:fillRef>
+          <a:effectRef idx="0">
+            <a:schemeClr val="accent1"/>
+          </a:effectRef>
+          <a:fontRef idx="minor">
+            <a:schemeClr val="tx1"/>
+          </a:fontRef>
+        </p:style>
+      </p:cxnSp>
+      <p:cxnSp>
+        <p:nvCxnSpPr>
+          <p:cNvPr id="36" name="Straight Connector 35"/>
+          <p:cNvCxnSpPr>
+            <a:stCxn id="20" idx="0"/>
+          </p:cNvCxnSpPr>
+          <p:nvPr/>
+        </p:nvCxnSpPr>
+        <p:spPr>
+          <a:xfrm flipH="1" flipV="1">
+            <a:off x="3240751" y="2687131"/>
+            <a:ext cx="0" cy="1625154"/>
+          </a:xfrm>
+          <a:prstGeom prst="line">
+            <a:avLst/>
+          </a:prstGeom>
+          <a:ln>
+            <a:solidFill>
+              <a:schemeClr val="accent1">
+                <a:shade val="95000"/>
+                <a:satMod val="105000"/>
+                <a:alpha val="49000"/>
+              </a:schemeClr>
+            </a:solidFill>
+          </a:ln>
+        </p:spPr>
+        <p:style>
+          <a:lnRef idx="1">
+            <a:schemeClr val="accent1"/>
+          </a:lnRef>
+          <a:fillRef idx="0">
+            <a:schemeClr val="accent1"/>
+          </a:fillRef>
+          <a:effectRef idx="0">
+            <a:schemeClr val="accent1"/>
+          </a:effectRef>
+          <a:fontRef idx="minor">
+            <a:schemeClr val="tx1"/>
+          </a:fontRef>
+        </p:style>
+      </p:cxnSp>
+      <p:cxnSp>
+        <p:nvCxnSpPr>
+          <p:cNvPr id="41" name="Straight Connector 40"/>
+          <p:cNvCxnSpPr>
+            <a:stCxn id="6" idx="0"/>
+            <a:endCxn id="5" idx="2"/>
+          </p:cNvCxnSpPr>
+          <p:nvPr/>
+        </p:nvCxnSpPr>
+        <p:spPr>
+          <a:xfrm flipV="1">
+            <a:off x="2348391" y="1585928"/>
+            <a:ext cx="0" cy="237107"/>
+          </a:xfrm>
+          <a:prstGeom prst="line">
+            <a:avLst/>
+          </a:prstGeom>
+        </p:spPr>
+        <p:style>
+          <a:lnRef idx="1">
+            <a:schemeClr val="accent1"/>
+          </a:lnRef>
+          <a:fillRef idx="0">
+            <a:schemeClr val="accent1"/>
+          </a:fillRef>
+          <a:effectRef idx="0">
+            <a:schemeClr val="accent1"/>
+          </a:effectRef>
+          <a:fontRef idx="minor">
+            <a:schemeClr val="tx1"/>
+          </a:fontRef>
+        </p:style>
+      </p:cxnSp>
+      <p:cxnSp>
+        <p:nvCxnSpPr>
+          <p:cNvPr id="43" name="Straight Connector 42"/>
+          <p:cNvCxnSpPr>
+            <a:stCxn id="5" idx="0"/>
+            <a:endCxn id="4" idx="2"/>
+          </p:cNvCxnSpPr>
+          <p:nvPr/>
+        </p:nvCxnSpPr>
+        <p:spPr>
+          <a:xfrm flipV="1">
+            <a:off x="2348391" y="1010534"/>
+            <a:ext cx="0" cy="215354"/>
+          </a:xfrm>
+          <a:prstGeom prst="line">
+            <a:avLst/>
+          </a:prstGeom>
+        </p:spPr>
+        <p:style>
+          <a:lnRef idx="1">
+            <a:schemeClr val="accent1"/>
+          </a:lnRef>
+          <a:fillRef idx="0">
+            <a:schemeClr val="accent1"/>
+          </a:fillRef>
+          <a:effectRef idx="0">
+            <a:schemeClr val="accent1"/>
+          </a:effectRef>
+          <a:fontRef idx="minor">
+            <a:schemeClr val="tx1"/>
+          </a:fontRef>
+        </p:style>
+      </p:cxnSp>
+      <p:cxnSp>
+        <p:nvCxnSpPr>
+          <p:cNvPr id="46" name="Elbow Connector 45"/>
+          <p:cNvCxnSpPr>
+            <a:stCxn id="4" idx="0"/>
+            <a:endCxn id="7" idx="2"/>
+          </p:cNvCxnSpPr>
+          <p:nvPr/>
+        </p:nvCxnSpPr>
+        <p:spPr>
+          <a:xfrm rot="5400000" flipH="1" flipV="1">
+            <a:off x="2739763" y="27508"/>
+            <a:ext cx="231615" cy="1014359"/>
+          </a:xfrm>
+          <a:prstGeom prst="bentConnector2">
+            <a:avLst/>
+          </a:prstGeom>
+          <a:ln>
+            <a:tailEnd type="arrow"/>
+          </a:ln>
+        </p:spPr>
+        <p:style>
+          <a:lnRef idx="1">
+            <a:schemeClr val="accent1"/>
+          </a:lnRef>
+          <a:fillRef idx="0">
+            <a:schemeClr val="accent1"/>
+          </a:fillRef>
+          <a:effectRef idx="0">
+            <a:schemeClr val="accent1"/>
+          </a:effectRef>
+          <a:fontRef idx="minor">
+            <a:schemeClr val="tx1"/>
+          </a:fontRef>
+        </p:style>
+      </p:cxnSp>
+      <p:sp>
+        <p:nvSpPr>
+          <p:cNvPr id="56" name="TextBox 55"/>
+          <p:cNvSpPr txBox="1"/>
+          <p:nvPr/>
+        </p:nvSpPr>
+        <p:spPr>
+          <a:xfrm>
+            <a:off x="2753181" y="5051856"/>
+            <a:ext cx="975139" cy="461665"/>
+          </a:xfrm>
+          <a:prstGeom prst="rect">
+            <a:avLst/>
+          </a:prstGeom>
+          <a:noFill/>
+        </p:spPr>
+        <p:txBody>
+          <a:bodyPr wrap="none" rtlCol="0">
+            <a:spAutoFit/>
+          </a:bodyPr>
+          <a:lstStyle/>
+          <a:p>
+            <a:pPr algn="ctr"/>
+            <a:r>
+              <a:rPr lang="en-CA" sz="1200" dirty="0"/>
+              <a:t>Direct</a:t>
+            </a:r>
+          </a:p>
+          <a:p>
+            <a:pPr algn="just"/>
+            <a:r>
+              <a:rPr lang="en-CA" sz="1200" dirty="0"/>
+              <a:t>Contribution</a:t>
+            </a:r>
+          </a:p>
+        </p:txBody>
+      </p:sp>
+      <p:sp>
+        <p:nvSpPr>
+          <p:cNvPr id="58" name="TextBox 57"/>
+          <p:cNvSpPr txBox="1"/>
+          <p:nvPr/>
+        </p:nvSpPr>
+        <p:spPr>
+          <a:xfrm>
+            <a:off x="647862" y="6162533"/>
+            <a:ext cx="1907914" cy="646331"/>
+          </a:xfrm>
+          <a:prstGeom prst="rect">
+            <a:avLst/>
+          </a:prstGeom>
+          <a:noFill/>
+        </p:spPr>
+        <p:txBody>
+          <a:bodyPr wrap="square" rtlCol="0">
+            <a:spAutoFit/>
+          </a:bodyPr>
+          <a:lstStyle/>
+          <a:p>
+            <a:pPr algn="ctr"/>
+            <a:r>
+              <a:rPr lang="en-CA" sz="1200" dirty="0"/>
+              <a:t>Contributing </a:t>
+            </a:r>
+          </a:p>
+          <a:p>
+            <a:pPr algn="ctr"/>
+            <a:r>
+              <a:rPr lang="en-CA" sz="1200" dirty="0"/>
+              <a:t>through </a:t>
+            </a:r>
+            <a:r>
+              <a:rPr lang="en-US" sz="1200" dirty="0"/>
+              <a:t>Refinitiv Real-Time Distribution System</a:t>
+            </a:r>
+            <a:endParaRPr lang="en-CA" sz="1200" dirty="0"/>
+          </a:p>
+        </p:txBody>
+      </p:sp>
+      <p:sp>
+        <p:nvSpPr>
+          <p:cNvPr id="60" name="Rounded Rectangle 59"/>
           <p:cNvSpPr/>
           <p:nvPr/>
         </p:nvSpPr>
         <p:spPr>
           <a:xfrm>
-            <a:off x="1691680" y="5661248"/>
-            <a:ext cx="1152128" cy="432048"/>
+            <a:off x="2041726" y="2190401"/>
+            <a:ext cx="631990" cy="381829"/>
           </a:xfrm>
           <a:prstGeom prst="roundRect">
-            <a:avLst/>
-          </a:prstGeom>
+            <a:avLst>
+              <a:gd name="adj" fmla="val 38438"/>
+            </a:avLst>
+          </a:prstGeom>
+          <a:pattFill prst="dkDnDiag">
+            <a:fgClr>
+              <a:schemeClr val="tx2">
+                <a:lumMod val="40000"/>
+                <a:lumOff val="60000"/>
+              </a:schemeClr>
+            </a:fgClr>
+            <a:bgClr>
+              <a:schemeClr val="tx2"/>
+            </a:bgClr>
+          </a:pattFill>
           <a:ln w="6350"/>
         </p:spPr>
         <p:style>
@@ -5324,20 +5763,503 @@
           </a:fontRef>
         </p:style>
         <p:txBody>
+          <a:bodyPr rtlCol="0" anchor="ctr"/>
+          <a:lstStyle/>
+          <a:p>
+            <a:pPr algn="ctr"/>
+            <a:endParaRPr lang="en-CA"/>
+          </a:p>
+        </p:txBody>
+      </p:sp>
+      <p:sp>
+        <p:nvSpPr>
+          <p:cNvPr id="61" name="Rounded Rectangle 60"/>
+          <p:cNvSpPr/>
+          <p:nvPr/>
+        </p:nvSpPr>
+        <p:spPr>
+          <a:xfrm>
+            <a:off x="2791512" y="2190400"/>
+            <a:ext cx="631990" cy="381829"/>
+          </a:xfrm>
+          <a:prstGeom prst="roundRect">
+            <a:avLst>
+              <a:gd name="adj" fmla="val 38438"/>
+            </a:avLst>
+          </a:prstGeom>
+          <a:solidFill>
+            <a:schemeClr val="tx2">
+              <a:lumMod val="40000"/>
+              <a:lumOff val="60000"/>
+            </a:schemeClr>
+          </a:solidFill>
+          <a:ln w="6350"/>
+        </p:spPr>
+        <p:style>
+          <a:lnRef idx="2">
+            <a:schemeClr val="accent1">
+              <a:shade val="50000"/>
+            </a:schemeClr>
+          </a:lnRef>
+          <a:fillRef idx="1">
+            <a:schemeClr val="accent1"/>
+          </a:fillRef>
+          <a:effectRef idx="0">
+            <a:schemeClr val="accent1"/>
+          </a:effectRef>
+          <a:fontRef idx="minor">
+            <a:schemeClr val="lt1"/>
+          </a:fontRef>
+        </p:style>
+        <p:txBody>
+          <a:bodyPr rtlCol="0" anchor="ctr"/>
+          <a:lstStyle/>
+          <a:p>
+            <a:pPr algn="ctr"/>
+            <a:endParaRPr lang="en-CA"/>
+          </a:p>
+        </p:txBody>
+      </p:sp>
+      <p:sp>
+        <p:nvSpPr>
+          <p:cNvPr id="62" name="Rounded Rectangle 61"/>
+          <p:cNvSpPr/>
+          <p:nvPr/>
+        </p:nvSpPr>
+        <p:spPr>
+          <a:xfrm>
+            <a:off x="1292487" y="2190401"/>
+            <a:ext cx="631990" cy="381829"/>
+          </a:xfrm>
+          <a:prstGeom prst="roundRect">
+            <a:avLst>
+              <a:gd name="adj" fmla="val 38438"/>
+            </a:avLst>
+          </a:prstGeom>
+          <a:solidFill>
+            <a:schemeClr val="tx2">
+              <a:lumMod val="40000"/>
+              <a:lumOff val="60000"/>
+            </a:schemeClr>
+          </a:solidFill>
+          <a:ln w="6350"/>
+        </p:spPr>
+        <p:style>
+          <a:lnRef idx="2">
+            <a:schemeClr val="accent1">
+              <a:shade val="50000"/>
+            </a:schemeClr>
+          </a:lnRef>
+          <a:fillRef idx="1">
+            <a:schemeClr val="accent1"/>
+          </a:fillRef>
+          <a:effectRef idx="0">
+            <a:schemeClr val="accent1"/>
+          </a:effectRef>
+          <a:fontRef idx="minor">
+            <a:schemeClr val="lt1"/>
+          </a:fontRef>
+        </p:style>
+        <p:txBody>
+          <a:bodyPr rtlCol="0" anchor="ctr"/>
+          <a:lstStyle/>
+          <a:p>
+            <a:pPr algn="ctr"/>
+            <a:endParaRPr lang="en-CA"/>
+          </a:p>
+        </p:txBody>
+      </p:sp>
+      <p:cxnSp>
+        <p:nvCxnSpPr>
+          <p:cNvPr id="63" name="Straight Connector 62"/>
+          <p:cNvCxnSpPr/>
+          <p:nvPr/>
+        </p:nvCxnSpPr>
+        <p:spPr>
+          <a:xfrm flipH="1" flipV="1">
+            <a:off x="3194487" y="2687133"/>
+            <a:ext cx="0" cy="1625152"/>
+          </a:xfrm>
+          <a:prstGeom prst="line">
+            <a:avLst/>
+          </a:prstGeom>
+          <a:ln w="9525">
+            <a:solidFill>
+              <a:schemeClr val="tx1">
+                <a:alpha val="49000"/>
+              </a:schemeClr>
+            </a:solidFill>
+            <a:prstDash val="dash"/>
+          </a:ln>
+        </p:spPr>
+        <p:style>
+          <a:lnRef idx="1">
+            <a:schemeClr val="accent1"/>
+          </a:lnRef>
+          <a:fillRef idx="0">
+            <a:schemeClr val="accent1"/>
+          </a:fillRef>
+          <a:effectRef idx="0">
+            <a:schemeClr val="accent1"/>
+          </a:effectRef>
+          <a:fontRef idx="minor">
+            <a:schemeClr val="tx1"/>
+          </a:fontRef>
+        </p:style>
+      </p:cxnSp>
+      <p:cxnSp>
+        <p:nvCxnSpPr>
+          <p:cNvPr id="75" name="Straight Connector 74"/>
+          <p:cNvCxnSpPr/>
+          <p:nvPr/>
+        </p:nvCxnSpPr>
+        <p:spPr>
+          <a:xfrm flipH="1" flipV="1">
+            <a:off x="3278086" y="2687131"/>
+            <a:ext cx="0" cy="1625152"/>
+          </a:xfrm>
+          <a:prstGeom prst="line">
+            <a:avLst/>
+          </a:prstGeom>
+          <a:ln w="9525">
+            <a:solidFill>
+              <a:schemeClr val="tx1">
+                <a:alpha val="49000"/>
+              </a:schemeClr>
+            </a:solidFill>
+            <a:prstDash val="dash"/>
+          </a:ln>
+        </p:spPr>
+        <p:style>
+          <a:lnRef idx="1">
+            <a:schemeClr val="accent1"/>
+          </a:lnRef>
+          <a:fillRef idx="0">
+            <a:schemeClr val="accent1"/>
+          </a:fillRef>
+          <a:effectRef idx="0">
+            <a:schemeClr val="accent1"/>
+          </a:effectRef>
+          <a:fontRef idx="minor">
+            <a:schemeClr val="tx1"/>
+          </a:fontRef>
+        </p:style>
+      </p:cxnSp>
+      <p:sp>
+        <p:nvSpPr>
+          <p:cNvPr id="77" name="TextBox 76"/>
+          <p:cNvSpPr txBox="1"/>
+          <p:nvPr/>
+        </p:nvSpPr>
+        <p:spPr>
+          <a:xfrm>
+            <a:off x="3236735" y="3736927"/>
+            <a:ext cx="814647" cy="461665"/>
+          </a:xfrm>
+          <a:prstGeom prst="rect">
+            <a:avLst/>
+          </a:prstGeom>
+          <a:noFill/>
+        </p:spPr>
+        <p:txBody>
+          <a:bodyPr wrap="none" rtlCol="0">
+            <a:spAutoFit/>
+          </a:bodyPr>
+          <a:lstStyle/>
+          <a:p>
+            <a:r>
+              <a:rPr lang="en-CA" sz="1200" dirty="0"/>
+              <a:t>Encrypted</a:t>
+            </a:r>
+          </a:p>
+          <a:p>
+            <a:r>
+              <a:rPr lang="en-CA" sz="1200" dirty="0"/>
+              <a:t>Tunnel</a:t>
+            </a:r>
+          </a:p>
+        </p:txBody>
+      </p:sp>
+      <p:cxnSp>
+        <p:nvCxnSpPr>
+          <p:cNvPr id="78" name="Straight Connector 77"/>
+          <p:cNvCxnSpPr/>
+          <p:nvPr/>
+        </p:nvCxnSpPr>
+        <p:spPr>
+          <a:xfrm flipV="1">
+            <a:off x="4650853" y="1225888"/>
+            <a:ext cx="0" cy="4121836"/>
+          </a:xfrm>
+          <a:prstGeom prst="line">
+            <a:avLst/>
+          </a:prstGeom>
+          <a:ln w="6350">
+            <a:prstDash val="dash"/>
+          </a:ln>
+        </p:spPr>
+        <p:style>
+          <a:lnRef idx="1">
+            <a:schemeClr val="accent1"/>
+          </a:lnRef>
+          <a:fillRef idx="0">
+            <a:schemeClr val="accent1"/>
+          </a:fillRef>
+          <a:effectRef idx="0">
+            <a:schemeClr val="accent1"/>
+          </a:effectRef>
+          <a:fontRef idx="minor">
+            <a:schemeClr val="tx1"/>
+          </a:fontRef>
+        </p:style>
+      </p:cxnSp>
+      <p:cxnSp>
+        <p:nvCxnSpPr>
+          <p:cNvPr id="82" name="Elbow Connector 81"/>
+          <p:cNvCxnSpPr>
+            <a:cxnSpLocks/>
+            <a:stCxn id="7" idx="0"/>
+          </p:cNvCxnSpPr>
+          <p:nvPr/>
+        </p:nvCxnSpPr>
+        <p:spPr>
+          <a:xfrm>
+            <a:off x="5944837" y="418879"/>
+            <a:ext cx="697393" cy="809721"/>
+          </a:xfrm>
+          <a:prstGeom prst="bentConnector2">
+            <a:avLst/>
+          </a:prstGeom>
+          <a:ln>
+            <a:tailEnd type="arrow"/>
+          </a:ln>
+        </p:spPr>
+        <p:style>
+          <a:lnRef idx="1">
+            <a:schemeClr val="accent1"/>
+          </a:lnRef>
+          <a:fillRef idx="0">
+            <a:schemeClr val="accent1"/>
+          </a:fillRef>
+          <a:effectRef idx="0">
+            <a:schemeClr val="accent1"/>
+          </a:effectRef>
+          <a:fontRef idx="minor">
+            <a:schemeClr val="tx1"/>
+          </a:fontRef>
+        </p:style>
+      </p:cxnSp>
+      <p:sp>
+        <p:nvSpPr>
+          <p:cNvPr id="84" name="Cloud 83"/>
+          <p:cNvSpPr/>
+          <p:nvPr/>
+        </p:nvSpPr>
+        <p:spPr>
+          <a:xfrm>
+            <a:off x="5814138" y="2471107"/>
+            <a:ext cx="1926214" cy="720080"/>
+          </a:xfrm>
+          <a:prstGeom prst="cloud">
+            <a:avLst/>
+          </a:prstGeom>
+          <a:ln w="6350"/>
+        </p:spPr>
+        <p:style>
+          <a:lnRef idx="2">
+            <a:schemeClr val="accent3"/>
+          </a:lnRef>
+          <a:fillRef idx="1">
+            <a:schemeClr val="lt1"/>
+          </a:fillRef>
+          <a:effectRef idx="0">
+            <a:schemeClr val="accent3"/>
+          </a:effectRef>
+          <a:fontRef idx="minor">
+            <a:schemeClr val="dk1"/>
+          </a:fontRef>
+        </p:style>
+        <p:txBody>
+          <a:bodyPr rtlCol="0" anchor="ctr"/>
+          <a:lstStyle/>
+          <a:p>
+            <a:pPr algn="ctr"/>
+            <a:r>
+              <a:rPr lang="en-CA" sz="1200" dirty="0">
+                <a:solidFill>
+                  <a:schemeClr val="tx1"/>
+                </a:solidFill>
+              </a:rPr>
+              <a:t>Delivery Direct / Internet</a:t>
+            </a:r>
+          </a:p>
+        </p:txBody>
+      </p:sp>
+      <p:cxnSp>
+        <p:nvCxnSpPr>
+          <p:cNvPr id="85" name="Straight Connector 84"/>
+          <p:cNvCxnSpPr/>
+          <p:nvPr/>
+        </p:nvCxnSpPr>
+        <p:spPr>
+          <a:xfrm>
+            <a:off x="4932040" y="3695243"/>
+            <a:ext cx="3673604" cy="0"/>
+          </a:xfrm>
+          <a:prstGeom prst="line">
+            <a:avLst/>
+          </a:prstGeom>
+          <a:ln w="6350">
+            <a:prstDash val="dash"/>
+          </a:ln>
+        </p:spPr>
+        <p:style>
+          <a:lnRef idx="1">
+            <a:schemeClr val="accent1"/>
+          </a:lnRef>
+          <a:fillRef idx="0">
+            <a:schemeClr val="accent1"/>
+          </a:fillRef>
+          <a:effectRef idx="0">
+            <a:schemeClr val="accent1"/>
+          </a:effectRef>
+          <a:fontRef idx="minor">
+            <a:schemeClr val="tx1"/>
+          </a:fontRef>
+        </p:style>
+      </p:cxnSp>
+      <p:cxnSp>
+        <p:nvCxnSpPr>
+          <p:cNvPr id="87" name="Straight Arrow Connector 86"/>
+          <p:cNvCxnSpPr/>
+          <p:nvPr/>
+        </p:nvCxnSpPr>
+        <p:spPr>
+          <a:xfrm flipH="1">
+            <a:off x="6642230" y="1581349"/>
+            <a:ext cx="0" cy="3106491"/>
+          </a:xfrm>
+          <a:prstGeom prst="straightConnector1">
+            <a:avLst/>
+          </a:prstGeom>
+          <a:ln>
+            <a:solidFill>
+              <a:schemeClr val="accent1">
+                <a:shade val="95000"/>
+                <a:satMod val="105000"/>
+                <a:alpha val="49000"/>
+              </a:schemeClr>
+            </a:solidFill>
+            <a:tailEnd type="arrow"/>
+          </a:ln>
+        </p:spPr>
+        <p:style>
+          <a:lnRef idx="1">
+            <a:schemeClr val="accent1"/>
+          </a:lnRef>
+          <a:fillRef idx="0">
+            <a:schemeClr val="accent1"/>
+          </a:fillRef>
+          <a:effectRef idx="0">
+            <a:schemeClr val="accent1"/>
+          </a:effectRef>
+          <a:fontRef idx="minor">
+            <a:schemeClr val="tx1"/>
+          </a:fontRef>
+        </p:style>
+      </p:cxnSp>
+      <p:sp>
+        <p:nvSpPr>
+          <p:cNvPr id="89" name="TextBox 88"/>
+          <p:cNvSpPr txBox="1"/>
+          <p:nvPr/>
+        </p:nvSpPr>
+        <p:spPr>
+          <a:xfrm>
+            <a:off x="5868332" y="4776300"/>
+            <a:ext cx="1547796" cy="461665"/>
+          </a:xfrm>
+          <a:prstGeom prst="rect">
+            <a:avLst/>
+          </a:prstGeom>
+          <a:noFill/>
+        </p:spPr>
+        <p:txBody>
+          <a:bodyPr wrap="none" rtlCol="0">
+            <a:spAutoFit/>
+          </a:bodyPr>
+          <a:lstStyle/>
+          <a:p>
+            <a:r>
+              <a:rPr lang="en-CA" sz="1200" dirty="0"/>
+              <a:t>Data distributors and </a:t>
+            </a:r>
+          </a:p>
+          <a:p>
+            <a:pPr algn="ctr"/>
+            <a:r>
+              <a:rPr lang="en-CA" sz="1200" dirty="0"/>
+              <a:t>consumers</a:t>
+            </a:r>
+          </a:p>
+        </p:txBody>
+      </p:sp>
+      <p:sp>
+        <p:nvSpPr>
+          <p:cNvPr id="39" name="Rounded Rectangle 38"/>
+          <p:cNvSpPr/>
+          <p:nvPr/>
+        </p:nvSpPr>
+        <p:spPr>
+          <a:xfrm>
+            <a:off x="323528" y="5661248"/>
+            <a:ext cx="1152128" cy="432048"/>
+          </a:xfrm>
+          <a:prstGeom prst="roundRect">
+            <a:avLst/>
+          </a:prstGeom>
+          <a:solidFill>
+            <a:schemeClr val="accent1">
+              <a:lumMod val="60000"/>
+              <a:lumOff val="40000"/>
+            </a:schemeClr>
+          </a:solidFill>
+          <a:ln w="6350"/>
+        </p:spPr>
+        <p:style>
+          <a:lnRef idx="2">
+            <a:schemeClr val="accent1">
+              <a:shade val="50000"/>
+            </a:schemeClr>
+          </a:lnRef>
+          <a:fillRef idx="1">
+            <a:schemeClr val="accent1"/>
+          </a:fillRef>
+          <a:effectRef idx="0">
+            <a:schemeClr val="accent1"/>
+          </a:effectRef>
+          <a:fontRef idx="minor">
+            <a:schemeClr val="lt1"/>
+          </a:fontRef>
+        </p:style>
+        <p:txBody>
           <a:bodyPr wrap="none" rtlCol="0" anchor="ctr"/>
           <a:lstStyle/>
           <a:p>
             <a:pPr algn="ctr"/>
-            <a:endParaRPr lang="en-CA" sz="1200" dirty="0" smtClean="0">
-              <a:solidFill>
-                <a:schemeClr val="tx1"/>
-              </a:solidFill>
-            </a:endParaRPr>
+            <a:r>
+              <a:rPr lang="en-CA" sz="1200" dirty="0">
+                <a:solidFill>
+                  <a:schemeClr val="tx1"/>
+                </a:solidFill>
+              </a:rPr>
+              <a:t>WebSocket</a:t>
+            </a:r>
           </a:p>
           <a:p>
             <a:pPr algn="ctr"/>
             <a:r>
-              <a:rPr lang="en-CA" sz="1200" dirty="0" smtClean="0">
+              <a:rPr lang="en-CA" sz="1200" dirty="0">
                 <a:solidFill>
                   <a:schemeClr val="tx1"/>
                 </a:solidFill>
@@ -5347,26 +6269,129 @@
           </a:p>
         </p:txBody>
       </p:sp>
-      <p:sp>
-        <p:nvSpPr>
-          <p:cNvPr id="17" name="Oval 16"/>
+      <p:cxnSp>
+        <p:nvCxnSpPr>
+          <p:cNvPr id="42" name="Straight Connector 41"/>
+          <p:cNvCxnSpPr>
+            <a:cxnSpLocks/>
+            <a:stCxn id="39" idx="0"/>
+          </p:cNvCxnSpPr>
+          <p:nvPr/>
+        </p:nvCxnSpPr>
+        <p:spPr>
+          <a:xfrm flipV="1">
+            <a:off x="899592" y="5347724"/>
+            <a:ext cx="627552" cy="313524"/>
+          </a:xfrm>
+          <a:prstGeom prst="line">
+            <a:avLst/>
+          </a:prstGeom>
+          <a:ln>
+            <a:prstDash val="solid"/>
+          </a:ln>
+        </p:spPr>
+        <p:style>
+          <a:lnRef idx="1">
+            <a:schemeClr val="accent1"/>
+          </a:lnRef>
+          <a:fillRef idx="0">
+            <a:schemeClr val="accent1"/>
+          </a:fillRef>
+          <a:effectRef idx="0">
+            <a:schemeClr val="accent1"/>
+          </a:effectRef>
+          <a:fontRef idx="minor">
+            <a:schemeClr val="tx1"/>
+          </a:fontRef>
+        </p:style>
+      </p:cxnSp>
+      <p:sp>
+        <p:nvSpPr>
+          <p:cNvPr id="44" name="Rounded Rectangle 79">
+            <a:extLst>
+              <a:ext uri="{FF2B5EF4-FFF2-40B4-BE49-F238E27FC236}">
+                <a16:creationId xmlns:a16="http://schemas.microsoft.com/office/drawing/2014/main" id="{6F2136B8-4483-4391-AEC4-F0738DB05B0F}"/>
+              </a:ext>
+            </a:extLst>
+          </p:cNvPr>
           <p:cNvSpPr/>
           <p:nvPr/>
         </p:nvSpPr>
         <p:spPr>
           <a:xfrm>
-            <a:off x="1907704" y="5589240"/>
-            <a:ext cx="648072" cy="288032"/>
-          </a:xfrm>
-          <a:prstGeom prst="ellipse">
+            <a:off x="5796136" y="1010534"/>
+            <a:ext cx="1692188" cy="578106"/>
+          </a:xfrm>
+          <a:prstGeom prst="roundRect">
+            <a:avLst>
+              <a:gd name="adj" fmla="val 37657"/>
+            </a:avLst>
+          </a:prstGeom>
+          <a:ln w="6350"/>
+        </p:spPr>
+        <p:style>
+          <a:lnRef idx="2">
+            <a:schemeClr val="accent3">
+              <a:shade val="50000"/>
+            </a:schemeClr>
+          </a:lnRef>
+          <a:fillRef idx="1">
+            <a:schemeClr val="accent3"/>
+          </a:fillRef>
+          <a:effectRef idx="0">
+            <a:schemeClr val="accent3"/>
+          </a:effectRef>
+          <a:fontRef idx="minor">
+            <a:schemeClr val="lt1"/>
+          </a:fontRef>
+        </p:style>
+        <p:txBody>
+          <a:bodyPr rtlCol="0" anchor="ctr"/>
+          <a:lstStyle/>
+          <a:p>
+            <a:pPr algn="ctr"/>
+            <a:r>
+              <a:rPr lang="en-US" sz="1000" dirty="0">
+                <a:solidFill>
+                  <a:schemeClr val="tx1"/>
+                </a:solidFill>
+              </a:rPr>
+              <a:t>Refinitiv Real-Time Advanced Distribution</a:t>
+            </a:r>
+          </a:p>
+          <a:p>
+            <a:pPr algn="ctr"/>
+            <a:r>
+              <a:rPr lang="en-US" sz="1000" dirty="0">
+                <a:solidFill>
+                  <a:schemeClr val="tx1"/>
+                </a:solidFill>
+              </a:rPr>
+              <a:t>Broker</a:t>
+            </a:r>
+          </a:p>
+        </p:txBody>
+      </p:sp>
+      <p:sp>
+        <p:nvSpPr>
+          <p:cNvPr id="45" name="Rounded Rectangle 11">
+            <a:extLst>
+              <a:ext uri="{FF2B5EF4-FFF2-40B4-BE49-F238E27FC236}">
+                <a16:creationId xmlns:a16="http://schemas.microsoft.com/office/drawing/2014/main" id="{0AEC5017-7284-418A-8CA2-B51C64628DB0}"/>
+              </a:ext>
+            </a:extLst>
+          </p:cNvPr>
+          <p:cNvSpPr/>
+          <p:nvPr/>
+        </p:nvSpPr>
+        <p:spPr>
+          <a:xfrm>
+            <a:off x="736081" y="4039768"/>
+            <a:ext cx="1586495" cy="576064"/>
+          </a:xfrm>
+          <a:prstGeom prst="roundRect">
             <a:avLst/>
           </a:prstGeom>
-          <a:solidFill>
-            <a:schemeClr val="accent6">
-              <a:lumMod val="40000"/>
-              <a:lumOff val="60000"/>
-            </a:schemeClr>
-          </a:solidFill>
           <a:ln w="6350"/>
         </p:spPr>
         <p:style>
@@ -5390,42 +6415,61 @@
           <a:lstStyle/>
           <a:p>
             <a:pPr algn="ctr"/>
-            <a:r>
-              <a:rPr lang="en-CA" sz="1200" dirty="0" smtClean="0">
-                <a:solidFill>
-                  <a:schemeClr val="tx1"/>
-                </a:solidFill>
-              </a:rPr>
-              <a:t>EMA</a:t>
-            </a:r>
             <a:endParaRPr lang="en-CA" sz="1200" dirty="0">
               <a:solidFill>
                 <a:schemeClr val="tx1"/>
               </a:solidFill>
             </a:endParaRPr>
           </a:p>
-        </p:txBody>
-      </p:sp>
-      <p:sp>
-        <p:nvSpPr>
-          <p:cNvPr id="18" name="Oval 17"/>
+          <a:p>
+            <a:pPr algn="ctr"/>
+            <a:r>
+              <a:rPr lang="en-US" sz="1000" dirty="0">
+                <a:solidFill>
+                  <a:schemeClr val="tx1"/>
+                </a:solidFill>
+              </a:rPr>
+              <a:t>Refinitiv </a:t>
+            </a:r>
+          </a:p>
+          <a:p>
+            <a:pPr algn="ctr"/>
+            <a:r>
+              <a:rPr lang="en-US" sz="1000" dirty="0">
+                <a:solidFill>
+                  <a:schemeClr val="tx1"/>
+                </a:solidFill>
+              </a:rPr>
+              <a:t>Real-Time Advanced Data Hub</a:t>
+            </a:r>
+            <a:endParaRPr lang="en-CA" sz="1000" dirty="0">
+              <a:solidFill>
+                <a:schemeClr val="tx1"/>
+              </a:solidFill>
+            </a:endParaRPr>
+          </a:p>
+        </p:txBody>
+      </p:sp>
+      <p:sp>
+        <p:nvSpPr>
+          <p:cNvPr id="47" name="Rounded Rectangle 12">
+            <a:extLst>
+              <a:ext uri="{FF2B5EF4-FFF2-40B4-BE49-F238E27FC236}">
+                <a16:creationId xmlns:a16="http://schemas.microsoft.com/office/drawing/2014/main" id="{AA70606D-5B80-47EB-8466-3DB11BE0FBA0}"/>
+              </a:ext>
+            </a:extLst>
+          </p:cNvPr>
           <p:cNvSpPr/>
           <p:nvPr/>
         </p:nvSpPr>
         <p:spPr>
           <a:xfrm>
-            <a:off x="1203108" y="3967760"/>
-            <a:ext cx="648072" cy="288032"/>
-          </a:xfrm>
-          <a:prstGeom prst="ellipse">
+            <a:off x="736081" y="4771660"/>
+            <a:ext cx="1603573" cy="571750"/>
+          </a:xfrm>
+          <a:prstGeom prst="roundRect">
             <a:avLst/>
           </a:prstGeom>
-          <a:solidFill>
-            <a:schemeClr val="accent6">
-              <a:lumMod val="40000"/>
-              <a:lumOff val="60000"/>
-            </a:schemeClr>
-          </a:solidFill>
           <a:ln w="6350"/>
         </p:spPr>
         <p:style>
@@ -5450,14 +6494,36 @@
           <a:p>
             <a:pPr algn="ctr"/>
             <a:r>
-              <a:rPr lang="en-CA" sz="1200" dirty="0" smtClean="0">
+              <a:rPr lang="en-US" sz="1000" dirty="0">
                 <a:solidFill>
                   <a:schemeClr val="tx1"/>
                 </a:solidFill>
               </a:rPr>
-              <a:t>TSA</a:t>
-            </a:r>
-            <a:endParaRPr lang="en-CA" sz="1200" dirty="0">
+              <a:t>Refinitiv </a:t>
+            </a:r>
+          </a:p>
+          <a:p>
+            <a:pPr algn="ctr"/>
+            <a:r>
+              <a:rPr lang="en-US" sz="1000" dirty="0">
+                <a:solidFill>
+                  <a:schemeClr val="tx1"/>
+                </a:solidFill>
+              </a:rPr>
+              <a:t>Real-Time </a:t>
+            </a:r>
+          </a:p>
+          <a:p>
+            <a:pPr algn="ctr"/>
+            <a:r>
+              <a:rPr lang="en-US" sz="1000" dirty="0">
+                <a:solidFill>
+                  <a:schemeClr val="tx1"/>
+                </a:solidFill>
+              </a:rPr>
+              <a:t>Advanced Distribution Server</a:t>
+            </a:r>
+            <a:endParaRPr lang="en-CA" sz="1000" dirty="0">
               <a:solidFill>
                 <a:schemeClr val="tx1"/>
               </a:solidFill>
@@ -5467,69 +6533,19 @@
       </p:sp>
       <p:sp>
         <p:nvSpPr>
-          <p:cNvPr id="19" name="Rounded Rectangle 18"/>
+          <p:cNvPr id="48" name="Oval 47">
+            <a:extLst>
+              <a:ext uri="{FF2B5EF4-FFF2-40B4-BE49-F238E27FC236}">
+                <a16:creationId xmlns:a16="http://schemas.microsoft.com/office/drawing/2014/main" id="{01ECACA8-6329-45CA-8967-A312B77637DE}"/>
+              </a:ext>
+            </a:extLst>
+          </p:cNvPr>
           <p:cNvSpPr/>
           <p:nvPr/>
         </p:nvSpPr>
         <p:spPr>
           <a:xfrm>
-            <a:off x="2699494" y="4384293"/>
-            <a:ext cx="1152128" cy="576064"/>
-          </a:xfrm>
-          <a:prstGeom prst="roundRect">
-            <a:avLst/>
-          </a:prstGeom>
-          <a:ln w="6350"/>
-        </p:spPr>
-        <p:style>
-          <a:lnRef idx="2">
-            <a:schemeClr val="accent1">
-              <a:shade val="50000"/>
-            </a:schemeClr>
-          </a:lnRef>
-          <a:fillRef idx="1">
-            <a:schemeClr val="accent1"/>
-          </a:fillRef>
-          <a:effectRef idx="0">
-            <a:schemeClr val="accent1"/>
-          </a:effectRef>
-          <a:fontRef idx="minor">
-            <a:schemeClr val="lt1"/>
-          </a:fontRef>
-        </p:style>
-        <p:txBody>
-          <a:bodyPr wrap="none" rtlCol="0" anchor="ctr"/>
-          <a:lstStyle/>
-          <a:p>
-            <a:pPr algn="ctr"/>
-            <a:endParaRPr lang="en-CA" sz="1200" dirty="0" smtClean="0">
-              <a:solidFill>
-                <a:schemeClr val="tx1"/>
-              </a:solidFill>
-            </a:endParaRPr>
-          </a:p>
-          <a:p>
-            <a:pPr algn="ctr"/>
-            <a:r>
-              <a:rPr lang="en-CA" sz="1200" dirty="0" smtClean="0">
-                <a:solidFill>
-                  <a:schemeClr val="tx1"/>
-                </a:solidFill>
-              </a:rPr>
-              <a:t>Application</a:t>
-            </a:r>
-          </a:p>
-        </p:txBody>
-      </p:sp>
-      <p:sp>
-        <p:nvSpPr>
-          <p:cNvPr id="20" name="Oval 19"/>
-          <p:cNvSpPr/>
-          <p:nvPr/>
-        </p:nvSpPr>
-        <p:spPr>
-          <a:xfrm>
-            <a:off x="2951522" y="4312285"/>
+            <a:off x="1203108" y="3967760"/>
             <a:ext cx="648072" cy="288032"/>
           </a:xfrm>
           <a:prstGeom prst="ellipse">
@@ -5565,31 +6581,32 @@
           <a:p>
             <a:pPr algn="ctr"/>
             <a:r>
-              <a:rPr lang="en-CA" sz="1200" dirty="0" smtClean="0">
+              <a:rPr lang="en-CA" sz="1200" dirty="0">
                 <a:solidFill>
                   <a:schemeClr val="tx1"/>
                 </a:solidFill>
               </a:rPr>
-              <a:t>EMA</a:t>
-            </a:r>
-            <a:endParaRPr lang="en-CA" sz="1200" dirty="0">
-              <a:solidFill>
-                <a:schemeClr val="tx1"/>
-              </a:solidFill>
-            </a:endParaRPr>
-          </a:p>
-        </p:txBody>
-      </p:sp>
-      <p:sp>
-        <p:nvSpPr>
-          <p:cNvPr id="22" name="Rounded Rectangle 21"/>
+              <a:t>TSA</a:t>
+            </a:r>
+          </a:p>
+        </p:txBody>
+      </p:sp>
+      <p:sp>
+        <p:nvSpPr>
+          <p:cNvPr id="49" name="Rounded Rectangle 21">
+            <a:extLst>
+              <a:ext uri="{FF2B5EF4-FFF2-40B4-BE49-F238E27FC236}">
+                <a16:creationId xmlns:a16="http://schemas.microsoft.com/office/drawing/2014/main" id="{ACD3DADD-AB7F-4DAA-ACDE-E34CD4602A17}"/>
+              </a:ext>
+            </a:extLst>
+          </p:cNvPr>
           <p:cNvSpPr/>
           <p:nvPr/>
         </p:nvSpPr>
         <p:spPr>
           <a:xfrm>
-            <a:off x="843068" y="3895752"/>
-            <a:ext cx="1368152" cy="1584176"/>
+            <a:off x="467548" y="3895752"/>
+            <a:ext cx="2194612" cy="1584176"/>
           </a:xfrm>
           <a:prstGeom prst="roundRect">
             <a:avLst/>
@@ -5627,975 +6644,27 @@
       </p:sp>
       <p:cxnSp>
         <p:nvCxnSpPr>
-          <p:cNvPr id="25" name="Straight Connector 24"/>
+          <p:cNvPr id="50" name="Straight Connector 49">
+            <a:extLst>
+              <a:ext uri="{FF2B5EF4-FFF2-40B4-BE49-F238E27FC236}">
+                <a16:creationId xmlns:a16="http://schemas.microsoft.com/office/drawing/2014/main" id="{FC253F97-2C48-4066-9A2A-5DC821E39A87}"/>
+              </a:ext>
+            </a:extLst>
+          </p:cNvPr>
           <p:cNvCxnSpPr>
-            <a:stCxn id="17" idx="0"/>
-            <a:endCxn id="13" idx="2"/>
+            <a:cxnSpLocks/>
+            <a:endCxn id="45" idx="2"/>
           </p:cNvCxnSpPr>
           <p:nvPr/>
         </p:nvCxnSpPr>
         <p:spPr>
-          <a:xfrm flipH="1" flipV="1">
-            <a:off x="1527144" y="5347724"/>
-            <a:ext cx="704596" cy="241516"/>
+          <a:xfrm flipV="1">
+            <a:off x="1527146" y="4615832"/>
+            <a:ext cx="2183" cy="158600"/>
           </a:xfrm>
           <a:prstGeom prst="line">
             <a:avLst/>
           </a:prstGeom>
-        </p:spPr>
-        <p:style>
-          <a:lnRef idx="1">
-            <a:schemeClr val="accent1"/>
-          </a:lnRef>
-          <a:fillRef idx="0">
-            <a:schemeClr val="accent1"/>
-          </a:fillRef>
-          <a:effectRef idx="0">
-            <a:schemeClr val="accent1"/>
-          </a:effectRef>
-          <a:fontRef idx="minor">
-            <a:schemeClr val="tx1"/>
-          </a:fontRef>
-        </p:style>
-      </p:cxnSp>
-      <p:cxnSp>
-        <p:nvCxnSpPr>
-          <p:cNvPr id="32" name="Straight Connector 31"/>
-          <p:cNvCxnSpPr>
-            <a:endCxn id="12" idx="2"/>
-          </p:cNvCxnSpPr>
-          <p:nvPr/>
-        </p:nvCxnSpPr>
-        <p:spPr>
-          <a:xfrm flipV="1">
-            <a:off x="1527144" y="4615832"/>
-            <a:ext cx="0" cy="158599"/>
-          </a:xfrm>
-          <a:prstGeom prst="line">
-            <a:avLst/>
-          </a:prstGeom>
-        </p:spPr>
-        <p:style>
-          <a:lnRef idx="1">
-            <a:schemeClr val="accent1"/>
-          </a:lnRef>
-          <a:fillRef idx="0">
-            <a:schemeClr val="accent1"/>
-          </a:fillRef>
-          <a:effectRef idx="0">
-            <a:schemeClr val="accent1"/>
-          </a:effectRef>
-          <a:fontRef idx="minor">
-            <a:schemeClr val="tx1"/>
-          </a:fontRef>
-        </p:style>
-      </p:cxnSp>
-      <p:cxnSp>
-        <p:nvCxnSpPr>
-          <p:cNvPr id="34" name="Straight Connector 33"/>
-          <p:cNvCxnSpPr/>
-          <p:nvPr/>
-        </p:nvCxnSpPr>
-        <p:spPr>
-          <a:xfrm flipV="1">
-            <a:off x="1526649" y="2687131"/>
-            <a:ext cx="0" cy="1268817"/>
-          </a:xfrm>
-          <a:prstGeom prst="line">
-            <a:avLst/>
-          </a:prstGeom>
-          <a:ln>
-            <a:solidFill>
-              <a:schemeClr val="accent1">
-                <a:shade val="95000"/>
-                <a:satMod val="105000"/>
-                <a:alpha val="49000"/>
-              </a:schemeClr>
-            </a:solidFill>
-          </a:ln>
-        </p:spPr>
-        <p:style>
-          <a:lnRef idx="1">
-            <a:schemeClr val="accent1"/>
-          </a:lnRef>
-          <a:fillRef idx="0">
-            <a:schemeClr val="accent1"/>
-          </a:fillRef>
-          <a:effectRef idx="0">
-            <a:schemeClr val="accent1"/>
-          </a:effectRef>
-          <a:fontRef idx="minor">
-            <a:schemeClr val="tx1"/>
-          </a:fontRef>
-        </p:style>
-      </p:cxnSp>
-      <p:cxnSp>
-        <p:nvCxnSpPr>
-          <p:cNvPr id="36" name="Straight Connector 35"/>
-          <p:cNvCxnSpPr>
-            <a:stCxn id="20" idx="0"/>
-          </p:cNvCxnSpPr>
-          <p:nvPr/>
-        </p:nvCxnSpPr>
-        <p:spPr>
-          <a:xfrm flipH="1" flipV="1">
-            <a:off x="3240751" y="2687131"/>
-            <a:ext cx="0" cy="1625154"/>
-          </a:xfrm>
-          <a:prstGeom prst="line">
-            <a:avLst/>
-          </a:prstGeom>
-          <a:ln>
-            <a:solidFill>
-              <a:schemeClr val="accent1">
-                <a:shade val="95000"/>
-                <a:satMod val="105000"/>
-                <a:alpha val="49000"/>
-              </a:schemeClr>
-            </a:solidFill>
-          </a:ln>
-        </p:spPr>
-        <p:style>
-          <a:lnRef idx="1">
-            <a:schemeClr val="accent1"/>
-          </a:lnRef>
-          <a:fillRef idx="0">
-            <a:schemeClr val="accent1"/>
-          </a:fillRef>
-          <a:effectRef idx="0">
-            <a:schemeClr val="accent1"/>
-          </a:effectRef>
-          <a:fontRef idx="minor">
-            <a:schemeClr val="tx1"/>
-          </a:fontRef>
-        </p:style>
-      </p:cxnSp>
-      <p:cxnSp>
-        <p:nvCxnSpPr>
-          <p:cNvPr id="41" name="Straight Connector 40"/>
-          <p:cNvCxnSpPr>
-            <a:stCxn id="6" idx="0"/>
-            <a:endCxn id="5" idx="2"/>
-          </p:cNvCxnSpPr>
-          <p:nvPr/>
-        </p:nvCxnSpPr>
-        <p:spPr>
-          <a:xfrm flipV="1">
-            <a:off x="2348391" y="1585928"/>
-            <a:ext cx="0" cy="237107"/>
-          </a:xfrm>
-          <a:prstGeom prst="line">
-            <a:avLst/>
-          </a:prstGeom>
-        </p:spPr>
-        <p:style>
-          <a:lnRef idx="1">
-            <a:schemeClr val="accent1"/>
-          </a:lnRef>
-          <a:fillRef idx="0">
-            <a:schemeClr val="accent1"/>
-          </a:fillRef>
-          <a:effectRef idx="0">
-            <a:schemeClr val="accent1"/>
-          </a:effectRef>
-          <a:fontRef idx="minor">
-            <a:schemeClr val="tx1"/>
-          </a:fontRef>
-        </p:style>
-      </p:cxnSp>
-      <p:cxnSp>
-        <p:nvCxnSpPr>
-          <p:cNvPr id="43" name="Straight Connector 42"/>
-          <p:cNvCxnSpPr>
-            <a:stCxn id="5" idx="0"/>
-            <a:endCxn id="4" idx="2"/>
-          </p:cNvCxnSpPr>
-          <p:nvPr/>
-        </p:nvCxnSpPr>
-        <p:spPr>
-          <a:xfrm flipV="1">
-            <a:off x="2348391" y="1010534"/>
-            <a:ext cx="0" cy="215354"/>
-          </a:xfrm>
-          <a:prstGeom prst="line">
-            <a:avLst/>
-          </a:prstGeom>
-        </p:spPr>
-        <p:style>
-          <a:lnRef idx="1">
-            <a:schemeClr val="accent1"/>
-          </a:lnRef>
-          <a:fillRef idx="0">
-            <a:schemeClr val="accent1"/>
-          </a:fillRef>
-          <a:effectRef idx="0">
-            <a:schemeClr val="accent1"/>
-          </a:effectRef>
-          <a:fontRef idx="minor">
-            <a:schemeClr val="tx1"/>
-          </a:fontRef>
-        </p:style>
-      </p:cxnSp>
-      <p:cxnSp>
-        <p:nvCxnSpPr>
-          <p:cNvPr id="46" name="Elbow Connector 45"/>
-          <p:cNvCxnSpPr>
-            <a:stCxn id="4" idx="0"/>
-            <a:endCxn id="7" idx="2"/>
-          </p:cNvCxnSpPr>
-          <p:nvPr/>
-        </p:nvCxnSpPr>
-        <p:spPr>
-          <a:xfrm rot="5400000" flipH="1" flipV="1">
-            <a:off x="2739763" y="27508"/>
-            <a:ext cx="231615" cy="1014359"/>
-          </a:xfrm>
-          <a:prstGeom prst="bentConnector2">
-            <a:avLst/>
-          </a:prstGeom>
-          <a:ln>
-            <a:tailEnd type="arrow"/>
-          </a:ln>
-        </p:spPr>
-        <p:style>
-          <a:lnRef idx="1">
-            <a:schemeClr val="accent1"/>
-          </a:lnRef>
-          <a:fillRef idx="0">
-            <a:schemeClr val="accent1"/>
-          </a:fillRef>
-          <a:effectRef idx="0">
-            <a:schemeClr val="accent1"/>
-          </a:effectRef>
-          <a:fontRef idx="minor">
-            <a:schemeClr val="tx1"/>
-          </a:fontRef>
-        </p:style>
-      </p:cxnSp>
-      <p:sp>
-        <p:nvSpPr>
-          <p:cNvPr id="56" name="TextBox 55"/>
-          <p:cNvSpPr txBox="1"/>
-          <p:nvPr/>
-        </p:nvSpPr>
-        <p:spPr>
-          <a:xfrm>
-            <a:off x="2753181" y="5051856"/>
-            <a:ext cx="975139" cy="461665"/>
-          </a:xfrm>
-          <a:prstGeom prst="rect">
-            <a:avLst/>
-          </a:prstGeom>
-          <a:noFill/>
-        </p:spPr>
-        <p:txBody>
-          <a:bodyPr wrap="none" rtlCol="0">
-            <a:spAutoFit/>
-          </a:bodyPr>
-          <a:lstStyle/>
-          <a:p>
-            <a:pPr algn="ctr"/>
-            <a:r>
-              <a:rPr lang="en-CA" sz="1200" dirty="0" smtClean="0"/>
-              <a:t>Direct</a:t>
-            </a:r>
-          </a:p>
-          <a:p>
-            <a:pPr algn="just"/>
-            <a:r>
-              <a:rPr lang="en-CA" sz="1200" dirty="0" smtClean="0"/>
-              <a:t>Contribution</a:t>
-            </a:r>
-            <a:endParaRPr lang="en-CA" sz="1200" dirty="0"/>
-          </a:p>
-        </p:txBody>
-      </p:sp>
-      <p:sp>
-        <p:nvSpPr>
-          <p:cNvPr id="58" name="TextBox 57"/>
-          <p:cNvSpPr txBox="1"/>
-          <p:nvPr/>
-        </p:nvSpPr>
-        <p:spPr>
-          <a:xfrm>
-            <a:off x="1043608" y="6165304"/>
-            <a:ext cx="1030154" cy="461665"/>
-          </a:xfrm>
-          <a:prstGeom prst="rect">
-            <a:avLst/>
-          </a:prstGeom>
-          <a:noFill/>
-        </p:spPr>
-        <p:txBody>
-          <a:bodyPr wrap="none" rtlCol="0">
-            <a:spAutoFit/>
-          </a:bodyPr>
-          <a:lstStyle/>
-          <a:p>
-            <a:r>
-              <a:rPr lang="en-CA" sz="1200" dirty="0" smtClean="0"/>
-              <a:t>Contributing </a:t>
-            </a:r>
-          </a:p>
-          <a:p>
-            <a:r>
-              <a:rPr lang="en-CA" sz="1200" dirty="0" smtClean="0"/>
-              <a:t>through TREP</a:t>
-            </a:r>
-            <a:endParaRPr lang="en-CA" sz="1200" dirty="0"/>
-          </a:p>
-        </p:txBody>
-      </p:sp>
-      <p:sp>
-        <p:nvSpPr>
-          <p:cNvPr id="60" name="Rounded Rectangle 59"/>
-          <p:cNvSpPr/>
-          <p:nvPr/>
-        </p:nvSpPr>
-        <p:spPr>
-          <a:xfrm>
-            <a:off x="2041726" y="2190401"/>
-            <a:ext cx="631990" cy="381829"/>
-          </a:xfrm>
-          <a:prstGeom prst="roundRect">
-            <a:avLst>
-              <a:gd name="adj" fmla="val 38438"/>
-            </a:avLst>
-          </a:prstGeom>
-          <a:pattFill prst="dkDnDiag">
-            <a:fgClr>
-              <a:schemeClr val="tx2">
-                <a:lumMod val="40000"/>
-                <a:lumOff val="60000"/>
-              </a:schemeClr>
-            </a:fgClr>
-            <a:bgClr>
-              <a:schemeClr val="tx2"/>
-            </a:bgClr>
-          </a:pattFill>
-          <a:ln w="6350"/>
-        </p:spPr>
-        <p:style>
-          <a:lnRef idx="2">
-            <a:schemeClr val="accent1">
-              <a:shade val="50000"/>
-            </a:schemeClr>
-          </a:lnRef>
-          <a:fillRef idx="1">
-            <a:schemeClr val="accent1"/>
-          </a:fillRef>
-          <a:effectRef idx="0">
-            <a:schemeClr val="accent1"/>
-          </a:effectRef>
-          <a:fontRef idx="minor">
-            <a:schemeClr val="lt1"/>
-          </a:fontRef>
-        </p:style>
-        <p:txBody>
-          <a:bodyPr rtlCol="0" anchor="ctr"/>
-          <a:lstStyle/>
-          <a:p>
-            <a:pPr algn="ctr"/>
-            <a:endParaRPr lang="en-CA"/>
-          </a:p>
-        </p:txBody>
-      </p:sp>
-      <p:sp>
-        <p:nvSpPr>
-          <p:cNvPr id="61" name="Rounded Rectangle 60"/>
-          <p:cNvSpPr/>
-          <p:nvPr/>
-        </p:nvSpPr>
-        <p:spPr>
-          <a:xfrm>
-            <a:off x="2791512" y="2190400"/>
-            <a:ext cx="631990" cy="381829"/>
-          </a:xfrm>
-          <a:prstGeom prst="roundRect">
-            <a:avLst>
-              <a:gd name="adj" fmla="val 38438"/>
-            </a:avLst>
-          </a:prstGeom>
-          <a:solidFill>
-            <a:schemeClr val="tx2">
-              <a:lumMod val="40000"/>
-              <a:lumOff val="60000"/>
-            </a:schemeClr>
-          </a:solidFill>
-          <a:ln w="6350"/>
-        </p:spPr>
-        <p:style>
-          <a:lnRef idx="2">
-            <a:schemeClr val="accent1">
-              <a:shade val="50000"/>
-            </a:schemeClr>
-          </a:lnRef>
-          <a:fillRef idx="1">
-            <a:schemeClr val="accent1"/>
-          </a:fillRef>
-          <a:effectRef idx="0">
-            <a:schemeClr val="accent1"/>
-          </a:effectRef>
-          <a:fontRef idx="minor">
-            <a:schemeClr val="lt1"/>
-          </a:fontRef>
-        </p:style>
-        <p:txBody>
-          <a:bodyPr rtlCol="0" anchor="ctr"/>
-          <a:lstStyle/>
-          <a:p>
-            <a:pPr algn="ctr"/>
-            <a:endParaRPr lang="en-CA"/>
-          </a:p>
-        </p:txBody>
-      </p:sp>
-      <p:sp>
-        <p:nvSpPr>
-          <p:cNvPr id="62" name="Rounded Rectangle 61"/>
-          <p:cNvSpPr/>
-          <p:nvPr/>
-        </p:nvSpPr>
-        <p:spPr>
-          <a:xfrm>
-            <a:off x="1292487" y="2190401"/>
-            <a:ext cx="631990" cy="381829"/>
-          </a:xfrm>
-          <a:prstGeom prst="roundRect">
-            <a:avLst>
-              <a:gd name="adj" fmla="val 38438"/>
-            </a:avLst>
-          </a:prstGeom>
-          <a:solidFill>
-            <a:schemeClr val="tx2">
-              <a:lumMod val="40000"/>
-              <a:lumOff val="60000"/>
-            </a:schemeClr>
-          </a:solidFill>
-          <a:ln w="6350"/>
-        </p:spPr>
-        <p:style>
-          <a:lnRef idx="2">
-            <a:schemeClr val="accent1">
-              <a:shade val="50000"/>
-            </a:schemeClr>
-          </a:lnRef>
-          <a:fillRef idx="1">
-            <a:schemeClr val="accent1"/>
-          </a:fillRef>
-          <a:effectRef idx="0">
-            <a:schemeClr val="accent1"/>
-          </a:effectRef>
-          <a:fontRef idx="minor">
-            <a:schemeClr val="lt1"/>
-          </a:fontRef>
-        </p:style>
-        <p:txBody>
-          <a:bodyPr rtlCol="0" anchor="ctr"/>
-          <a:lstStyle/>
-          <a:p>
-            <a:pPr algn="ctr"/>
-            <a:endParaRPr lang="en-CA"/>
-          </a:p>
-        </p:txBody>
-      </p:sp>
-      <p:cxnSp>
-        <p:nvCxnSpPr>
-          <p:cNvPr id="63" name="Straight Connector 62"/>
-          <p:cNvCxnSpPr/>
-          <p:nvPr/>
-        </p:nvCxnSpPr>
-        <p:spPr>
-          <a:xfrm flipH="1" flipV="1">
-            <a:off x="3194487" y="2687133"/>
-            <a:ext cx="0" cy="1625152"/>
-          </a:xfrm>
-          <a:prstGeom prst="line">
-            <a:avLst/>
-          </a:prstGeom>
-          <a:ln w="9525">
-            <a:solidFill>
-              <a:schemeClr val="tx1">
-                <a:alpha val="49000"/>
-              </a:schemeClr>
-            </a:solidFill>
-            <a:prstDash val="dash"/>
-          </a:ln>
-        </p:spPr>
-        <p:style>
-          <a:lnRef idx="1">
-            <a:schemeClr val="accent1"/>
-          </a:lnRef>
-          <a:fillRef idx="0">
-            <a:schemeClr val="accent1"/>
-          </a:fillRef>
-          <a:effectRef idx="0">
-            <a:schemeClr val="accent1"/>
-          </a:effectRef>
-          <a:fontRef idx="minor">
-            <a:schemeClr val="tx1"/>
-          </a:fontRef>
-        </p:style>
-      </p:cxnSp>
-      <p:cxnSp>
-        <p:nvCxnSpPr>
-          <p:cNvPr id="75" name="Straight Connector 74"/>
-          <p:cNvCxnSpPr/>
-          <p:nvPr/>
-        </p:nvCxnSpPr>
-        <p:spPr>
-          <a:xfrm flipH="1" flipV="1">
-            <a:off x="3278086" y="2687131"/>
-            <a:ext cx="0" cy="1625152"/>
-          </a:xfrm>
-          <a:prstGeom prst="line">
-            <a:avLst/>
-          </a:prstGeom>
-          <a:ln w="9525">
-            <a:solidFill>
-              <a:schemeClr val="tx1">
-                <a:alpha val="49000"/>
-              </a:schemeClr>
-            </a:solidFill>
-            <a:prstDash val="dash"/>
-          </a:ln>
-        </p:spPr>
-        <p:style>
-          <a:lnRef idx="1">
-            <a:schemeClr val="accent1"/>
-          </a:lnRef>
-          <a:fillRef idx="0">
-            <a:schemeClr val="accent1"/>
-          </a:fillRef>
-          <a:effectRef idx="0">
-            <a:schemeClr val="accent1"/>
-          </a:effectRef>
-          <a:fontRef idx="minor">
-            <a:schemeClr val="tx1"/>
-          </a:fontRef>
-        </p:style>
-      </p:cxnSp>
-      <p:sp>
-        <p:nvSpPr>
-          <p:cNvPr id="77" name="TextBox 76"/>
-          <p:cNvSpPr txBox="1"/>
-          <p:nvPr/>
-        </p:nvSpPr>
-        <p:spPr>
-          <a:xfrm>
-            <a:off x="3236735" y="3736927"/>
-            <a:ext cx="814647" cy="461665"/>
-          </a:xfrm>
-          <a:prstGeom prst="rect">
-            <a:avLst/>
-          </a:prstGeom>
-          <a:noFill/>
-        </p:spPr>
-        <p:txBody>
-          <a:bodyPr wrap="none" rtlCol="0">
-            <a:spAutoFit/>
-          </a:bodyPr>
-          <a:lstStyle/>
-          <a:p>
-            <a:r>
-              <a:rPr lang="en-CA" sz="1200" dirty="0" smtClean="0"/>
-              <a:t>Encrypted</a:t>
-            </a:r>
-          </a:p>
-          <a:p>
-            <a:r>
-              <a:rPr lang="en-CA" sz="1200" dirty="0" smtClean="0"/>
-              <a:t>Tunnel</a:t>
-            </a:r>
-            <a:endParaRPr lang="en-CA" sz="1200" dirty="0"/>
-          </a:p>
-        </p:txBody>
-      </p:sp>
-      <p:cxnSp>
-        <p:nvCxnSpPr>
-          <p:cNvPr id="78" name="Straight Connector 77"/>
-          <p:cNvCxnSpPr/>
-          <p:nvPr/>
-        </p:nvCxnSpPr>
-        <p:spPr>
-          <a:xfrm flipV="1">
-            <a:off x="4650853" y="1225888"/>
-            <a:ext cx="0" cy="4121836"/>
-          </a:xfrm>
-          <a:prstGeom prst="line">
-            <a:avLst/>
-          </a:prstGeom>
-          <a:ln w="6350">
-            <a:prstDash val="dash"/>
-          </a:ln>
-        </p:spPr>
-        <p:style>
-          <a:lnRef idx="1">
-            <a:schemeClr val="accent1"/>
-          </a:lnRef>
-          <a:fillRef idx="0">
-            <a:schemeClr val="accent1"/>
-          </a:fillRef>
-          <a:effectRef idx="0">
-            <a:schemeClr val="accent1"/>
-          </a:effectRef>
-          <a:fontRef idx="minor">
-            <a:schemeClr val="tx1"/>
-          </a:fontRef>
-        </p:style>
-      </p:cxnSp>
-      <p:sp>
-        <p:nvSpPr>
-          <p:cNvPr id="80" name="Rounded Rectangle 79"/>
-          <p:cNvSpPr/>
-          <p:nvPr/>
-        </p:nvSpPr>
-        <p:spPr>
-          <a:xfrm>
-            <a:off x="5796136" y="1228600"/>
-            <a:ext cx="1692188" cy="360040"/>
-          </a:xfrm>
-          <a:prstGeom prst="roundRect">
-            <a:avLst>
-              <a:gd name="adj" fmla="val 37657"/>
-            </a:avLst>
-          </a:prstGeom>
-          <a:ln w="6350"/>
-        </p:spPr>
-        <p:style>
-          <a:lnRef idx="2">
-            <a:schemeClr val="accent3">
-              <a:shade val="50000"/>
-            </a:schemeClr>
-          </a:lnRef>
-          <a:fillRef idx="1">
-            <a:schemeClr val="accent3"/>
-          </a:fillRef>
-          <a:effectRef idx="0">
-            <a:schemeClr val="accent3"/>
-          </a:effectRef>
-          <a:fontRef idx="minor">
-            <a:schemeClr val="lt1"/>
-          </a:fontRef>
-        </p:style>
-        <p:txBody>
-          <a:bodyPr rtlCol="0" anchor="ctr"/>
-          <a:lstStyle/>
-          <a:p>
-            <a:pPr algn="ctr"/>
-            <a:r>
-              <a:rPr lang="en-CA" sz="1000" dirty="0" smtClean="0">
-                <a:solidFill>
-                  <a:schemeClr val="tx1"/>
-                </a:solidFill>
-              </a:rPr>
-              <a:t>Elektron Distribution</a:t>
-            </a:r>
-          </a:p>
-          <a:p>
-            <a:pPr algn="ctr"/>
-            <a:r>
-              <a:rPr lang="en-CA" sz="1000" dirty="0" smtClean="0">
-                <a:solidFill>
-                  <a:schemeClr val="tx1"/>
-                </a:solidFill>
-              </a:rPr>
-              <a:t>POP</a:t>
-            </a:r>
-            <a:endParaRPr lang="en-CA" sz="1000" dirty="0">
-              <a:solidFill>
-                <a:schemeClr val="tx1"/>
-              </a:solidFill>
-            </a:endParaRPr>
-          </a:p>
-        </p:txBody>
-      </p:sp>
-      <p:cxnSp>
-        <p:nvCxnSpPr>
-          <p:cNvPr id="82" name="Elbow Connector 81"/>
-          <p:cNvCxnSpPr>
-            <a:stCxn id="7" idx="0"/>
-            <a:endCxn id="80" idx="0"/>
-          </p:cNvCxnSpPr>
-          <p:nvPr/>
-        </p:nvCxnSpPr>
-        <p:spPr>
-          <a:xfrm>
-            <a:off x="5944837" y="418879"/>
-            <a:ext cx="697393" cy="809721"/>
-          </a:xfrm>
-          <a:prstGeom prst="bentConnector2">
-            <a:avLst/>
-          </a:prstGeom>
-          <a:ln>
-            <a:tailEnd type="arrow"/>
-          </a:ln>
-        </p:spPr>
-        <p:style>
-          <a:lnRef idx="1">
-            <a:schemeClr val="accent1"/>
-          </a:lnRef>
-          <a:fillRef idx="0">
-            <a:schemeClr val="accent1"/>
-          </a:fillRef>
-          <a:effectRef idx="0">
-            <a:schemeClr val="accent1"/>
-          </a:effectRef>
-          <a:fontRef idx="minor">
-            <a:schemeClr val="tx1"/>
-          </a:fontRef>
-        </p:style>
-      </p:cxnSp>
-      <p:sp>
-        <p:nvSpPr>
-          <p:cNvPr id="84" name="Cloud 83"/>
-          <p:cNvSpPr/>
-          <p:nvPr/>
-        </p:nvSpPr>
-        <p:spPr>
-          <a:xfrm>
-            <a:off x="5814138" y="2471107"/>
-            <a:ext cx="1926214" cy="720080"/>
-          </a:xfrm>
-          <a:prstGeom prst="cloud">
-            <a:avLst/>
-          </a:prstGeom>
-          <a:ln w="6350"/>
-        </p:spPr>
-        <p:style>
-          <a:lnRef idx="2">
-            <a:schemeClr val="accent3"/>
-          </a:lnRef>
-          <a:fillRef idx="1">
-            <a:schemeClr val="lt1"/>
-          </a:fillRef>
-          <a:effectRef idx="0">
-            <a:schemeClr val="accent3"/>
-          </a:effectRef>
-          <a:fontRef idx="minor">
-            <a:schemeClr val="dk1"/>
-          </a:fontRef>
-        </p:style>
-        <p:txBody>
-          <a:bodyPr rtlCol="0" anchor="ctr"/>
-          <a:lstStyle/>
-          <a:p>
-            <a:pPr algn="ctr"/>
-            <a:r>
-              <a:rPr lang="en-CA" sz="1200" dirty="0" smtClean="0">
-                <a:solidFill>
-                  <a:schemeClr val="tx1"/>
-                </a:solidFill>
-              </a:rPr>
-              <a:t>Delivery Direct / Internet</a:t>
-            </a:r>
-            <a:endParaRPr lang="en-CA" sz="1200" dirty="0">
-              <a:solidFill>
-                <a:schemeClr val="tx1"/>
-              </a:solidFill>
-            </a:endParaRPr>
-          </a:p>
-        </p:txBody>
-      </p:sp>
-      <p:cxnSp>
-        <p:nvCxnSpPr>
-          <p:cNvPr id="85" name="Straight Connector 84"/>
-          <p:cNvCxnSpPr/>
-          <p:nvPr/>
-        </p:nvCxnSpPr>
-        <p:spPr>
-          <a:xfrm>
-            <a:off x="4932040" y="3695243"/>
-            <a:ext cx="3673604" cy="0"/>
-          </a:xfrm>
-          <a:prstGeom prst="line">
-            <a:avLst/>
-          </a:prstGeom>
-          <a:ln w="6350">
-            <a:prstDash val="dash"/>
-          </a:ln>
-        </p:spPr>
-        <p:style>
-          <a:lnRef idx="1">
-            <a:schemeClr val="accent1"/>
-          </a:lnRef>
-          <a:fillRef idx="0">
-            <a:schemeClr val="accent1"/>
-          </a:fillRef>
-          <a:effectRef idx="0">
-            <a:schemeClr val="accent1"/>
-          </a:effectRef>
-          <a:fontRef idx="minor">
-            <a:schemeClr val="tx1"/>
-          </a:fontRef>
-        </p:style>
-      </p:cxnSp>
-      <p:cxnSp>
-        <p:nvCxnSpPr>
-          <p:cNvPr id="87" name="Straight Arrow Connector 86"/>
-          <p:cNvCxnSpPr/>
-          <p:nvPr/>
-        </p:nvCxnSpPr>
-        <p:spPr>
-          <a:xfrm flipH="1">
-            <a:off x="6642230" y="1581349"/>
-            <a:ext cx="0" cy="3106491"/>
-          </a:xfrm>
-          <a:prstGeom prst="straightConnector1">
-            <a:avLst/>
-          </a:prstGeom>
-          <a:ln>
-            <a:solidFill>
-              <a:schemeClr val="accent1">
-                <a:shade val="95000"/>
-                <a:satMod val="105000"/>
-                <a:alpha val="49000"/>
-              </a:schemeClr>
-            </a:solidFill>
-            <a:tailEnd type="arrow"/>
-          </a:ln>
-        </p:spPr>
-        <p:style>
-          <a:lnRef idx="1">
-            <a:schemeClr val="accent1"/>
-          </a:lnRef>
-          <a:fillRef idx="0">
-            <a:schemeClr val="accent1"/>
-          </a:fillRef>
-          <a:effectRef idx="0">
-            <a:schemeClr val="accent1"/>
-          </a:effectRef>
-          <a:fontRef idx="minor">
-            <a:schemeClr val="tx1"/>
-          </a:fontRef>
-        </p:style>
-      </p:cxnSp>
-      <p:sp>
-        <p:nvSpPr>
-          <p:cNvPr id="89" name="TextBox 88"/>
-          <p:cNvSpPr txBox="1"/>
-          <p:nvPr/>
-        </p:nvSpPr>
-        <p:spPr>
-          <a:xfrm>
-            <a:off x="5868332" y="4776300"/>
-            <a:ext cx="1547796" cy="461665"/>
-          </a:xfrm>
-          <a:prstGeom prst="rect">
-            <a:avLst/>
-          </a:prstGeom>
-          <a:noFill/>
-        </p:spPr>
-        <p:txBody>
-          <a:bodyPr wrap="none" rtlCol="0">
-            <a:spAutoFit/>
-          </a:bodyPr>
-          <a:lstStyle/>
-          <a:p>
-            <a:r>
-              <a:rPr lang="en-CA" sz="1200" dirty="0" smtClean="0"/>
-              <a:t>Data distributors and </a:t>
-            </a:r>
-          </a:p>
-          <a:p>
-            <a:pPr algn="ctr"/>
-            <a:r>
-              <a:rPr lang="en-CA" sz="1200" dirty="0" smtClean="0"/>
-              <a:t>consumers</a:t>
-            </a:r>
-            <a:endParaRPr lang="en-CA" sz="1200" dirty="0"/>
-          </a:p>
-        </p:txBody>
-      </p:sp>
-      <p:sp>
-        <p:nvSpPr>
-          <p:cNvPr id="39" name="Rounded Rectangle 38"/>
-          <p:cNvSpPr/>
-          <p:nvPr/>
-        </p:nvSpPr>
-        <p:spPr>
-          <a:xfrm>
-            <a:off x="323528" y="5661248"/>
-            <a:ext cx="1152128" cy="432048"/>
-          </a:xfrm>
-          <a:prstGeom prst="roundRect">
-            <a:avLst/>
-          </a:prstGeom>
-          <a:solidFill>
-            <a:schemeClr val="accent1">
-              <a:lumMod val="60000"/>
-              <a:lumOff val="40000"/>
-            </a:schemeClr>
-          </a:solidFill>
-          <a:ln w="6350"/>
-        </p:spPr>
-        <p:style>
-          <a:lnRef idx="2">
-            <a:schemeClr val="accent1">
-              <a:shade val="50000"/>
-            </a:schemeClr>
-          </a:lnRef>
-          <a:fillRef idx="1">
-            <a:schemeClr val="accent1"/>
-          </a:fillRef>
-          <a:effectRef idx="0">
-            <a:schemeClr val="accent1"/>
-          </a:effectRef>
-          <a:fontRef idx="minor">
-            <a:schemeClr val="lt1"/>
-          </a:fontRef>
-        </p:style>
-        <p:txBody>
-          <a:bodyPr wrap="none" rtlCol="0" anchor="ctr"/>
-          <a:lstStyle/>
-          <a:p>
-            <a:pPr algn="ctr"/>
-            <a:r>
-              <a:rPr lang="en-CA" sz="1200" dirty="0" smtClean="0">
-                <a:solidFill>
-                  <a:schemeClr val="tx1"/>
-                </a:solidFill>
-              </a:rPr>
-              <a:t>WebSocket</a:t>
-            </a:r>
-            <a:endParaRPr lang="en-CA" sz="1200" dirty="0" smtClean="0">
-              <a:solidFill>
-                <a:schemeClr val="tx1"/>
-              </a:solidFill>
-            </a:endParaRPr>
-          </a:p>
-          <a:p>
-            <a:pPr algn="ctr"/>
-            <a:r>
-              <a:rPr lang="en-CA" sz="1200" dirty="0" smtClean="0">
-                <a:solidFill>
-                  <a:schemeClr val="tx1"/>
-                </a:solidFill>
-              </a:rPr>
-              <a:t>Application</a:t>
-            </a:r>
-          </a:p>
-        </p:txBody>
-      </p:sp>
-      <p:cxnSp>
-        <p:nvCxnSpPr>
-          <p:cNvPr id="42" name="Straight Connector 41"/>
-          <p:cNvCxnSpPr>
-            <a:stCxn id="39" idx="0"/>
-            <a:endCxn id="13" idx="2"/>
-          </p:cNvCxnSpPr>
-          <p:nvPr/>
-        </p:nvCxnSpPr>
-        <p:spPr>
-          <a:xfrm flipV="1">
-            <a:off x="899592" y="5347724"/>
-            <a:ext cx="627552" cy="313524"/>
-          </a:xfrm>
-          <a:prstGeom prst="line">
-            <a:avLst/>
-          </a:prstGeom>
-          <a:ln>
-            <a:prstDash val="solid"/>
-          </a:ln>
         </p:spPr>
         <p:style>
           <a:lnRef idx="1">
@@ -6615,1614 +6684,9 @@
     </p:spTree>
     <p:extLst>
       <p:ext uri="{BB962C8B-B14F-4D97-AF65-F5344CB8AC3E}">
-        <p14:creationId xmlns:p14="http://schemas.microsoft.com/office/powerpoint/2010/main" xmlns="" val="3860558974"/>
+        <p14:creationId xmlns:p14="http://schemas.microsoft.com/office/powerpoint/2010/main" val="3860558974"/>
       </p:ext>
     </p:extLst>
-  </p:cSld>
-  <p:clrMapOvr>
-    <a:masterClrMapping/>
-  </p:clrMapOvr>
-</p:sld>
-</file>
-
-<file path=ppt/slides/slide3.xml><?xml version="1.0" encoding="utf-8"?>
-<p:sld xmlns:a="http://schemas.openxmlformats.org/drawingml/2006/main" xmlns:r="http://schemas.openxmlformats.org/officeDocument/2006/relationships" xmlns:p="http://schemas.openxmlformats.org/presentationml/2006/main">
-  <p:cSld>
-    <p:spTree>
-      <p:nvGrpSpPr>
-        <p:cNvPr id="1" name=""/>
-        <p:cNvGrpSpPr/>
-        <p:nvPr/>
-      </p:nvGrpSpPr>
-      <p:grpSpPr>
-        <a:xfrm>
-          <a:off x="0" y="0"/>
-          <a:ext cx="0" cy="0"/>
-          <a:chOff x="0" y="0"/>
-          <a:chExt cx="0" cy="0"/>
-        </a:xfrm>
-      </p:grpSpPr>
-      <p:sp>
-        <p:nvSpPr>
-          <p:cNvPr id="4" name="Cloud 3"/>
-          <p:cNvSpPr/>
-          <p:nvPr/>
-        </p:nvSpPr>
-        <p:spPr>
-          <a:xfrm>
-            <a:off x="3505200" y="152400"/>
-            <a:ext cx="2590800" cy="762000"/>
-          </a:xfrm>
-          <a:prstGeom prst="cloud">
-            <a:avLst/>
-          </a:prstGeom>
-          <a:solidFill>
-            <a:schemeClr val="bg1">
-              <a:lumMod val="65000"/>
-            </a:schemeClr>
-          </a:solidFill>
-          <a:ln w="12700">
-            <a:solidFill>
-              <a:schemeClr val="accent1">
-                <a:shade val="50000"/>
-              </a:schemeClr>
-            </a:solidFill>
-          </a:ln>
-        </p:spPr>
-        <p:style>
-          <a:lnRef idx="2">
-            <a:schemeClr val="accent1">
-              <a:shade val="50000"/>
-            </a:schemeClr>
-          </a:lnRef>
-          <a:fillRef idx="1">
-            <a:schemeClr val="accent1"/>
-          </a:fillRef>
-          <a:effectRef idx="0">
-            <a:schemeClr val="accent1"/>
-          </a:effectRef>
-          <a:fontRef idx="minor">
-            <a:schemeClr val="lt1"/>
-          </a:fontRef>
-        </p:style>
-        <p:txBody>
-          <a:bodyPr rtlCol="0" anchor="ctr"/>
-          <a:lstStyle/>
-          <a:p>
-            <a:pPr algn="ctr"/>
-            <a:r>
-              <a:rPr lang="en-US" sz="1400" dirty="0" smtClean="0">
-                <a:solidFill>
-                  <a:schemeClr val="tx1"/>
-                </a:solidFill>
-              </a:rPr>
-              <a:t>Elektron Core</a:t>
-            </a:r>
-            <a:endParaRPr lang="en-US" sz="1400" dirty="0">
-              <a:solidFill>
-                <a:schemeClr val="tx1"/>
-              </a:solidFill>
-            </a:endParaRPr>
-          </a:p>
-        </p:txBody>
-      </p:sp>
-      <p:sp>
-        <p:nvSpPr>
-          <p:cNvPr id="8" name="Rounded Rectangle 7"/>
-          <p:cNvSpPr/>
-          <p:nvPr/>
-        </p:nvSpPr>
-        <p:spPr>
-          <a:xfrm>
-            <a:off x="685800" y="838200"/>
-            <a:ext cx="2362200" cy="381000"/>
-          </a:xfrm>
-          <a:prstGeom prst="roundRect">
-            <a:avLst/>
-          </a:prstGeom>
-          <a:solidFill>
-            <a:schemeClr val="accent6"/>
-          </a:solidFill>
-          <a:ln>
-            <a:noFill/>
-          </a:ln>
-        </p:spPr>
-        <p:style>
-          <a:lnRef idx="2">
-            <a:schemeClr val="accent1">
-              <a:shade val="50000"/>
-            </a:schemeClr>
-          </a:lnRef>
-          <a:fillRef idx="1">
-            <a:schemeClr val="accent1"/>
-          </a:fillRef>
-          <a:effectRef idx="0">
-            <a:schemeClr val="accent1"/>
-          </a:effectRef>
-          <a:fontRef idx="minor">
-            <a:schemeClr val="lt1"/>
-          </a:fontRef>
-        </p:style>
-        <p:txBody>
-          <a:bodyPr rtlCol="0" anchor="ctr"/>
-          <a:lstStyle/>
-          <a:p>
-            <a:pPr algn="ctr"/>
-            <a:r>
-              <a:rPr lang="en-US" sz="1200" dirty="0" smtClean="0">
-                <a:solidFill>
-                  <a:schemeClr val="tx1"/>
-                </a:solidFill>
-              </a:rPr>
-              <a:t>Collections Head End</a:t>
-            </a:r>
-            <a:endParaRPr lang="en-US" sz="1200" dirty="0">
-              <a:solidFill>
-                <a:schemeClr val="tx1"/>
-              </a:solidFill>
-            </a:endParaRPr>
-          </a:p>
-        </p:txBody>
-      </p:sp>
-      <p:sp>
-        <p:nvSpPr>
-          <p:cNvPr id="9" name="Rounded Rectangle 8"/>
-          <p:cNvSpPr/>
-          <p:nvPr/>
-        </p:nvSpPr>
-        <p:spPr>
-          <a:xfrm>
-            <a:off x="685800" y="1447800"/>
-            <a:ext cx="2362200" cy="381000"/>
-          </a:xfrm>
-          <a:prstGeom prst="roundRect">
-            <a:avLst/>
-          </a:prstGeom>
-          <a:solidFill>
-            <a:schemeClr val="accent3">
-              <a:lumMod val="60000"/>
-              <a:lumOff val="40000"/>
-            </a:schemeClr>
-          </a:solidFill>
-          <a:ln>
-            <a:noFill/>
-          </a:ln>
-        </p:spPr>
-        <p:style>
-          <a:lnRef idx="2">
-            <a:schemeClr val="accent1">
-              <a:shade val="50000"/>
-            </a:schemeClr>
-          </a:lnRef>
-          <a:fillRef idx="1">
-            <a:schemeClr val="accent1"/>
-          </a:fillRef>
-          <a:effectRef idx="0">
-            <a:schemeClr val="accent1"/>
-          </a:effectRef>
-          <a:fontRef idx="minor">
-            <a:schemeClr val="lt1"/>
-          </a:fontRef>
-        </p:style>
-        <p:txBody>
-          <a:bodyPr rtlCol="0" anchor="ctr"/>
-          <a:lstStyle/>
-          <a:p>
-            <a:pPr algn="ctr"/>
-            <a:r>
-              <a:rPr lang="en-US" sz="1200" dirty="0" smtClean="0">
-                <a:solidFill>
-                  <a:schemeClr val="tx1"/>
-                </a:solidFill>
-              </a:rPr>
-              <a:t>Contribution Services Gateway</a:t>
-            </a:r>
-            <a:endParaRPr lang="en-US" sz="1200" dirty="0">
-              <a:solidFill>
-                <a:schemeClr val="tx1"/>
-              </a:solidFill>
-            </a:endParaRPr>
-          </a:p>
-        </p:txBody>
-      </p:sp>
-      <p:sp>
-        <p:nvSpPr>
-          <p:cNvPr id="10" name="Rounded Rectangle 9"/>
-          <p:cNvSpPr/>
-          <p:nvPr/>
-        </p:nvSpPr>
-        <p:spPr>
-          <a:xfrm>
-            <a:off x="457200" y="2133600"/>
-            <a:ext cx="2819400" cy="685800"/>
-          </a:xfrm>
-          <a:prstGeom prst="roundRect">
-            <a:avLst/>
-          </a:prstGeom>
-          <a:solidFill>
-            <a:schemeClr val="tx2">
-              <a:lumMod val="40000"/>
-              <a:lumOff val="60000"/>
-            </a:schemeClr>
-          </a:solidFill>
-          <a:ln>
-            <a:noFill/>
-          </a:ln>
-        </p:spPr>
-        <p:style>
-          <a:lnRef idx="2">
-            <a:schemeClr val="accent1">
-              <a:shade val="50000"/>
-            </a:schemeClr>
-          </a:lnRef>
-          <a:fillRef idx="1">
-            <a:schemeClr val="accent1"/>
-          </a:fillRef>
-          <a:effectRef idx="0">
-            <a:schemeClr val="accent1"/>
-          </a:effectRef>
-          <a:fontRef idx="minor">
-            <a:schemeClr val="lt1"/>
-          </a:fontRef>
-        </p:style>
-        <p:txBody>
-          <a:bodyPr rtlCol="0" anchor="ctr"/>
-          <a:lstStyle/>
-          <a:p>
-            <a:pPr algn="ctr"/>
-            <a:r>
-              <a:rPr lang="en-US" sz="1400" dirty="0" smtClean="0">
-                <a:solidFill>
-                  <a:schemeClr val="tx1"/>
-                </a:solidFill>
-              </a:rPr>
-              <a:t>Contributions Channel Server Cluster</a:t>
-            </a:r>
-            <a:endParaRPr lang="en-US" sz="1400" dirty="0">
-              <a:solidFill>
-                <a:schemeClr val="tx1"/>
-              </a:solidFill>
-            </a:endParaRPr>
-          </a:p>
-        </p:txBody>
-      </p:sp>
-      <p:sp>
-        <p:nvSpPr>
-          <p:cNvPr id="11" name="Cloud 10"/>
-          <p:cNvSpPr/>
-          <p:nvPr/>
-        </p:nvSpPr>
-        <p:spPr>
-          <a:xfrm>
-            <a:off x="685800" y="2971800"/>
-            <a:ext cx="2209800" cy="457200"/>
-          </a:xfrm>
-          <a:prstGeom prst="cloud">
-            <a:avLst/>
-          </a:prstGeom>
-          <a:noFill/>
-          <a:ln w="12700">
-            <a:solidFill>
-              <a:schemeClr val="accent3">
-                <a:lumMod val="50000"/>
-              </a:schemeClr>
-            </a:solidFill>
-          </a:ln>
-        </p:spPr>
-        <p:style>
-          <a:lnRef idx="2">
-            <a:schemeClr val="accent1">
-              <a:shade val="50000"/>
-            </a:schemeClr>
-          </a:lnRef>
-          <a:fillRef idx="1">
-            <a:schemeClr val="accent1"/>
-          </a:fillRef>
-          <a:effectRef idx="0">
-            <a:schemeClr val="accent1"/>
-          </a:effectRef>
-          <a:fontRef idx="minor">
-            <a:schemeClr val="lt1"/>
-          </a:fontRef>
-        </p:style>
-        <p:txBody>
-          <a:bodyPr rtlCol="0" anchor="ctr"/>
-          <a:lstStyle/>
-          <a:p>
-            <a:pPr algn="ctr"/>
-            <a:r>
-              <a:rPr lang="en-US" sz="1400" dirty="0" smtClean="0">
-                <a:solidFill>
-                  <a:schemeClr val="tx1"/>
-                </a:solidFill>
-              </a:rPr>
-              <a:t>Delivery </a:t>
-            </a:r>
-            <a:br>
-              <a:rPr lang="en-US" sz="1400" dirty="0" smtClean="0">
-                <a:solidFill>
-                  <a:schemeClr val="tx1"/>
-                </a:solidFill>
-              </a:rPr>
-            </a:br>
-            <a:r>
-              <a:rPr lang="en-US" sz="1400" dirty="0" smtClean="0">
-                <a:solidFill>
-                  <a:schemeClr val="tx1"/>
-                </a:solidFill>
-              </a:rPr>
-              <a:t>Direct</a:t>
-            </a:r>
-            <a:endParaRPr lang="en-US" sz="1400" dirty="0">
-              <a:solidFill>
-                <a:schemeClr val="tx1"/>
-              </a:solidFill>
-            </a:endParaRPr>
-          </a:p>
-        </p:txBody>
-      </p:sp>
-      <p:sp>
-        <p:nvSpPr>
-          <p:cNvPr id="12" name="Rounded Rectangle 11"/>
-          <p:cNvSpPr/>
-          <p:nvPr/>
-        </p:nvSpPr>
-        <p:spPr>
-          <a:xfrm>
-            <a:off x="1295400" y="3810000"/>
-            <a:ext cx="1143000" cy="609600"/>
-          </a:xfrm>
-          <a:prstGeom prst="roundRect">
-            <a:avLst/>
-          </a:prstGeom>
-          <a:solidFill>
-            <a:schemeClr val="accent6">
-              <a:lumMod val="75000"/>
-            </a:schemeClr>
-          </a:solidFill>
-          <a:ln>
-            <a:noFill/>
-          </a:ln>
-        </p:spPr>
-        <p:style>
-          <a:lnRef idx="2">
-            <a:schemeClr val="accent1">
-              <a:shade val="50000"/>
-            </a:schemeClr>
-          </a:lnRef>
-          <a:fillRef idx="1">
-            <a:schemeClr val="accent1"/>
-          </a:fillRef>
-          <a:effectRef idx="0">
-            <a:schemeClr val="accent1"/>
-          </a:effectRef>
-          <a:fontRef idx="minor">
-            <a:schemeClr val="lt1"/>
-          </a:fontRef>
-        </p:style>
-        <p:txBody>
-          <a:bodyPr rtlCol="0" anchor="ctr"/>
-          <a:lstStyle/>
-          <a:p>
-            <a:pPr algn="ctr"/>
-            <a:r>
-              <a:rPr lang="en-US" sz="1400" dirty="0" smtClean="0">
-                <a:solidFill>
-                  <a:schemeClr val="tx1"/>
-                </a:solidFill>
-              </a:rPr>
-              <a:t>ADH</a:t>
-            </a:r>
-            <a:endParaRPr lang="en-US" sz="1400" dirty="0">
-              <a:solidFill>
-                <a:schemeClr val="tx1"/>
-              </a:solidFill>
-            </a:endParaRPr>
-          </a:p>
-        </p:txBody>
-      </p:sp>
-      <p:sp>
-        <p:nvSpPr>
-          <p:cNvPr id="14" name="Rounded Rectangle 13"/>
-          <p:cNvSpPr/>
-          <p:nvPr/>
-        </p:nvSpPr>
-        <p:spPr>
-          <a:xfrm>
-            <a:off x="1295400" y="4648200"/>
-            <a:ext cx="1143000" cy="609600"/>
-          </a:xfrm>
-          <a:prstGeom prst="roundRect">
-            <a:avLst/>
-          </a:prstGeom>
-          <a:solidFill>
-            <a:schemeClr val="accent6">
-              <a:lumMod val="75000"/>
-            </a:schemeClr>
-          </a:solidFill>
-          <a:ln>
-            <a:noFill/>
-          </a:ln>
-        </p:spPr>
-        <p:style>
-          <a:lnRef idx="2">
-            <a:schemeClr val="accent1">
-              <a:shade val="50000"/>
-            </a:schemeClr>
-          </a:lnRef>
-          <a:fillRef idx="1">
-            <a:schemeClr val="accent1"/>
-          </a:fillRef>
-          <a:effectRef idx="0">
-            <a:schemeClr val="accent1"/>
-          </a:effectRef>
-          <a:fontRef idx="minor">
-            <a:schemeClr val="lt1"/>
-          </a:fontRef>
-        </p:style>
-        <p:txBody>
-          <a:bodyPr rtlCol="0" anchor="ctr"/>
-          <a:lstStyle/>
-          <a:p>
-            <a:pPr algn="ctr"/>
-            <a:r>
-              <a:rPr lang="en-US" sz="1400" dirty="0" smtClean="0">
-                <a:solidFill>
-                  <a:schemeClr val="tx1"/>
-                </a:solidFill>
-              </a:rPr>
-              <a:t>ADS</a:t>
-            </a:r>
-            <a:endParaRPr lang="en-US" sz="1400" dirty="0">
-              <a:solidFill>
-                <a:schemeClr val="tx1"/>
-              </a:solidFill>
-            </a:endParaRPr>
-          </a:p>
-        </p:txBody>
-      </p:sp>
-      <p:sp>
-        <p:nvSpPr>
-          <p:cNvPr id="15" name="Rounded Rectangle 14"/>
-          <p:cNvSpPr/>
-          <p:nvPr/>
-        </p:nvSpPr>
-        <p:spPr>
-          <a:xfrm>
-            <a:off x="1295400" y="5715000"/>
-            <a:ext cx="1143000" cy="609600"/>
-          </a:xfrm>
-          <a:prstGeom prst="roundRect">
-            <a:avLst/>
-          </a:prstGeom>
-          <a:solidFill>
-            <a:schemeClr val="tx2">
-              <a:lumMod val="60000"/>
-              <a:lumOff val="40000"/>
-            </a:schemeClr>
-          </a:solidFill>
-          <a:ln>
-            <a:noFill/>
-          </a:ln>
-        </p:spPr>
-        <p:style>
-          <a:lnRef idx="2">
-            <a:schemeClr val="accent1">
-              <a:shade val="50000"/>
-            </a:schemeClr>
-          </a:lnRef>
-          <a:fillRef idx="1">
-            <a:schemeClr val="accent1"/>
-          </a:fillRef>
-          <a:effectRef idx="0">
-            <a:schemeClr val="accent1"/>
-          </a:effectRef>
-          <a:fontRef idx="minor">
-            <a:schemeClr val="lt1"/>
-          </a:fontRef>
-        </p:style>
-        <p:txBody>
-          <a:bodyPr rtlCol="0" anchor="ctr"/>
-          <a:lstStyle/>
-          <a:p>
-            <a:pPr algn="ctr"/>
-            <a:r>
-              <a:rPr lang="en-US" sz="1400" dirty="0" smtClean="0">
-                <a:solidFill>
-                  <a:schemeClr val="tx1"/>
-                </a:solidFill>
-              </a:rPr>
-              <a:t>WebSocket Application</a:t>
-            </a:r>
-            <a:endParaRPr lang="en-US" sz="1400" dirty="0">
-              <a:solidFill>
-                <a:schemeClr val="tx1"/>
-              </a:solidFill>
-            </a:endParaRPr>
-          </a:p>
-        </p:txBody>
-      </p:sp>
-      <p:cxnSp>
-        <p:nvCxnSpPr>
-          <p:cNvPr id="16" name="Straight Connector 15"/>
-          <p:cNvCxnSpPr>
-            <a:stCxn id="15" idx="0"/>
-            <a:endCxn id="14" idx="2"/>
-          </p:cNvCxnSpPr>
-          <p:nvPr/>
-        </p:nvCxnSpPr>
-        <p:spPr>
-          <a:xfrm flipV="1">
-            <a:off x="1866900" y="5257800"/>
-            <a:ext cx="0" cy="457200"/>
-          </a:xfrm>
-          <a:prstGeom prst="line">
-            <a:avLst/>
-          </a:prstGeom>
-        </p:spPr>
-        <p:style>
-          <a:lnRef idx="1">
-            <a:schemeClr val="accent1"/>
-          </a:lnRef>
-          <a:fillRef idx="0">
-            <a:schemeClr val="accent1"/>
-          </a:fillRef>
-          <a:effectRef idx="0">
-            <a:schemeClr val="accent1"/>
-          </a:effectRef>
-          <a:fontRef idx="minor">
-            <a:schemeClr val="tx1"/>
-          </a:fontRef>
-        </p:style>
-      </p:cxnSp>
-      <p:cxnSp>
-        <p:nvCxnSpPr>
-          <p:cNvPr id="18" name="Straight Connector 17"/>
-          <p:cNvCxnSpPr>
-            <a:stCxn id="14" idx="0"/>
-            <a:endCxn id="12" idx="2"/>
-          </p:cNvCxnSpPr>
-          <p:nvPr/>
-        </p:nvCxnSpPr>
-        <p:spPr>
-          <a:xfrm flipV="1">
-            <a:off x="1866900" y="4419600"/>
-            <a:ext cx="0" cy="228600"/>
-          </a:xfrm>
-          <a:prstGeom prst="line">
-            <a:avLst/>
-          </a:prstGeom>
-        </p:spPr>
-        <p:style>
-          <a:lnRef idx="1">
-            <a:schemeClr val="accent1"/>
-          </a:lnRef>
-          <a:fillRef idx="0">
-            <a:schemeClr val="accent1"/>
-          </a:fillRef>
-          <a:effectRef idx="0">
-            <a:schemeClr val="accent1"/>
-          </a:effectRef>
-          <a:fontRef idx="minor">
-            <a:schemeClr val="tx1"/>
-          </a:fontRef>
-        </p:style>
-      </p:cxnSp>
-      <p:sp>
-        <p:nvSpPr>
-          <p:cNvPr id="19" name="Oval 18"/>
-          <p:cNvSpPr/>
-          <p:nvPr/>
-        </p:nvSpPr>
-        <p:spPr>
-          <a:xfrm>
-            <a:off x="1524000" y="3733800"/>
-            <a:ext cx="685800" cy="228600"/>
-          </a:xfrm>
-          <a:prstGeom prst="ellipse">
-            <a:avLst/>
-          </a:prstGeom>
-          <a:solidFill>
-            <a:srgbClr val="00B050"/>
-          </a:solidFill>
-          <a:ln>
-            <a:noFill/>
-          </a:ln>
-        </p:spPr>
-        <p:style>
-          <a:lnRef idx="2">
-            <a:schemeClr val="accent1">
-              <a:shade val="50000"/>
-            </a:schemeClr>
-          </a:lnRef>
-          <a:fillRef idx="1">
-            <a:schemeClr val="accent1"/>
-          </a:fillRef>
-          <a:effectRef idx="0">
-            <a:schemeClr val="accent1"/>
-          </a:effectRef>
-          <a:fontRef idx="minor">
-            <a:schemeClr val="lt1"/>
-          </a:fontRef>
-        </p:style>
-        <p:txBody>
-          <a:bodyPr rtlCol="0" anchor="ctr"/>
-          <a:lstStyle/>
-          <a:p>
-            <a:pPr algn="ctr"/>
-            <a:r>
-              <a:rPr lang="en-US" sz="1200" dirty="0" smtClean="0">
-                <a:solidFill>
-                  <a:schemeClr val="tx1"/>
-                </a:solidFill>
-              </a:rPr>
-              <a:t>TSA</a:t>
-            </a:r>
-            <a:endParaRPr lang="en-US" sz="1200" dirty="0">
-              <a:solidFill>
-                <a:schemeClr val="tx1"/>
-              </a:solidFill>
-            </a:endParaRPr>
-          </a:p>
-        </p:txBody>
-      </p:sp>
-      <p:cxnSp>
-        <p:nvCxnSpPr>
-          <p:cNvPr id="21" name="Straight Connector 20"/>
-          <p:cNvCxnSpPr>
-            <a:stCxn id="19" idx="0"/>
-            <a:endCxn id="10" idx="2"/>
-          </p:cNvCxnSpPr>
-          <p:nvPr/>
-        </p:nvCxnSpPr>
-        <p:spPr>
-          <a:xfrm flipV="1">
-            <a:off x="1866900" y="2819400"/>
-            <a:ext cx="0" cy="914400"/>
-          </a:xfrm>
-          <a:prstGeom prst="line">
-            <a:avLst/>
-          </a:prstGeom>
-        </p:spPr>
-        <p:style>
-          <a:lnRef idx="1">
-            <a:schemeClr val="accent1"/>
-          </a:lnRef>
-          <a:fillRef idx="0">
-            <a:schemeClr val="accent1"/>
-          </a:fillRef>
-          <a:effectRef idx="0">
-            <a:schemeClr val="accent1"/>
-          </a:effectRef>
-          <a:fontRef idx="minor">
-            <a:schemeClr val="tx1"/>
-          </a:fontRef>
-        </p:style>
-      </p:cxnSp>
-      <p:cxnSp>
-        <p:nvCxnSpPr>
-          <p:cNvPr id="25" name="Straight Connector 24"/>
-          <p:cNvCxnSpPr>
-            <a:stCxn id="10" idx="0"/>
-            <a:endCxn id="9" idx="2"/>
-          </p:cNvCxnSpPr>
-          <p:nvPr/>
-        </p:nvCxnSpPr>
-        <p:spPr>
-          <a:xfrm flipV="1">
-            <a:off x="1866900" y="1828800"/>
-            <a:ext cx="0" cy="304800"/>
-          </a:xfrm>
-          <a:prstGeom prst="line">
-            <a:avLst/>
-          </a:prstGeom>
-        </p:spPr>
-        <p:style>
-          <a:lnRef idx="1">
-            <a:schemeClr val="accent1"/>
-          </a:lnRef>
-          <a:fillRef idx="0">
-            <a:schemeClr val="accent1"/>
-          </a:fillRef>
-          <a:effectRef idx="0">
-            <a:schemeClr val="accent1"/>
-          </a:effectRef>
-          <a:fontRef idx="minor">
-            <a:schemeClr val="tx1"/>
-          </a:fontRef>
-        </p:style>
-      </p:cxnSp>
-      <p:cxnSp>
-        <p:nvCxnSpPr>
-          <p:cNvPr id="28" name="Straight Connector 27"/>
-          <p:cNvCxnSpPr>
-            <a:stCxn id="9" idx="0"/>
-            <a:endCxn id="8" idx="2"/>
-          </p:cNvCxnSpPr>
-          <p:nvPr/>
-        </p:nvCxnSpPr>
-        <p:spPr>
-          <a:xfrm flipV="1">
-            <a:off x="1866900" y="1219200"/>
-            <a:ext cx="0" cy="228600"/>
-          </a:xfrm>
-          <a:prstGeom prst="line">
-            <a:avLst/>
-          </a:prstGeom>
-        </p:spPr>
-        <p:style>
-          <a:lnRef idx="1">
-            <a:schemeClr val="accent1"/>
-          </a:lnRef>
-          <a:fillRef idx="0">
-            <a:schemeClr val="accent1"/>
-          </a:fillRef>
-          <a:effectRef idx="0">
-            <a:schemeClr val="accent1"/>
-          </a:effectRef>
-          <a:fontRef idx="minor">
-            <a:schemeClr val="tx1"/>
-          </a:fontRef>
-        </p:style>
-      </p:cxnSp>
-      <p:cxnSp>
-        <p:nvCxnSpPr>
-          <p:cNvPr id="34" name="Shape 33"/>
-          <p:cNvCxnSpPr>
-            <a:stCxn id="8" idx="0"/>
-            <a:endCxn id="4" idx="2"/>
-          </p:cNvCxnSpPr>
-          <p:nvPr/>
-        </p:nvCxnSpPr>
-        <p:spPr>
-          <a:xfrm rot="5400000" flipH="1" flipV="1">
-            <a:off x="2537668" y="-137368"/>
-            <a:ext cx="304800" cy="1646336"/>
-          </a:xfrm>
-          <a:prstGeom prst="bentConnector2">
-            <a:avLst/>
-          </a:prstGeom>
-          <a:ln>
-            <a:tailEnd type="arrow"/>
-          </a:ln>
-        </p:spPr>
-        <p:style>
-          <a:lnRef idx="1">
-            <a:schemeClr val="accent1"/>
-          </a:lnRef>
-          <a:fillRef idx="0">
-            <a:schemeClr val="accent1"/>
-          </a:fillRef>
-          <a:effectRef idx="0">
-            <a:schemeClr val="accent1"/>
-          </a:effectRef>
-          <a:fontRef idx="minor">
-            <a:schemeClr val="tx1"/>
-          </a:fontRef>
-        </p:style>
-      </p:cxnSp>
-      <p:sp>
-        <p:nvSpPr>
-          <p:cNvPr id="35" name="TextBox 34"/>
-          <p:cNvSpPr txBox="1"/>
-          <p:nvPr/>
-        </p:nvSpPr>
-        <p:spPr>
-          <a:xfrm>
-            <a:off x="1219200" y="6334780"/>
-            <a:ext cx="1295400" cy="523220"/>
-          </a:xfrm>
-          <a:prstGeom prst="rect">
-            <a:avLst/>
-          </a:prstGeom>
-          <a:noFill/>
-        </p:spPr>
-        <p:txBody>
-          <a:bodyPr wrap="square" rtlCol="0">
-            <a:spAutoFit/>
-          </a:bodyPr>
-          <a:lstStyle/>
-          <a:p>
-            <a:pPr algn="ctr"/>
-            <a:r>
-              <a:rPr lang="en-US" sz="1400" dirty="0" smtClean="0"/>
-              <a:t>Contributing through TREP</a:t>
-            </a:r>
-            <a:endParaRPr lang="en-US" sz="1400" dirty="0"/>
-          </a:p>
-        </p:txBody>
-      </p:sp>
-      <p:sp>
-        <p:nvSpPr>
-          <p:cNvPr id="38" name="Rounded Rectangle 37"/>
-          <p:cNvSpPr/>
-          <p:nvPr/>
-        </p:nvSpPr>
-        <p:spPr>
-          <a:xfrm>
-            <a:off x="1219200" y="3657600"/>
-            <a:ext cx="1295400" cy="1752600"/>
-          </a:xfrm>
-          <a:prstGeom prst="roundRect">
-            <a:avLst/>
-          </a:prstGeom>
-          <a:noFill/>
-          <a:ln w="12700">
-            <a:solidFill>
-              <a:schemeClr val="tx1"/>
-            </a:solidFill>
-            <a:prstDash val="dash"/>
-          </a:ln>
-        </p:spPr>
-        <p:style>
-          <a:lnRef idx="2">
-            <a:schemeClr val="accent1">
-              <a:shade val="50000"/>
-            </a:schemeClr>
-          </a:lnRef>
-          <a:fillRef idx="1">
-            <a:schemeClr val="accent1"/>
-          </a:fillRef>
-          <a:effectRef idx="0">
-            <a:schemeClr val="accent1"/>
-          </a:effectRef>
-          <a:fontRef idx="minor">
-            <a:schemeClr val="lt1"/>
-          </a:fontRef>
-        </p:style>
-        <p:txBody>
-          <a:bodyPr rtlCol="0" anchor="ctr"/>
-          <a:lstStyle/>
-          <a:p>
-            <a:pPr algn="ctr"/>
-            <a:endParaRPr lang="en-US"/>
-          </a:p>
-        </p:txBody>
-      </p:sp>
-      <p:sp>
-        <p:nvSpPr>
-          <p:cNvPr id="42" name="Cloud 41"/>
-          <p:cNvSpPr/>
-          <p:nvPr/>
-        </p:nvSpPr>
-        <p:spPr>
-          <a:xfrm>
-            <a:off x="6096000" y="2895600"/>
-            <a:ext cx="2209800" cy="457200"/>
-          </a:xfrm>
-          <a:prstGeom prst="cloud">
-            <a:avLst/>
-          </a:prstGeom>
-          <a:noFill/>
-          <a:ln w="12700">
-            <a:solidFill>
-              <a:schemeClr val="accent3">
-                <a:lumMod val="50000"/>
-              </a:schemeClr>
-            </a:solidFill>
-          </a:ln>
-        </p:spPr>
-        <p:style>
-          <a:lnRef idx="2">
-            <a:schemeClr val="accent1">
-              <a:shade val="50000"/>
-            </a:schemeClr>
-          </a:lnRef>
-          <a:fillRef idx="1">
-            <a:schemeClr val="accent1"/>
-          </a:fillRef>
-          <a:effectRef idx="0">
-            <a:schemeClr val="accent1"/>
-          </a:effectRef>
-          <a:fontRef idx="minor">
-            <a:schemeClr val="lt1"/>
-          </a:fontRef>
-        </p:style>
-        <p:txBody>
-          <a:bodyPr rtlCol="0" anchor="ctr"/>
-          <a:lstStyle/>
-          <a:p>
-            <a:pPr algn="ctr"/>
-            <a:r>
-              <a:rPr lang="en-US" sz="1400" dirty="0" smtClean="0">
-                <a:solidFill>
-                  <a:schemeClr val="tx1"/>
-                </a:solidFill>
-              </a:rPr>
-              <a:t>Delivery </a:t>
-            </a:r>
-            <a:br>
-              <a:rPr lang="en-US" sz="1400" dirty="0" smtClean="0">
-                <a:solidFill>
-                  <a:schemeClr val="tx1"/>
-                </a:solidFill>
-              </a:rPr>
-            </a:br>
-            <a:r>
-              <a:rPr lang="en-US" sz="1400" dirty="0" smtClean="0">
-                <a:solidFill>
-                  <a:schemeClr val="tx1"/>
-                </a:solidFill>
-              </a:rPr>
-              <a:t>Direct/Internet</a:t>
-            </a:r>
-            <a:endParaRPr lang="en-US" sz="1400" dirty="0">
-              <a:solidFill>
-                <a:schemeClr val="tx1"/>
-              </a:solidFill>
-            </a:endParaRPr>
-          </a:p>
-        </p:txBody>
-      </p:sp>
-      <p:sp>
-        <p:nvSpPr>
-          <p:cNvPr id="43" name="Rounded Rectangle 42"/>
-          <p:cNvSpPr/>
-          <p:nvPr/>
-        </p:nvSpPr>
-        <p:spPr>
-          <a:xfrm>
-            <a:off x="6019800" y="1447800"/>
-            <a:ext cx="2362200" cy="381000"/>
-          </a:xfrm>
-          <a:prstGeom prst="roundRect">
-            <a:avLst/>
-          </a:prstGeom>
-          <a:solidFill>
-            <a:schemeClr val="accent3">
-              <a:lumMod val="60000"/>
-              <a:lumOff val="40000"/>
-            </a:schemeClr>
-          </a:solidFill>
-          <a:ln>
-            <a:noFill/>
-          </a:ln>
-        </p:spPr>
-        <p:style>
-          <a:lnRef idx="2">
-            <a:schemeClr val="accent1">
-              <a:shade val="50000"/>
-            </a:schemeClr>
-          </a:lnRef>
-          <a:fillRef idx="1">
-            <a:schemeClr val="accent1"/>
-          </a:fillRef>
-          <a:effectRef idx="0">
-            <a:schemeClr val="accent1"/>
-          </a:effectRef>
-          <a:fontRef idx="minor">
-            <a:schemeClr val="lt1"/>
-          </a:fontRef>
-        </p:style>
-        <p:txBody>
-          <a:bodyPr rtlCol="0" anchor="ctr"/>
-          <a:lstStyle/>
-          <a:p>
-            <a:pPr algn="ctr"/>
-            <a:r>
-              <a:rPr lang="en-US" sz="1200" dirty="0" smtClean="0">
-                <a:solidFill>
-                  <a:schemeClr val="tx1"/>
-                </a:solidFill>
-              </a:rPr>
-              <a:t>Elektron Distribution POP</a:t>
-            </a:r>
-            <a:endParaRPr lang="en-US" sz="1200" dirty="0">
-              <a:solidFill>
-                <a:schemeClr val="tx1"/>
-              </a:solidFill>
-            </a:endParaRPr>
-          </a:p>
-        </p:txBody>
-      </p:sp>
-      <p:sp>
-        <p:nvSpPr>
-          <p:cNvPr id="44" name="TextBox 43"/>
-          <p:cNvSpPr txBox="1"/>
-          <p:nvPr/>
-        </p:nvSpPr>
-        <p:spPr>
-          <a:xfrm>
-            <a:off x="6553200" y="4953000"/>
-            <a:ext cx="1371600" cy="461665"/>
-          </a:xfrm>
-          <a:prstGeom prst="rect">
-            <a:avLst/>
-          </a:prstGeom>
-          <a:noFill/>
-        </p:spPr>
-        <p:txBody>
-          <a:bodyPr wrap="square" rtlCol="0">
-            <a:spAutoFit/>
-          </a:bodyPr>
-          <a:lstStyle/>
-          <a:p>
-            <a:pPr algn="ctr"/>
-            <a:r>
-              <a:rPr lang="en-US" sz="1200" dirty="0" smtClean="0"/>
-              <a:t>Data distributors and consumers</a:t>
-            </a:r>
-            <a:endParaRPr lang="en-US" sz="1200" dirty="0"/>
-          </a:p>
-        </p:txBody>
-      </p:sp>
-      <p:cxnSp>
-        <p:nvCxnSpPr>
-          <p:cNvPr id="46" name="Shape 45"/>
-          <p:cNvCxnSpPr>
-            <a:stCxn id="4" idx="0"/>
-            <a:endCxn id="43" idx="0"/>
-          </p:cNvCxnSpPr>
-          <p:nvPr/>
-        </p:nvCxnSpPr>
-        <p:spPr>
-          <a:xfrm>
-            <a:off x="6093841" y="533400"/>
-            <a:ext cx="1107059" cy="914400"/>
-          </a:xfrm>
-          <a:prstGeom prst="bentConnector2">
-            <a:avLst/>
-          </a:prstGeom>
-          <a:ln>
-            <a:tailEnd type="arrow"/>
-          </a:ln>
-        </p:spPr>
-        <p:style>
-          <a:lnRef idx="1">
-            <a:schemeClr val="accent1"/>
-          </a:lnRef>
-          <a:fillRef idx="0">
-            <a:schemeClr val="accent1"/>
-          </a:fillRef>
-          <a:effectRef idx="0">
-            <a:schemeClr val="accent1"/>
-          </a:effectRef>
-          <a:fontRef idx="minor">
-            <a:schemeClr val="tx1"/>
-          </a:fontRef>
-        </p:style>
-      </p:cxnSp>
-      <p:cxnSp>
-        <p:nvCxnSpPr>
-          <p:cNvPr id="48" name="Straight Arrow Connector 47"/>
-          <p:cNvCxnSpPr>
-            <a:stCxn id="43" idx="2"/>
-            <a:endCxn id="44" idx="0"/>
-          </p:cNvCxnSpPr>
-          <p:nvPr/>
-        </p:nvCxnSpPr>
-        <p:spPr>
-          <a:xfrm>
-            <a:off x="7200900" y="1828800"/>
-            <a:ext cx="38100" cy="3124200"/>
-          </a:xfrm>
-          <a:prstGeom prst="straightConnector1">
-            <a:avLst/>
-          </a:prstGeom>
-          <a:ln>
-            <a:tailEnd type="arrow"/>
-          </a:ln>
-        </p:spPr>
-        <p:style>
-          <a:lnRef idx="1">
-            <a:schemeClr val="accent1"/>
-          </a:lnRef>
-          <a:fillRef idx="0">
-            <a:schemeClr val="accent1"/>
-          </a:fillRef>
-          <a:effectRef idx="0">
-            <a:schemeClr val="accent1"/>
-          </a:effectRef>
-          <a:fontRef idx="minor">
-            <a:schemeClr val="tx1"/>
-          </a:fontRef>
-        </p:style>
-      </p:cxnSp>
-    </p:spTree>
-  </p:cSld>
-  <p:clrMapOvr>
-    <a:masterClrMapping/>
-  </p:clrMapOvr>
-</p:sld>
-</file>
-
-<file path=ppt/slides/slide4.xml><?xml version="1.0" encoding="utf-8"?>
-<p:sld xmlns:a="http://schemas.openxmlformats.org/drawingml/2006/main" xmlns:r="http://schemas.openxmlformats.org/officeDocument/2006/relationships" xmlns:p="http://schemas.openxmlformats.org/presentationml/2006/main">
-  <p:cSld>
-    <p:spTree>
-      <p:nvGrpSpPr>
-        <p:cNvPr id="1" name=""/>
-        <p:cNvGrpSpPr/>
-        <p:nvPr/>
-      </p:nvGrpSpPr>
-      <p:grpSpPr>
-        <a:xfrm>
-          <a:off x="0" y="0"/>
-          <a:ext cx="0" cy="0"/>
-          <a:chOff x="0" y="0"/>
-          <a:chExt cx="0" cy="0"/>
-        </a:xfrm>
-      </p:grpSpPr>
-      <p:sp>
-        <p:nvSpPr>
-          <p:cNvPr id="4" name="Cloud 3"/>
-          <p:cNvSpPr/>
-          <p:nvPr/>
-        </p:nvSpPr>
-        <p:spPr>
-          <a:xfrm>
-            <a:off x="3505200" y="152400"/>
-            <a:ext cx="2590800" cy="762000"/>
-          </a:xfrm>
-          <a:prstGeom prst="cloud">
-            <a:avLst/>
-          </a:prstGeom>
-          <a:solidFill>
-            <a:schemeClr val="bg1">
-              <a:lumMod val="65000"/>
-            </a:schemeClr>
-          </a:solidFill>
-          <a:ln w="12700">
-            <a:solidFill>
-              <a:schemeClr val="accent1">
-                <a:shade val="50000"/>
-              </a:schemeClr>
-            </a:solidFill>
-          </a:ln>
-        </p:spPr>
-        <p:style>
-          <a:lnRef idx="2">
-            <a:schemeClr val="accent1">
-              <a:shade val="50000"/>
-            </a:schemeClr>
-          </a:lnRef>
-          <a:fillRef idx="1">
-            <a:schemeClr val="accent1"/>
-          </a:fillRef>
-          <a:effectRef idx="0">
-            <a:schemeClr val="accent1"/>
-          </a:effectRef>
-          <a:fontRef idx="minor">
-            <a:schemeClr val="lt1"/>
-          </a:fontRef>
-        </p:style>
-        <p:txBody>
-          <a:bodyPr rtlCol="0" anchor="ctr"/>
-          <a:lstStyle/>
-          <a:p>
-            <a:pPr algn="ctr"/>
-            <a:r>
-              <a:rPr lang="en-US" sz="1400" dirty="0" smtClean="0">
-                <a:solidFill>
-                  <a:schemeClr val="tx1"/>
-                </a:solidFill>
-              </a:rPr>
-              <a:t>Elektron Core</a:t>
-            </a:r>
-            <a:endParaRPr lang="en-US" sz="1400" dirty="0">
-              <a:solidFill>
-                <a:schemeClr val="tx1"/>
-              </a:solidFill>
-            </a:endParaRPr>
-          </a:p>
-        </p:txBody>
-      </p:sp>
-      <p:sp>
-        <p:nvSpPr>
-          <p:cNvPr id="8" name="Rounded Rectangle 7"/>
-          <p:cNvSpPr/>
-          <p:nvPr/>
-        </p:nvSpPr>
-        <p:spPr>
-          <a:xfrm>
-            <a:off x="685800" y="838200"/>
-            <a:ext cx="2286000" cy="381000"/>
-          </a:xfrm>
-          <a:prstGeom prst="roundRect">
-            <a:avLst/>
-          </a:prstGeom>
-          <a:solidFill>
-            <a:schemeClr val="accent6"/>
-          </a:solidFill>
-          <a:ln>
-            <a:noFill/>
-          </a:ln>
-        </p:spPr>
-        <p:style>
-          <a:lnRef idx="2">
-            <a:schemeClr val="accent1">
-              <a:shade val="50000"/>
-            </a:schemeClr>
-          </a:lnRef>
-          <a:fillRef idx="1">
-            <a:schemeClr val="accent1"/>
-          </a:fillRef>
-          <a:effectRef idx="0">
-            <a:schemeClr val="accent1"/>
-          </a:effectRef>
-          <a:fontRef idx="minor">
-            <a:schemeClr val="lt1"/>
-          </a:fontRef>
-        </p:style>
-        <p:txBody>
-          <a:bodyPr rtlCol="0" anchor="ctr"/>
-          <a:lstStyle/>
-          <a:p>
-            <a:pPr algn="ctr"/>
-            <a:r>
-              <a:rPr lang="en-US" sz="1200" dirty="0" smtClean="0">
-                <a:solidFill>
-                  <a:schemeClr val="tx1"/>
-                </a:solidFill>
-              </a:rPr>
-              <a:t>Collections Head End</a:t>
-            </a:r>
-            <a:endParaRPr lang="en-US" sz="1200" dirty="0">
-              <a:solidFill>
-                <a:schemeClr val="tx1"/>
-              </a:solidFill>
-            </a:endParaRPr>
-          </a:p>
-        </p:txBody>
-      </p:sp>
-      <p:sp>
-        <p:nvSpPr>
-          <p:cNvPr id="9" name="Rounded Rectangle 8"/>
-          <p:cNvSpPr/>
-          <p:nvPr/>
-        </p:nvSpPr>
-        <p:spPr>
-          <a:xfrm>
-            <a:off x="685800" y="1447800"/>
-            <a:ext cx="2286000" cy="381000"/>
-          </a:xfrm>
-          <a:prstGeom prst="roundRect">
-            <a:avLst/>
-          </a:prstGeom>
-          <a:solidFill>
-            <a:schemeClr val="accent3">
-              <a:lumMod val="60000"/>
-              <a:lumOff val="40000"/>
-            </a:schemeClr>
-          </a:solidFill>
-          <a:ln>
-            <a:noFill/>
-          </a:ln>
-        </p:spPr>
-        <p:style>
-          <a:lnRef idx="2">
-            <a:schemeClr val="accent1">
-              <a:shade val="50000"/>
-            </a:schemeClr>
-          </a:lnRef>
-          <a:fillRef idx="1">
-            <a:schemeClr val="accent1"/>
-          </a:fillRef>
-          <a:effectRef idx="0">
-            <a:schemeClr val="accent1"/>
-          </a:effectRef>
-          <a:fontRef idx="minor">
-            <a:schemeClr val="lt1"/>
-          </a:fontRef>
-        </p:style>
-        <p:txBody>
-          <a:bodyPr rtlCol="0" anchor="ctr"/>
-          <a:lstStyle/>
-          <a:p>
-            <a:pPr algn="ctr"/>
-            <a:r>
-              <a:rPr lang="en-US" sz="1200" dirty="0" smtClean="0">
-                <a:solidFill>
-                  <a:schemeClr val="tx1"/>
-                </a:solidFill>
-              </a:rPr>
-              <a:t>Contribution Services Gateway</a:t>
-            </a:r>
-            <a:endParaRPr lang="en-US" sz="1200" dirty="0">
-              <a:solidFill>
-                <a:schemeClr val="tx1"/>
-              </a:solidFill>
-            </a:endParaRPr>
-          </a:p>
-        </p:txBody>
-      </p:sp>
-      <p:sp>
-        <p:nvSpPr>
-          <p:cNvPr id="10" name="Rounded Rectangle 9"/>
-          <p:cNvSpPr/>
-          <p:nvPr/>
-        </p:nvSpPr>
-        <p:spPr>
-          <a:xfrm>
-            <a:off x="457200" y="2133600"/>
-            <a:ext cx="2819400" cy="685800"/>
-          </a:xfrm>
-          <a:prstGeom prst="roundRect">
-            <a:avLst/>
-          </a:prstGeom>
-        </p:spPr>
-        <p:style>
-          <a:lnRef idx="2">
-            <a:schemeClr val="accent1">
-              <a:shade val="50000"/>
-            </a:schemeClr>
-          </a:lnRef>
-          <a:fillRef idx="1">
-            <a:schemeClr val="accent1"/>
-          </a:fillRef>
-          <a:effectRef idx="0">
-            <a:schemeClr val="accent1"/>
-          </a:effectRef>
-          <a:fontRef idx="minor">
-            <a:schemeClr val="lt1"/>
-          </a:fontRef>
-        </p:style>
-        <p:txBody>
-          <a:bodyPr rtlCol="0" anchor="ctr"/>
-          <a:lstStyle/>
-          <a:p>
-            <a:pPr algn="ctr"/>
-            <a:endParaRPr lang="en-US" dirty="0"/>
-          </a:p>
-        </p:txBody>
-      </p:sp>
-      <p:sp>
-        <p:nvSpPr>
-          <p:cNvPr id="11" name="Cloud 10"/>
-          <p:cNvSpPr/>
-          <p:nvPr/>
-        </p:nvSpPr>
-        <p:spPr>
-          <a:xfrm>
-            <a:off x="685800" y="2971800"/>
-            <a:ext cx="2209800" cy="457200"/>
-          </a:xfrm>
-          <a:prstGeom prst="cloud">
-            <a:avLst/>
-          </a:prstGeom>
-          <a:noFill/>
-          <a:ln w="12700">
-            <a:solidFill>
-              <a:schemeClr val="accent3">
-                <a:lumMod val="50000"/>
-              </a:schemeClr>
-            </a:solidFill>
-          </a:ln>
-        </p:spPr>
-        <p:style>
-          <a:lnRef idx="2">
-            <a:schemeClr val="accent1">
-              <a:shade val="50000"/>
-            </a:schemeClr>
-          </a:lnRef>
-          <a:fillRef idx="1">
-            <a:schemeClr val="accent1"/>
-          </a:fillRef>
-          <a:effectRef idx="0">
-            <a:schemeClr val="accent1"/>
-          </a:effectRef>
-          <a:fontRef idx="minor">
-            <a:schemeClr val="lt1"/>
-          </a:fontRef>
-        </p:style>
-        <p:txBody>
-          <a:bodyPr rtlCol="0" anchor="ctr"/>
-          <a:lstStyle/>
-          <a:p>
-            <a:pPr algn="ctr"/>
-            <a:r>
-              <a:rPr lang="en-US" sz="1400" dirty="0" smtClean="0">
-                <a:solidFill>
-                  <a:schemeClr val="tx1"/>
-                </a:solidFill>
-              </a:rPr>
-              <a:t>Delivery </a:t>
-            </a:r>
-            <a:br>
-              <a:rPr lang="en-US" sz="1400" dirty="0" smtClean="0">
-                <a:solidFill>
-                  <a:schemeClr val="tx1"/>
-                </a:solidFill>
-              </a:rPr>
-            </a:br>
-            <a:r>
-              <a:rPr lang="en-US" sz="1400" dirty="0" smtClean="0">
-                <a:solidFill>
-                  <a:schemeClr val="tx1"/>
-                </a:solidFill>
-              </a:rPr>
-              <a:t>Direct</a:t>
-            </a:r>
-            <a:endParaRPr lang="en-US" sz="1400" dirty="0">
-              <a:solidFill>
-                <a:schemeClr val="tx1"/>
-              </a:solidFill>
-            </a:endParaRPr>
-          </a:p>
-        </p:txBody>
-      </p:sp>
-      <p:sp>
-        <p:nvSpPr>
-          <p:cNvPr id="12" name="Rounded Rectangle 11"/>
-          <p:cNvSpPr/>
-          <p:nvPr/>
-        </p:nvSpPr>
-        <p:spPr>
-          <a:xfrm>
-            <a:off x="1295400" y="3810000"/>
-            <a:ext cx="1143000" cy="609600"/>
-          </a:xfrm>
-          <a:prstGeom prst="roundRect">
-            <a:avLst/>
-          </a:prstGeom>
-          <a:solidFill>
-            <a:schemeClr val="accent6">
-              <a:lumMod val="75000"/>
-            </a:schemeClr>
-          </a:solidFill>
-          <a:ln>
-            <a:noFill/>
-          </a:ln>
-        </p:spPr>
-        <p:style>
-          <a:lnRef idx="2">
-            <a:schemeClr val="accent1">
-              <a:shade val="50000"/>
-            </a:schemeClr>
-          </a:lnRef>
-          <a:fillRef idx="1">
-            <a:schemeClr val="accent1"/>
-          </a:fillRef>
-          <a:effectRef idx="0">
-            <a:schemeClr val="accent1"/>
-          </a:effectRef>
-          <a:fontRef idx="minor">
-            <a:schemeClr val="lt1"/>
-          </a:fontRef>
-        </p:style>
-        <p:txBody>
-          <a:bodyPr rtlCol="0" anchor="ctr"/>
-          <a:lstStyle/>
-          <a:p>
-            <a:pPr algn="ctr"/>
-            <a:r>
-              <a:rPr lang="en-US" sz="1400" dirty="0" smtClean="0">
-                <a:solidFill>
-                  <a:schemeClr val="tx1"/>
-                </a:solidFill>
-              </a:rPr>
-              <a:t>ADH</a:t>
-            </a:r>
-            <a:endParaRPr lang="en-US" sz="1400" dirty="0">
-              <a:solidFill>
-                <a:schemeClr val="tx1"/>
-              </a:solidFill>
-            </a:endParaRPr>
-          </a:p>
-        </p:txBody>
-      </p:sp>
-      <p:sp>
-        <p:nvSpPr>
-          <p:cNvPr id="14" name="Rounded Rectangle 13"/>
-          <p:cNvSpPr/>
-          <p:nvPr/>
-        </p:nvSpPr>
-        <p:spPr>
-          <a:xfrm>
-            <a:off x="1295400" y="4648200"/>
-            <a:ext cx="1143000" cy="609600"/>
-          </a:xfrm>
-          <a:prstGeom prst="roundRect">
-            <a:avLst/>
-          </a:prstGeom>
-          <a:solidFill>
-            <a:schemeClr val="accent6">
-              <a:lumMod val="75000"/>
-            </a:schemeClr>
-          </a:solidFill>
-          <a:ln>
-            <a:noFill/>
-          </a:ln>
-        </p:spPr>
-        <p:style>
-          <a:lnRef idx="2">
-            <a:schemeClr val="accent1">
-              <a:shade val="50000"/>
-            </a:schemeClr>
-          </a:lnRef>
-          <a:fillRef idx="1">
-            <a:schemeClr val="accent1"/>
-          </a:fillRef>
-          <a:effectRef idx="0">
-            <a:schemeClr val="accent1"/>
-          </a:effectRef>
-          <a:fontRef idx="minor">
-            <a:schemeClr val="lt1"/>
-          </a:fontRef>
-        </p:style>
-        <p:txBody>
-          <a:bodyPr rtlCol="0" anchor="ctr"/>
-          <a:lstStyle/>
-          <a:p>
-            <a:pPr algn="ctr"/>
-            <a:r>
-              <a:rPr lang="en-US" sz="1400" dirty="0" smtClean="0">
-                <a:solidFill>
-                  <a:schemeClr val="tx1"/>
-                </a:solidFill>
-              </a:rPr>
-              <a:t>ADS</a:t>
-            </a:r>
-            <a:endParaRPr lang="en-US" sz="1400" dirty="0">
-              <a:solidFill>
-                <a:schemeClr val="tx1"/>
-              </a:solidFill>
-            </a:endParaRPr>
-          </a:p>
-        </p:txBody>
-      </p:sp>
-      <p:sp>
-        <p:nvSpPr>
-          <p:cNvPr id="15" name="Rounded Rectangle 14"/>
-          <p:cNvSpPr/>
-          <p:nvPr/>
-        </p:nvSpPr>
-        <p:spPr>
-          <a:xfrm>
-            <a:off x="1295400" y="5562600"/>
-            <a:ext cx="1143000" cy="609600"/>
-          </a:xfrm>
-          <a:prstGeom prst="roundRect">
-            <a:avLst/>
-          </a:prstGeom>
-          <a:solidFill>
-            <a:schemeClr val="tx2">
-              <a:lumMod val="60000"/>
-              <a:lumOff val="40000"/>
-            </a:schemeClr>
-          </a:solidFill>
-          <a:ln>
-            <a:noFill/>
-          </a:ln>
-        </p:spPr>
-        <p:style>
-          <a:lnRef idx="2">
-            <a:schemeClr val="accent1">
-              <a:shade val="50000"/>
-            </a:schemeClr>
-          </a:lnRef>
-          <a:fillRef idx="1">
-            <a:schemeClr val="accent1"/>
-          </a:fillRef>
-          <a:effectRef idx="0">
-            <a:schemeClr val="accent1"/>
-          </a:effectRef>
-          <a:fontRef idx="minor">
-            <a:schemeClr val="lt1"/>
-          </a:fontRef>
-        </p:style>
-        <p:txBody>
-          <a:bodyPr rtlCol="0" anchor="ctr"/>
-          <a:lstStyle/>
-          <a:p>
-            <a:pPr algn="ctr"/>
-            <a:r>
-              <a:rPr lang="en-US" sz="1400" dirty="0" smtClean="0">
-                <a:solidFill>
-                  <a:schemeClr val="tx1"/>
-                </a:solidFill>
-              </a:rPr>
-              <a:t>Application</a:t>
-            </a:r>
-            <a:endParaRPr lang="en-US" sz="1400" dirty="0">
-              <a:solidFill>
-                <a:schemeClr val="tx1"/>
-              </a:solidFill>
-            </a:endParaRPr>
-          </a:p>
-        </p:txBody>
-      </p:sp>
-    </p:spTree>
   </p:cSld>
   <p:clrMapOvr>
     <a:masterClrMapping/>

--- a/diagram/diagram.pptx
+++ b/diagram/diagram.pptx
@@ -6019,13 +6019,14 @@
           <p:cNvCxnSpPr>
             <a:cxnSpLocks/>
             <a:stCxn id="7" idx="0"/>
+            <a:endCxn id="44" idx="0"/>
           </p:cNvCxnSpPr>
           <p:nvPr/>
         </p:nvCxnSpPr>
         <p:spPr>
           <a:xfrm>
             <a:off x="5944837" y="418879"/>
-            <a:ext cx="697393" cy="809721"/>
+            <a:ext cx="694710" cy="677806"/>
           </a:xfrm>
           <a:prstGeom prst="bentConnector2">
             <a:avLst/>
@@ -6319,7 +6320,7 @@
         </p:nvSpPr>
         <p:spPr>
           <a:xfrm>
-            <a:off x="5796136" y="1010534"/>
+            <a:off x="5793453" y="1096685"/>
             <a:ext cx="1692188" cy="578106"/>
           </a:xfrm>
           <a:prstGeom prst="roundRect">
